--- a/cozyhouzz_ver2.1_영현_170705.pptx
+++ b/cozyhouzz_ver2.1_영현_170705.pptx
@@ -304,7 +304,7 @@
           <a:p>
             <a:fld id="{CA7F18A9-4C68-44BA-89AA-2CD17216A3FA}" type="datetimeFigureOut">
               <a:rPr lang="ko-KR" altLang="en-US" smtClean="0"/>
-              <a:t>2017-07-05</a:t>
+              <a:t>2017-07-07</a:t>
             </a:fld>
             <a:endParaRPr lang="ko-KR" altLang="en-US"/>
           </a:p>
@@ -700,7 +700,7 @@
           <a:p>
             <a:fld id="{E6971EBF-B6B7-4568-AA95-B65874C39AF8}" type="datetimeFigureOut">
               <a:rPr lang="ko-KR" altLang="en-US" smtClean="0"/>
-              <a:t>2017-07-05</a:t>
+              <a:t>2017-07-07</a:t>
             </a:fld>
             <a:endParaRPr lang="ko-KR" altLang="en-US"/>
           </a:p>
@@ -868,7 +868,7 @@
           <a:p>
             <a:fld id="{E6971EBF-B6B7-4568-AA95-B65874C39AF8}" type="datetimeFigureOut">
               <a:rPr lang="ko-KR" altLang="en-US" smtClean="0"/>
-              <a:t>2017-07-05</a:t>
+              <a:t>2017-07-07</a:t>
             </a:fld>
             <a:endParaRPr lang="ko-KR" altLang="en-US"/>
           </a:p>
@@ -1046,7 +1046,7 @@
           <a:p>
             <a:fld id="{E6971EBF-B6B7-4568-AA95-B65874C39AF8}" type="datetimeFigureOut">
               <a:rPr lang="ko-KR" altLang="en-US" smtClean="0"/>
-              <a:t>2017-07-05</a:t>
+              <a:t>2017-07-07</a:t>
             </a:fld>
             <a:endParaRPr lang="ko-KR" altLang="en-US"/>
           </a:p>
@@ -2725,7 +2725,7 @@
           <a:p>
             <a:fld id="{E6971EBF-B6B7-4568-AA95-B65874C39AF8}" type="datetimeFigureOut">
               <a:rPr lang="ko-KR" altLang="en-US" smtClean="0"/>
-              <a:t>2017-07-05</a:t>
+              <a:t>2017-07-07</a:t>
             </a:fld>
             <a:endParaRPr lang="ko-KR" altLang="en-US"/>
           </a:p>
@@ -2909,7 +2909,7 @@
           <a:p>
             <a:fld id="{E6971EBF-B6B7-4568-AA95-B65874C39AF8}" type="datetimeFigureOut">
               <a:rPr lang="ko-KR" altLang="en-US" smtClean="0"/>
-              <a:t>2017-07-05</a:t>
+              <a:t>2017-07-07</a:t>
             </a:fld>
             <a:endParaRPr lang="ko-KR" altLang="en-US"/>
           </a:p>
@@ -3154,7 +3154,7 @@
           <a:p>
             <a:fld id="{E6971EBF-B6B7-4568-AA95-B65874C39AF8}" type="datetimeFigureOut">
               <a:rPr lang="ko-KR" altLang="en-US" smtClean="0"/>
-              <a:t>2017-07-05</a:t>
+              <a:t>2017-07-07</a:t>
             </a:fld>
             <a:endParaRPr lang="ko-KR" altLang="en-US"/>
           </a:p>
@@ -3383,7 +3383,7 @@
           <a:p>
             <a:fld id="{E6971EBF-B6B7-4568-AA95-B65874C39AF8}" type="datetimeFigureOut">
               <a:rPr lang="ko-KR" altLang="en-US" smtClean="0"/>
-              <a:t>2017-07-05</a:t>
+              <a:t>2017-07-07</a:t>
             </a:fld>
             <a:endParaRPr lang="ko-KR" altLang="en-US"/>
           </a:p>
@@ -3747,7 +3747,7 @@
           <a:p>
             <a:fld id="{E6971EBF-B6B7-4568-AA95-B65874C39AF8}" type="datetimeFigureOut">
               <a:rPr lang="ko-KR" altLang="en-US" smtClean="0"/>
-              <a:t>2017-07-05</a:t>
+              <a:t>2017-07-07</a:t>
             </a:fld>
             <a:endParaRPr lang="ko-KR" altLang="en-US"/>
           </a:p>
@@ -3864,7 +3864,7 @@
           <a:p>
             <a:fld id="{E6971EBF-B6B7-4568-AA95-B65874C39AF8}" type="datetimeFigureOut">
               <a:rPr lang="ko-KR" altLang="en-US" smtClean="0"/>
-              <a:t>2017-07-05</a:t>
+              <a:t>2017-07-07</a:t>
             </a:fld>
             <a:endParaRPr lang="ko-KR" altLang="en-US"/>
           </a:p>
@@ -3959,7 +3959,7 @@
           <a:p>
             <a:fld id="{E6971EBF-B6B7-4568-AA95-B65874C39AF8}" type="datetimeFigureOut">
               <a:rPr lang="ko-KR" altLang="en-US" smtClean="0"/>
-              <a:t>2017-07-05</a:t>
+              <a:t>2017-07-07</a:t>
             </a:fld>
             <a:endParaRPr lang="ko-KR" altLang="en-US"/>
           </a:p>
@@ -4234,7 +4234,7 @@
           <a:p>
             <a:fld id="{E6971EBF-B6B7-4568-AA95-B65874C39AF8}" type="datetimeFigureOut">
               <a:rPr lang="ko-KR" altLang="en-US" smtClean="0"/>
-              <a:t>2017-07-05</a:t>
+              <a:t>2017-07-07</a:t>
             </a:fld>
             <a:endParaRPr lang="ko-KR" altLang="en-US"/>
           </a:p>
@@ -4486,7 +4486,7 @@
           <a:p>
             <a:fld id="{E6971EBF-B6B7-4568-AA95-B65874C39AF8}" type="datetimeFigureOut">
               <a:rPr lang="ko-KR" altLang="en-US" smtClean="0"/>
-              <a:t>2017-07-05</a:t>
+              <a:t>2017-07-07</a:t>
             </a:fld>
             <a:endParaRPr lang="ko-KR" altLang="en-US"/>
           </a:p>
@@ -4697,7 +4697,7 @@
           <a:p>
             <a:fld id="{E6971EBF-B6B7-4568-AA95-B65874C39AF8}" type="datetimeFigureOut">
               <a:rPr lang="ko-KR" altLang="en-US" smtClean="0"/>
-              <a:t>2017-07-05</a:t>
+              <a:t>2017-07-07</a:t>
             </a:fld>
             <a:endParaRPr lang="ko-KR" altLang="en-US"/>
           </a:p>
@@ -16121,48 +16121,10 @@
               <a:t> (1) - </a:t>
             </a:r>
             <a:r>
-              <a:rPr lang="ko-KR" altLang="en-US" b="1" dirty="0"/>
-              <a:t>추가진행작업</a:t>
-            </a:r>
-          </a:p>
-        </p:txBody>
-      </p:sp>
-      <p:sp>
-        <p:nvSpPr>
-          <p:cNvPr id="33" name="TextBox 32"/>
-          <p:cNvSpPr txBox="1"/>
-          <p:nvPr/>
-        </p:nvSpPr>
-        <p:spPr>
-          <a:xfrm>
-            <a:off x="3206197" y="5730987"/>
-            <a:ext cx="4635340" cy="923330"/>
-          </a:xfrm>
-          <a:prstGeom prst="rect">
-            <a:avLst/>
-          </a:prstGeom>
-          <a:noFill/>
-        </p:spPr>
-        <p:txBody>
-          <a:bodyPr wrap="square" rtlCol="0">
-            <a:spAutoFit/>
-          </a:bodyPr>
-          <a:lstStyle/>
-          <a:p>
-            <a:r>
-              <a:rPr lang="ko-KR" altLang="en-US" b="1" dirty="0"/>
-              <a:t>참고 파일 </a:t>
-            </a:r>
-            <a:r>
-              <a:rPr lang="en-US" altLang="ko-KR" b="1" dirty="0"/>
-              <a:t>: contact-2.html, Contact-5.html, </a:t>
-            </a:r>
-          </a:p>
-          <a:p>
-            <a:r>
-              <a:rPr lang="en-US" altLang="ko-KR" b="1" dirty="0"/>
-              <a:t>About-me.html, about.html</a:t>
-            </a:r>
+              <a:rPr lang="en-US" altLang="ko-KR" b="1" dirty="0" smtClean="0"/>
+              <a:t>follower</a:t>
+            </a:r>
+            <a:endParaRPr lang="ko-KR" altLang="en-US" b="1" dirty="0"/>
           </a:p>
         </p:txBody>
       </p:sp>
@@ -16256,254 +16218,72 @@
           </a:p>
         </p:txBody>
       </p:sp>
-      <p:sp>
-        <p:nvSpPr>
-          <p:cNvPr id="124" name="직사각형 123"/>
-          <p:cNvSpPr/>
-          <p:nvPr/>
-        </p:nvSpPr>
-        <p:spPr>
-          <a:xfrm>
-            <a:off x="6863599" y="917019"/>
-            <a:ext cx="976165" cy="276999"/>
-          </a:xfrm>
-          <a:prstGeom prst="rect">
-            <a:avLst/>
-          </a:prstGeom>
-        </p:spPr>
-        <p:txBody>
-          <a:bodyPr wrap="none">
-            <a:spAutoFit/>
-          </a:bodyPr>
-          <a:lstStyle/>
-          <a:p>
-            <a:r>
-              <a:rPr lang="en-US" altLang="ko-KR" sz="1200" dirty="0"/>
-              <a:t>profile.html</a:t>
-            </a:r>
-            <a:endParaRPr lang="ko-KR" altLang="en-US" sz="1200" dirty="0"/>
-          </a:p>
-        </p:txBody>
-      </p:sp>
-      <p:cxnSp>
-        <p:nvCxnSpPr>
-          <p:cNvPr id="125" name="직선 화살표 연결선 124"/>
-          <p:cNvCxnSpPr>
-            <a:stCxn id="30" idx="3"/>
-          </p:cNvCxnSpPr>
-          <p:nvPr/>
-        </p:nvCxnSpPr>
-        <p:spPr>
-          <a:xfrm flipV="1">
-            <a:off x="6504521" y="1503693"/>
-            <a:ext cx="260384" cy="759045"/>
-          </a:xfrm>
-          <a:prstGeom prst="straightConnector1">
-            <a:avLst/>
-          </a:prstGeom>
-          <a:ln w="31750">
-            <a:solidFill>
-              <a:schemeClr val="accent2"/>
-            </a:solidFill>
-            <a:tailEnd type="triangle"/>
-          </a:ln>
-        </p:spPr>
-        <p:style>
-          <a:lnRef idx="1">
-            <a:schemeClr val="accent1"/>
-          </a:lnRef>
-          <a:fillRef idx="0">
-            <a:schemeClr val="accent1"/>
-          </a:fillRef>
-          <a:effectRef idx="0">
-            <a:schemeClr val="accent1"/>
-          </a:effectRef>
-          <a:fontRef idx="minor">
-            <a:schemeClr val="tx1"/>
-          </a:fontRef>
-        </p:style>
-      </p:cxnSp>
-      <p:grpSp>
-        <p:nvGrpSpPr>
-          <p:cNvPr id="32" name="그룹 31"/>
-          <p:cNvGrpSpPr/>
-          <p:nvPr/>
-        </p:nvGrpSpPr>
-        <p:grpSpPr>
-          <a:xfrm>
-            <a:off x="382762" y="1062373"/>
-            <a:ext cx="6121759" cy="2094550"/>
-            <a:chOff x="610224" y="955280"/>
-            <a:chExt cx="4432100" cy="1516436"/>
-          </a:xfrm>
-        </p:grpSpPr>
-        <p:pic>
-          <p:nvPicPr>
-            <p:cNvPr id="63" name="그림 62"/>
-            <p:cNvPicPr>
-              <a:picLocks noChangeAspect="1"/>
-            </p:cNvPicPr>
-            <p:nvPr/>
-          </p:nvPicPr>
-          <p:blipFill>
-            <a:blip r:embed="rId2"/>
-            <a:stretch>
-              <a:fillRect/>
-            </a:stretch>
-          </p:blipFill>
-          <p:spPr>
-            <a:xfrm>
-              <a:off x="610224" y="955280"/>
-              <a:ext cx="4422371" cy="190620"/>
-            </a:xfrm>
-            <a:prstGeom prst="rect">
-              <a:avLst/>
-            </a:prstGeom>
-          </p:spPr>
-        </p:pic>
-        <p:pic>
-          <p:nvPicPr>
-            <p:cNvPr id="31" name="그림 30"/>
-            <p:cNvPicPr>
-              <a:picLocks noChangeAspect="1"/>
-            </p:cNvPicPr>
-            <p:nvPr/>
-          </p:nvPicPr>
-          <p:blipFill>
-            <a:blip r:embed="rId3"/>
-            <a:stretch>
-              <a:fillRect/>
-            </a:stretch>
-          </p:blipFill>
-          <p:spPr>
-            <a:xfrm>
-              <a:off x="610225" y="1250854"/>
-              <a:ext cx="3566122" cy="500359"/>
-            </a:xfrm>
-            <a:prstGeom prst="rect">
-              <a:avLst/>
-            </a:prstGeom>
-          </p:spPr>
-        </p:pic>
-        <p:pic>
-          <p:nvPicPr>
-            <p:cNvPr id="30" name="그림 29"/>
-            <p:cNvPicPr>
-              <a:picLocks noChangeAspect="1"/>
-            </p:cNvPicPr>
-            <p:nvPr/>
-          </p:nvPicPr>
-          <p:blipFill>
-            <a:blip r:embed="rId4"/>
-            <a:stretch>
-              <a:fillRect/>
-            </a:stretch>
-          </p:blipFill>
-          <p:spPr>
-            <a:xfrm>
-              <a:off x="3708910" y="1176951"/>
-              <a:ext cx="1333414" cy="1294765"/>
-            </a:xfrm>
-            <a:prstGeom prst="rect">
-              <a:avLst/>
-            </a:prstGeom>
-          </p:spPr>
-        </p:pic>
-        <p:sp>
-          <p:nvSpPr>
-            <p:cNvPr id="93" name="TextBox 92"/>
-            <p:cNvSpPr txBox="1"/>
-            <p:nvPr/>
-          </p:nvSpPr>
-          <p:spPr>
-            <a:xfrm>
-              <a:off x="1021783" y="1485849"/>
-              <a:ext cx="1821150" cy="246221"/>
-            </a:xfrm>
-            <a:prstGeom prst="rect">
-              <a:avLst/>
-            </a:prstGeom>
-            <a:solidFill>
-              <a:schemeClr val="bg1"/>
-            </a:solidFill>
-          </p:spPr>
-          <p:txBody>
-            <a:bodyPr wrap="square" rtlCol="0">
-              <a:spAutoFit/>
-            </a:bodyPr>
-            <a:lstStyle/>
-            <a:p>
-              <a:r>
-                <a:rPr lang="en-US" altLang="ko-KR" sz="1000" dirty="0" err="1"/>
-                <a:t>user.meta_value.comment</a:t>
-              </a:r>
-              <a:endParaRPr lang="ko-KR" altLang="en-US" sz="1000" dirty="0"/>
-            </a:p>
-          </p:txBody>
-        </p:sp>
-        <p:sp>
-          <p:nvSpPr>
-            <p:cNvPr id="137" name="타원 136"/>
-            <p:cNvSpPr/>
-            <p:nvPr/>
-          </p:nvSpPr>
-          <p:spPr>
-            <a:xfrm>
-              <a:off x="2437882" y="1270297"/>
-              <a:ext cx="932736" cy="283490"/>
-            </a:xfrm>
-            <a:prstGeom prst="ellipse">
-              <a:avLst/>
-            </a:prstGeom>
-          </p:spPr>
-          <p:style>
-            <a:lnRef idx="2">
-              <a:schemeClr val="accent5">
-                <a:shade val="50000"/>
-              </a:schemeClr>
-            </a:lnRef>
-            <a:fillRef idx="1">
-              <a:schemeClr val="accent5"/>
-            </a:fillRef>
-            <a:effectRef idx="0">
-              <a:schemeClr val="accent5"/>
-            </a:effectRef>
-            <a:fontRef idx="minor">
-              <a:schemeClr val="lt1"/>
-            </a:fontRef>
-          </p:style>
-          <p:txBody>
-            <a:bodyPr rtlCol="0" anchor="ctr"/>
-            <a:lstStyle/>
-            <a:p>
-              <a:pPr algn="ctr"/>
-              <a:r>
-                <a:rPr lang="en-US" altLang="ko-KR" sz="800" b="1" dirty="0"/>
-                <a:t>Member_type</a:t>
-              </a:r>
-              <a:endParaRPr lang="ko-KR" altLang="en-US" sz="800" b="1" dirty="0"/>
-            </a:p>
-          </p:txBody>
-        </p:sp>
-      </p:grpSp>
       <p:pic>
         <p:nvPicPr>
-          <p:cNvPr id="34" name="그림 33"/>
+          <p:cNvPr id="63" name="그림 62"/>
           <p:cNvPicPr>
             <a:picLocks noChangeAspect="1"/>
           </p:cNvPicPr>
           <p:nvPr/>
         </p:nvPicPr>
         <p:blipFill>
-          <a:blip r:embed="rId5"/>
+          <a:blip r:embed="rId2"/>
           <a:stretch>
             <a:fillRect/>
           </a:stretch>
         </p:blipFill>
         <p:spPr>
           <a:xfrm>
-            <a:off x="354335" y="2571595"/>
-            <a:ext cx="4321871" cy="275413"/>
+            <a:off x="382762" y="1062373"/>
+            <a:ext cx="6108321" cy="263290"/>
+          </a:xfrm>
+          <a:prstGeom prst="rect">
+            <a:avLst/>
+          </a:prstGeom>
+        </p:spPr>
+      </p:pic>
+      <p:pic>
+        <p:nvPicPr>
+          <p:cNvPr id="31" name="그림 30"/>
+          <p:cNvPicPr>
+            <a:picLocks noChangeAspect="1"/>
+          </p:cNvPicPr>
+          <p:nvPr/>
+        </p:nvPicPr>
+        <p:blipFill>
+          <a:blip r:embed="rId3"/>
+          <a:stretch>
+            <a:fillRect/>
+          </a:stretch>
+        </p:blipFill>
+        <p:spPr>
+          <a:xfrm>
+            <a:off x="382763" y="1470629"/>
+            <a:ext cx="4925642" cy="691112"/>
+          </a:xfrm>
+          <a:prstGeom prst="rect">
+            <a:avLst/>
+          </a:prstGeom>
+        </p:spPr>
+      </p:pic>
+      <p:pic>
+        <p:nvPicPr>
+          <p:cNvPr id="30" name="그림 29"/>
+          <p:cNvPicPr>
+            <a:picLocks noChangeAspect="1"/>
+          </p:cNvPicPr>
+          <p:nvPr/>
+        </p:nvPicPr>
+        <p:blipFill>
+          <a:blip r:embed="rId4"/>
+          <a:stretch>
+            <a:fillRect/>
+          </a:stretch>
+        </p:blipFill>
+        <p:spPr>
+          <a:xfrm>
+            <a:off x="4662767" y="1368552"/>
+            <a:ext cx="1841754" cy="1788371"/>
           </a:xfrm>
           <a:prstGeom prst="rect">
             <a:avLst/>
@@ -16512,239 +16292,30 @@
       </p:pic>
       <p:sp>
         <p:nvSpPr>
-          <p:cNvPr id="143" name="직사각형 142"/>
+          <p:cNvPr id="137" name="타원 136"/>
           <p:cNvSpPr/>
           <p:nvPr/>
         </p:nvSpPr>
         <p:spPr>
           <a:xfrm>
-            <a:off x="7341579" y="4687423"/>
-            <a:ext cx="4850421" cy="1938992"/>
-          </a:xfrm>
-          <a:prstGeom prst="rect">
-            <a:avLst/>
-          </a:prstGeom>
-        </p:spPr>
-        <p:txBody>
-          <a:bodyPr wrap="square">
-            <a:spAutoFit/>
-          </a:bodyPr>
-          <a:lstStyle/>
-          <a:p>
-            <a:pPr algn="ctr"/>
-            <a:r>
-              <a:rPr lang="en-US" altLang="ko-KR" b="1" dirty="0"/>
-              <a:t>&lt; </a:t>
-            </a:r>
-            <a:r>
-              <a:rPr lang="ko-KR" altLang="en-US" b="1" dirty="0"/>
-              <a:t>참고사항 </a:t>
-            </a:r>
-            <a:r>
-              <a:rPr lang="en-US" altLang="ko-KR" b="1" dirty="0"/>
-              <a:t>&gt;</a:t>
-            </a:r>
-          </a:p>
-          <a:p>
-            <a:pPr algn="ctr"/>
-            <a:endParaRPr lang="en-US" altLang="ko-KR" b="1" dirty="0"/>
-          </a:p>
-          <a:p>
-            <a:pPr marL="285750" indent="-285750">
-              <a:buFontTx/>
-              <a:buChar char="-"/>
-            </a:pPr>
-            <a:r>
-              <a:rPr lang="en-US" altLang="ko-KR" sz="1400" b="1" dirty="0"/>
-              <a:t>Follower(</a:t>
-            </a:r>
-            <a:r>
-              <a:rPr lang="ko-KR" altLang="en-US" sz="1400" b="1" dirty="0"/>
-              <a:t>나를 </a:t>
-            </a:r>
-            <a:r>
-              <a:rPr lang="ko-KR" altLang="en-US" sz="1400" b="1" dirty="0" err="1"/>
-              <a:t>팔로워한</a:t>
-            </a:r>
-            <a:r>
-              <a:rPr lang="ko-KR" altLang="en-US" sz="1400" b="1" dirty="0"/>
-              <a:t> 사람</a:t>
-            </a:r>
-            <a:r>
-              <a:rPr lang="en-US" altLang="ko-KR" sz="1400" b="1" dirty="0"/>
-              <a:t>), following(</a:t>
-            </a:r>
-            <a:r>
-              <a:rPr lang="ko-KR" altLang="en-US" sz="1400" b="1" dirty="0"/>
-              <a:t>내가 </a:t>
-            </a:r>
-            <a:r>
-              <a:rPr lang="ko-KR" altLang="en-US" sz="1400" b="1" dirty="0" err="1"/>
-              <a:t>팔로워한</a:t>
-            </a:r>
-            <a:r>
-              <a:rPr lang="ko-KR" altLang="en-US" sz="1400" b="1" dirty="0"/>
-              <a:t> 사람</a:t>
-            </a:r>
-            <a:r>
-              <a:rPr lang="en-US" altLang="ko-KR" sz="1400" b="1" dirty="0"/>
-              <a:t>), posts(</a:t>
-            </a:r>
-            <a:r>
-              <a:rPr lang="ko-KR" altLang="en-US" sz="1400" b="1" dirty="0"/>
-              <a:t>내 </a:t>
-            </a:r>
-            <a:r>
-              <a:rPr lang="ko-KR" altLang="en-US" sz="1400" b="1" dirty="0" err="1"/>
-              <a:t>작성글</a:t>
-            </a:r>
-            <a:r>
-              <a:rPr lang="en-US" altLang="ko-KR" sz="1400" b="1" dirty="0"/>
-              <a:t>), replies(</a:t>
-            </a:r>
-            <a:r>
-              <a:rPr lang="ko-KR" altLang="en-US" sz="1400" b="1" dirty="0"/>
-              <a:t>게시물별 </a:t>
-            </a:r>
-            <a:r>
-              <a:rPr lang="ko-KR" altLang="en-US" sz="1400" b="1" dirty="0" err="1"/>
-              <a:t>댓글</a:t>
-            </a:r>
-            <a:r>
-              <a:rPr lang="en-US" altLang="ko-KR" sz="1400" b="1" dirty="0"/>
-              <a:t>), likeposts(</a:t>
-            </a:r>
-            <a:r>
-              <a:rPr lang="ko-KR" altLang="en-US" sz="1400" b="1" dirty="0" err="1"/>
-              <a:t>좋아요를</a:t>
-            </a:r>
-            <a:r>
-              <a:rPr lang="ko-KR" altLang="en-US" sz="1400" b="1" dirty="0"/>
-              <a:t> 누른 글</a:t>
-            </a:r>
-            <a:r>
-              <a:rPr lang="en-US" altLang="ko-KR" sz="1400" b="1" dirty="0"/>
-              <a:t>)</a:t>
-            </a:r>
-          </a:p>
-          <a:p>
-            <a:pPr marL="285750" indent="-285750">
-              <a:buFontTx/>
-              <a:buChar char="-"/>
-            </a:pPr>
-            <a:r>
-              <a:rPr lang="ko-KR" altLang="en-US" sz="1400" b="1" dirty="0"/>
-              <a:t>프로필사진 </a:t>
-            </a:r>
-            <a:r>
-              <a:rPr lang="en-US" altLang="ko-KR" sz="1400" b="1" dirty="0"/>
-              <a:t>: </a:t>
-            </a:r>
-            <a:r>
-              <a:rPr lang="en-US" altLang="ko-KR" sz="1400" b="1" dirty="0" err="1"/>
-              <a:t>profile_image_path</a:t>
-            </a:r>
-            <a:r>
-              <a:rPr lang="en-US" altLang="ko-KR" sz="1400" b="1" dirty="0"/>
-              <a:t>(URL)</a:t>
-            </a:r>
-          </a:p>
-          <a:p>
-            <a:pPr marL="285750" indent="-285750">
-              <a:buFontTx/>
-              <a:buChar char="-"/>
-            </a:pPr>
-            <a:r>
-              <a:rPr lang="ko-KR" altLang="en-US" sz="1400" b="1" dirty="0"/>
-              <a:t>사진을 올리면 </a:t>
-            </a:r>
-            <a:r>
-              <a:rPr lang="ko-KR" altLang="en-US" sz="1400" b="1" dirty="0" err="1"/>
-              <a:t>인스타나</a:t>
-            </a:r>
-            <a:r>
-              <a:rPr lang="ko-KR" altLang="en-US" sz="1400" b="1" dirty="0"/>
-              <a:t> </a:t>
-            </a:r>
-            <a:r>
-              <a:rPr lang="ko-KR" altLang="en-US" sz="1400" b="1" dirty="0" err="1"/>
-              <a:t>페이스북에</a:t>
-            </a:r>
-            <a:r>
-              <a:rPr lang="ko-KR" altLang="en-US" sz="1400" b="1" dirty="0"/>
-              <a:t> 동시에 올라갈 수 있도록 하는 것도 </a:t>
-            </a:r>
-            <a:r>
-              <a:rPr lang="ko-KR" altLang="en-US" sz="1400" b="1" dirty="0" err="1"/>
-              <a:t>좋을듯</a:t>
-            </a:r>
-            <a:r>
-              <a:rPr lang="en-US" altLang="ko-KR" sz="1400" b="1" dirty="0"/>
-              <a:t>!</a:t>
-            </a:r>
-          </a:p>
-        </p:txBody>
-      </p:sp>
-      <p:sp>
-        <p:nvSpPr>
-          <p:cNvPr id="148" name="직사각형 147"/>
-          <p:cNvSpPr/>
-          <p:nvPr/>
-        </p:nvSpPr>
-        <p:spPr>
-          <a:xfrm>
-            <a:off x="2833770" y="2416990"/>
-            <a:ext cx="1579278" cy="276999"/>
-          </a:xfrm>
-          <a:prstGeom prst="rect">
-            <a:avLst/>
-          </a:prstGeom>
-        </p:spPr>
-        <p:txBody>
-          <a:bodyPr wrap="none">
-            <a:spAutoFit/>
-          </a:bodyPr>
-          <a:lstStyle/>
-          <a:p>
-            <a:r>
-              <a:rPr lang="ko-KR" altLang="en-US" sz="1200" dirty="0"/>
-              <a:t>나를 좋아한 사람 수</a:t>
-            </a:r>
-          </a:p>
-        </p:txBody>
-      </p:sp>
-      <p:sp>
-        <p:nvSpPr>
-          <p:cNvPr id="149" name="직사각형 148"/>
-          <p:cNvSpPr/>
-          <p:nvPr/>
-        </p:nvSpPr>
-        <p:spPr>
-          <a:xfrm>
-            <a:off x="418580" y="2152038"/>
-            <a:ext cx="839610" cy="321387"/>
-          </a:xfrm>
-          <a:prstGeom prst="rect">
-            <a:avLst/>
-          </a:prstGeom>
-          <a:noFill/>
-          <a:ln w="31750">
-            <a:solidFill>
-              <a:schemeClr val="accent2"/>
-            </a:solidFill>
-          </a:ln>
+            <a:off x="2406754" y="1539628"/>
+            <a:ext cx="1288325" cy="253915"/>
+          </a:xfrm>
+          <a:prstGeom prst="ellipse">
+            <a:avLst/>
+          </a:prstGeom>
         </p:spPr>
         <p:style>
           <a:lnRef idx="2">
-            <a:schemeClr val="accent1">
+            <a:schemeClr val="accent5">
               <a:shade val="50000"/>
             </a:schemeClr>
           </a:lnRef>
           <a:fillRef idx="1">
-            <a:schemeClr val="accent1"/>
+            <a:schemeClr val="accent5"/>
           </a:fillRef>
           <a:effectRef idx="0">
-            <a:schemeClr val="accent1"/>
+            <a:schemeClr val="accent5"/>
           </a:effectRef>
           <a:fontRef idx="minor">
             <a:schemeClr val="lt1"/>
@@ -16755,6 +16326,255 @@
           <a:lstStyle/>
           <a:p>
             <a:pPr algn="ctr"/>
+            <a:r>
+              <a:rPr lang="ko-KR" altLang="en-US" sz="800" b="1" dirty="0" smtClean="0"/>
+              <a:t>사업자회원</a:t>
+            </a:r>
+            <a:endParaRPr lang="ko-KR" altLang="en-US" sz="800" b="1" dirty="0"/>
+          </a:p>
+        </p:txBody>
+      </p:sp>
+      <p:pic>
+        <p:nvPicPr>
+          <p:cNvPr id="34" name="그림 33"/>
+          <p:cNvPicPr>
+            <a:picLocks noChangeAspect="1"/>
+          </p:cNvPicPr>
+          <p:nvPr/>
+        </p:nvPicPr>
+        <p:blipFill>
+          <a:blip r:embed="rId5"/>
+          <a:stretch>
+            <a:fillRect/>
+          </a:stretch>
+        </p:blipFill>
+        <p:spPr>
+          <a:xfrm>
+            <a:off x="354335" y="2241984"/>
+            <a:ext cx="4321871" cy="275413"/>
+          </a:xfrm>
+          <a:prstGeom prst="rect">
+            <a:avLst/>
+          </a:prstGeom>
+        </p:spPr>
+      </p:pic>
+      <p:sp>
+        <p:nvSpPr>
+          <p:cNvPr id="143" name="직사각형 142"/>
+          <p:cNvSpPr/>
+          <p:nvPr/>
+        </p:nvSpPr>
+        <p:spPr>
+          <a:xfrm>
+            <a:off x="6768997" y="3417629"/>
+            <a:ext cx="4850421" cy="1938992"/>
+          </a:xfrm>
+          <a:prstGeom prst="rect">
+            <a:avLst/>
+          </a:prstGeom>
+        </p:spPr>
+        <p:txBody>
+          <a:bodyPr wrap="square">
+            <a:spAutoFit/>
+          </a:bodyPr>
+          <a:lstStyle/>
+          <a:p>
+            <a:pPr algn="ctr"/>
+            <a:r>
+              <a:rPr lang="en-US" altLang="ko-KR" b="1" dirty="0"/>
+              <a:t>&lt; </a:t>
+            </a:r>
+            <a:r>
+              <a:rPr lang="ko-KR" altLang="en-US" b="1" dirty="0"/>
+              <a:t>참고사항 </a:t>
+            </a:r>
+            <a:r>
+              <a:rPr lang="en-US" altLang="ko-KR" b="1" dirty="0"/>
+              <a:t>&gt;</a:t>
+            </a:r>
+          </a:p>
+          <a:p>
+            <a:pPr algn="ctr"/>
+            <a:endParaRPr lang="en-US" altLang="ko-KR" b="1" dirty="0"/>
+          </a:p>
+          <a:p>
+            <a:pPr marL="285750" indent="-285750">
+              <a:buFontTx/>
+              <a:buChar char="-"/>
+            </a:pPr>
+            <a:r>
+              <a:rPr lang="en-US" altLang="ko-KR" sz="1400" b="1" dirty="0"/>
+              <a:t>Follower(</a:t>
+            </a:r>
+            <a:r>
+              <a:rPr lang="ko-KR" altLang="en-US" sz="1400" b="1" dirty="0"/>
+              <a:t>나를 </a:t>
+            </a:r>
+            <a:r>
+              <a:rPr lang="ko-KR" altLang="en-US" sz="1400" b="1" dirty="0" err="1"/>
+              <a:t>팔로워한</a:t>
+            </a:r>
+            <a:r>
+              <a:rPr lang="ko-KR" altLang="en-US" sz="1400" b="1" dirty="0"/>
+              <a:t> 사람</a:t>
+            </a:r>
+            <a:r>
+              <a:rPr lang="en-US" altLang="ko-KR" sz="1400" b="1" dirty="0"/>
+              <a:t>), following(</a:t>
+            </a:r>
+            <a:r>
+              <a:rPr lang="ko-KR" altLang="en-US" sz="1400" b="1" dirty="0"/>
+              <a:t>내가 </a:t>
+            </a:r>
+            <a:r>
+              <a:rPr lang="ko-KR" altLang="en-US" sz="1400" b="1" dirty="0" err="1"/>
+              <a:t>팔로워한</a:t>
+            </a:r>
+            <a:r>
+              <a:rPr lang="ko-KR" altLang="en-US" sz="1400" b="1" dirty="0"/>
+              <a:t> 사람</a:t>
+            </a:r>
+            <a:r>
+              <a:rPr lang="en-US" altLang="ko-KR" sz="1400" b="1" dirty="0"/>
+              <a:t>), posts(</a:t>
+            </a:r>
+            <a:r>
+              <a:rPr lang="ko-KR" altLang="en-US" sz="1400" b="1" dirty="0"/>
+              <a:t>내 </a:t>
+            </a:r>
+            <a:r>
+              <a:rPr lang="ko-KR" altLang="en-US" sz="1400" b="1" dirty="0" err="1"/>
+              <a:t>작성글</a:t>
+            </a:r>
+            <a:r>
+              <a:rPr lang="en-US" altLang="ko-KR" sz="1400" b="1" dirty="0"/>
+              <a:t>), replies(</a:t>
+            </a:r>
+            <a:r>
+              <a:rPr lang="ko-KR" altLang="en-US" sz="1400" b="1" dirty="0"/>
+              <a:t>게시물별 </a:t>
+            </a:r>
+            <a:r>
+              <a:rPr lang="ko-KR" altLang="en-US" sz="1400" b="1" dirty="0" err="1"/>
+              <a:t>댓글</a:t>
+            </a:r>
+            <a:r>
+              <a:rPr lang="en-US" altLang="ko-KR" sz="1400" b="1" dirty="0"/>
+              <a:t>), likeposts(</a:t>
+            </a:r>
+            <a:r>
+              <a:rPr lang="ko-KR" altLang="en-US" sz="1400" b="1" dirty="0" err="1"/>
+              <a:t>좋아요를</a:t>
+            </a:r>
+            <a:r>
+              <a:rPr lang="ko-KR" altLang="en-US" sz="1400" b="1" dirty="0"/>
+              <a:t> 누른 글</a:t>
+            </a:r>
+            <a:r>
+              <a:rPr lang="en-US" altLang="ko-KR" sz="1400" b="1" dirty="0"/>
+              <a:t>)</a:t>
+            </a:r>
+          </a:p>
+          <a:p>
+            <a:pPr marL="285750" indent="-285750">
+              <a:buFontTx/>
+              <a:buChar char="-"/>
+            </a:pPr>
+            <a:r>
+              <a:rPr lang="ko-KR" altLang="en-US" sz="1400" b="1" dirty="0"/>
+              <a:t>프로필사진 </a:t>
+            </a:r>
+            <a:r>
+              <a:rPr lang="en-US" altLang="ko-KR" sz="1400" b="1" dirty="0"/>
+              <a:t>: </a:t>
+            </a:r>
+            <a:r>
+              <a:rPr lang="en-US" altLang="ko-KR" sz="1400" b="1" dirty="0" err="1"/>
+              <a:t>profile_image_path</a:t>
+            </a:r>
+            <a:r>
+              <a:rPr lang="en-US" altLang="ko-KR" sz="1400" b="1" dirty="0"/>
+              <a:t>(URL)</a:t>
+            </a:r>
+          </a:p>
+          <a:p>
+            <a:pPr marL="285750" indent="-285750">
+              <a:buFontTx/>
+              <a:buChar char="-"/>
+            </a:pPr>
+            <a:r>
+              <a:rPr lang="ko-KR" altLang="en-US" sz="1400" b="1" dirty="0"/>
+              <a:t>사진을 올리면 </a:t>
+            </a:r>
+            <a:r>
+              <a:rPr lang="ko-KR" altLang="en-US" sz="1400" b="1" dirty="0" err="1"/>
+              <a:t>인스타나</a:t>
+            </a:r>
+            <a:r>
+              <a:rPr lang="ko-KR" altLang="en-US" sz="1400" b="1" dirty="0"/>
+              <a:t> </a:t>
+            </a:r>
+            <a:r>
+              <a:rPr lang="ko-KR" altLang="en-US" sz="1400" b="1" dirty="0" err="1"/>
+              <a:t>페이스북에</a:t>
+            </a:r>
+            <a:r>
+              <a:rPr lang="ko-KR" altLang="en-US" sz="1400" b="1" dirty="0"/>
+              <a:t> 동시에 올라갈 수 있도록 하는 것도 </a:t>
+            </a:r>
+            <a:r>
+              <a:rPr lang="ko-KR" altLang="en-US" sz="1400" b="1" dirty="0" err="1"/>
+              <a:t>좋을듯</a:t>
+            </a:r>
+            <a:r>
+              <a:rPr lang="en-US" altLang="ko-KR" sz="1400" b="1" dirty="0" smtClean="0"/>
+              <a:t>!</a:t>
+            </a:r>
+          </a:p>
+        </p:txBody>
+      </p:sp>
+      <p:sp>
+        <p:nvSpPr>
+          <p:cNvPr id="149" name="직사각형 148"/>
+          <p:cNvSpPr/>
+          <p:nvPr/>
+        </p:nvSpPr>
+        <p:spPr>
+          <a:xfrm>
+            <a:off x="944977" y="1779101"/>
+            <a:ext cx="961347" cy="321387"/>
+          </a:xfrm>
+          <a:prstGeom prst="rect">
+            <a:avLst/>
+          </a:prstGeom>
+          <a:noFill/>
+          <a:ln w="31750">
+            <a:solidFill>
+              <a:schemeClr val="accent2"/>
+            </a:solidFill>
+          </a:ln>
+        </p:spPr>
+        <p:style>
+          <a:lnRef idx="2">
+            <a:schemeClr val="accent1">
+              <a:shade val="50000"/>
+            </a:schemeClr>
+          </a:lnRef>
+          <a:fillRef idx="1">
+            <a:schemeClr val="accent1"/>
+          </a:fillRef>
+          <a:effectRef idx="0">
+            <a:schemeClr val="accent1"/>
+          </a:effectRef>
+          <a:fontRef idx="minor">
+            <a:schemeClr val="lt1"/>
+          </a:fontRef>
+        </p:style>
+        <p:txBody>
+          <a:bodyPr rtlCol="0" anchor="ctr"/>
+          <a:lstStyle/>
+          <a:p>
+            <a:pPr algn="ctr"/>
             <a:endParaRPr lang="ko-KR" altLang="en-US" dirty="0"/>
           </a:p>
         </p:txBody>
@@ -16767,7 +16587,7 @@
         </p:nvSpPr>
         <p:spPr>
           <a:xfrm>
-            <a:off x="846540" y="2584526"/>
+            <a:off x="846540" y="2254915"/>
             <a:ext cx="631904" cy="215444"/>
           </a:xfrm>
           <a:prstGeom prst="rect">
@@ -16799,8 +16619,8 @@
         </p:nvSpPr>
         <p:spPr>
           <a:xfrm>
-            <a:off x="1465806" y="2592981"/>
-            <a:ext cx="431528" cy="215444"/>
+            <a:off x="1367368" y="2242997"/>
+            <a:ext cx="572593" cy="215444"/>
           </a:xfrm>
           <a:prstGeom prst="rect">
             <a:avLst/>
@@ -16816,8 +16636,8 @@
           <a:lstStyle/>
           <a:p>
             <a:r>
-              <a:rPr lang="en-US" altLang="ko-KR" sz="800" dirty="0"/>
-              <a:t>posts</a:t>
+              <a:rPr lang="en-US" altLang="ko-KR" sz="800" dirty="0" err="1" smtClean="0"/>
+              <a:t>myposts</a:t>
             </a:r>
             <a:endParaRPr lang="ko-KR" altLang="en-US" sz="800" dirty="0"/>
           </a:p>
@@ -16831,7 +16651,7 @@
         </p:nvSpPr>
         <p:spPr>
           <a:xfrm>
-            <a:off x="1880356" y="2594943"/>
+            <a:off x="1880356" y="2265332"/>
             <a:ext cx="506870" cy="215444"/>
           </a:xfrm>
           <a:prstGeom prst="rect">
@@ -16863,7 +16683,7 @@
         </p:nvSpPr>
         <p:spPr>
           <a:xfrm>
-            <a:off x="2286423" y="2592981"/>
+            <a:off x="2286423" y="2263370"/>
             <a:ext cx="588623" cy="215444"/>
           </a:xfrm>
           <a:prstGeom prst="rect">
@@ -16895,7 +16715,7 @@
         </p:nvSpPr>
         <p:spPr>
           <a:xfrm>
-            <a:off x="304477" y="2588122"/>
+            <a:off x="304477" y="2258511"/>
             <a:ext cx="603050" cy="215444"/>
           </a:xfrm>
           <a:prstGeom prst="rect">
@@ -16905,9 +16725,7 @@
             <a:schemeClr val="bg1"/>
           </a:solidFill>
           <a:ln>
-            <a:solidFill>
-              <a:schemeClr val="tx1"/>
-            </a:solidFill>
+            <a:noFill/>
           </a:ln>
         </p:spPr>
         <p:txBody>
@@ -16929,7 +16747,7 @@
       </p:sp>
       <p:pic>
         <p:nvPicPr>
-          <p:cNvPr id="2" name="그림 1"/>
+          <p:cNvPr id="3" name="그림 2"/>
           <p:cNvPicPr>
             <a:picLocks noChangeAspect="1"/>
           </p:cNvPicPr>
@@ -16943,8 +16761,8 @@
         </p:blipFill>
         <p:spPr>
           <a:xfrm>
-            <a:off x="304477" y="2840434"/>
-            <a:ext cx="4371729" cy="1023278"/>
+            <a:off x="333069" y="2565259"/>
+            <a:ext cx="4348137" cy="384324"/>
           </a:xfrm>
           <a:prstGeom prst="rect">
             <a:avLst/>
@@ -16953,7 +16771,7 @@
       </p:pic>
       <p:pic>
         <p:nvPicPr>
-          <p:cNvPr id="3" name="그림 2"/>
+          <p:cNvPr id="4" name="그림 3"/>
           <p:cNvPicPr>
             <a:picLocks noChangeAspect="1"/>
           </p:cNvPicPr>
@@ -16967,31 +16785,7 @@
         </p:blipFill>
         <p:spPr>
           <a:xfrm>
-            <a:off x="354335" y="3352073"/>
-            <a:ext cx="4348137" cy="384324"/>
-          </a:xfrm>
-          <a:prstGeom prst="rect">
-            <a:avLst/>
-          </a:prstGeom>
-        </p:spPr>
-      </p:pic>
-      <p:pic>
-        <p:nvPicPr>
-          <p:cNvPr id="4" name="그림 3"/>
-          <p:cNvPicPr>
-            <a:picLocks noChangeAspect="1"/>
-          </p:cNvPicPr>
-          <p:nvPr/>
-        </p:nvPicPr>
-        <p:blipFill>
-          <a:blip r:embed="rId8"/>
-          <a:stretch>
-            <a:fillRect/>
-          </a:stretch>
-        </p:blipFill>
-        <p:spPr>
-          <a:xfrm>
-            <a:off x="287001" y="3715536"/>
+            <a:off x="265735" y="2928722"/>
             <a:ext cx="4372809" cy="372639"/>
           </a:xfrm>
           <a:prstGeom prst="rect">
@@ -17004,14 +16798,13 @@
           <p:cNvPr id="38" name="직선 화살표 연결선 37"/>
           <p:cNvCxnSpPr>
             <a:stCxn id="40" idx="2"/>
-            <a:endCxn id="39" idx="1"/>
           </p:cNvCxnSpPr>
           <p:nvPr/>
         </p:nvCxnSpPr>
         <p:spPr>
           <a:xfrm>
-            <a:off x="1880356" y="2470495"/>
-            <a:ext cx="4637603" cy="642314"/>
+            <a:off x="2406754" y="2097558"/>
+            <a:ext cx="4287194" cy="571087"/>
           </a:xfrm>
           <a:prstGeom prst="straightConnector1">
             <a:avLst/>
@@ -17046,8 +16839,8 @@
         </p:nvSpPr>
         <p:spPr>
           <a:xfrm>
-            <a:off x="6517959" y="2789643"/>
-            <a:ext cx="2048959" cy="646331"/>
+            <a:off x="6734097" y="1272682"/>
+            <a:ext cx="3326552" cy="461665"/>
           </a:xfrm>
           <a:prstGeom prst="rect">
             <a:avLst/>
@@ -17060,42 +16853,31 @@
           <a:lstStyle/>
           <a:p>
             <a:r>
-              <a:rPr lang="en-US" altLang="ko-KR" sz="1200" dirty="0" smtClean="0"/>
-              <a:t>Documentation/index.html</a:t>
-            </a:r>
-            <a:endParaRPr lang="en-US" altLang="ko-KR" sz="1200" dirty="0"/>
-          </a:p>
-          <a:p>
-            <a:r>
               <a:rPr lang="ko-KR" altLang="en-US" sz="1200" dirty="0" smtClean="0"/>
-              <a:t>페이지 좋아요</a:t>
-            </a:r>
-            <a:endParaRPr lang="en-US" altLang="ko-KR" sz="1200" dirty="0"/>
-          </a:p>
-          <a:p>
-            <a:r>
-              <a:rPr lang="en-US" altLang="ko-KR" sz="1200" dirty="0" smtClean="0"/>
-              <a:t>V</a:t>
+              <a:t>본인이면 </a:t>
             </a:r>
             <a:r>
               <a:rPr lang="ko-KR" altLang="en-US" sz="1200" dirty="0" err="1" smtClean="0"/>
-              <a:t>츄</a:t>
+              <a:t>해당폼이</a:t>
             </a:r>
             <a:r>
               <a:rPr lang="ko-KR" altLang="en-US" sz="1200" dirty="0" smtClean="0"/>
-              <a:t> </a:t>
-            </a:r>
-            <a:r>
-              <a:rPr lang="en-US" altLang="ko-KR" sz="1200" dirty="0" smtClean="0"/>
-              <a:t>(</a:t>
-            </a:r>
+              <a:t> 등장해서 수정이 가능하고</a:t>
+            </a:r>
+            <a:endParaRPr lang="en-US" altLang="ko-KR" sz="1200" dirty="0" smtClean="0"/>
+          </a:p>
+          <a:p>
             <a:r>
               <a:rPr lang="ko-KR" altLang="en-US" sz="1200" dirty="0" smtClean="0"/>
-              <a:t>신뢰도</a:t>
-            </a:r>
-            <a:r>
-              <a:rPr lang="en-US" altLang="ko-KR" sz="1200" dirty="0" smtClean="0"/>
-              <a:t>)</a:t>
+              <a:t>본인이 아니면 </a:t>
+            </a:r>
+            <a:r>
+              <a:rPr lang="ko-KR" altLang="en-US" sz="1200" dirty="0" err="1" smtClean="0"/>
+              <a:t>해당폼은</a:t>
+            </a:r>
+            <a:r>
+              <a:rPr lang="ko-KR" altLang="en-US" sz="1200" dirty="0" smtClean="0"/>
+              <a:t> 나오지 않음</a:t>
             </a:r>
             <a:endParaRPr lang="en-US" altLang="ko-KR" sz="1200" dirty="0"/>
           </a:p>
@@ -17109,7 +16891,7 @@
         </p:nvSpPr>
         <p:spPr>
           <a:xfrm>
-            <a:off x="1379928" y="2149108"/>
+            <a:off x="1906326" y="1776171"/>
             <a:ext cx="1000856" cy="321387"/>
           </a:xfrm>
           <a:prstGeom prst="rect">
@@ -17155,33 +16937,52 @@
         </p:nvSpPr>
         <p:spPr>
           <a:xfrm>
-            <a:off x="2833770" y="2416990"/>
-            <a:ext cx="1579278" cy="461665"/>
+            <a:off x="6554380" y="2426797"/>
+            <a:ext cx="5279657" cy="461665"/>
           </a:xfrm>
           <a:prstGeom prst="rect">
             <a:avLst/>
           </a:prstGeom>
         </p:spPr>
         <p:txBody>
-          <a:bodyPr wrap="none">
+          <a:bodyPr wrap="square">
             <a:spAutoFit/>
           </a:bodyPr>
           <a:lstStyle/>
           <a:p>
             <a:r>
-              <a:rPr lang="ko-KR" altLang="en-US" sz="1200" dirty="0"/>
-              <a:t>나를 좋아한 사람 </a:t>
-            </a:r>
-            <a:r>
               <a:rPr lang="ko-KR" altLang="en-US" sz="1200" dirty="0" smtClean="0"/>
-              <a:t>수</a:t>
-            </a:r>
-            <a:endParaRPr lang="en-US" altLang="ko-KR" sz="1200" dirty="0" smtClean="0"/>
-          </a:p>
-          <a:p>
+              <a:t>회원 좋아요 수</a:t>
+            </a:r>
             <a:r>
               <a:rPr lang="en-US" altLang="ko-KR" sz="1200" dirty="0" smtClean="0"/>
-              <a:t>.icon-line-heart</a:t>
+              <a:t>(icon-line-heart2)</a:t>
+            </a:r>
+          </a:p>
+          <a:p>
+            <a:r>
+              <a:rPr lang="ko-KR" altLang="en-US" sz="1200" dirty="0" smtClean="0"/>
+              <a:t>회원 등급</a:t>
+            </a:r>
+            <a:r>
+              <a:rPr lang="en-US" altLang="ko-KR" sz="1200" dirty="0" smtClean="0"/>
+              <a:t>(icon-star2) : </a:t>
+            </a:r>
+            <a:r>
+              <a:rPr lang="ko-KR" altLang="en-US" sz="1200" dirty="0" smtClean="0"/>
+              <a:t>우수회원</a:t>
+            </a:r>
+            <a:r>
+              <a:rPr lang="en-US" altLang="ko-KR" sz="1200" dirty="0" smtClean="0"/>
+              <a:t>, </a:t>
+            </a:r>
+            <a:r>
+              <a:rPr lang="ko-KR" altLang="en-US" sz="1200" dirty="0" err="1" smtClean="0"/>
+              <a:t>최우수회원등</a:t>
+            </a:r>
+            <a:r>
+              <a:rPr lang="en-US" altLang="ko-KR" sz="1200" dirty="0" smtClean="0"/>
+              <a:t> </a:t>
             </a:r>
             <a:endParaRPr lang="en-US" altLang="ko-KR" sz="1200" dirty="0"/>
           </a:p>
@@ -17190,6 +16991,36 @@
       <p:pic>
         <p:nvPicPr>
           <p:cNvPr id="6" name="그림 5"/>
+          <p:cNvPicPr>
+            <a:picLocks noChangeAspect="1"/>
+          </p:cNvPicPr>
+          <p:nvPr/>
+        </p:nvPicPr>
+        <p:blipFill>
+          <a:blip r:embed="rId8">
+            <a:extLst>
+              <a:ext uri="{28A0092B-C50C-407E-A947-70E740481C1C}">
+                <a14:useLocalDpi xmlns:a14="http://schemas.microsoft.com/office/drawing/2010/main" val="0"/>
+              </a:ext>
+            </a:extLst>
+          </a:blip>
+          <a:stretch>
+            <a:fillRect/>
+          </a:stretch>
+        </p:blipFill>
+        <p:spPr>
+          <a:xfrm>
+            <a:off x="4659810" y="3317027"/>
+            <a:ext cx="1861108" cy="1741674"/>
+          </a:xfrm>
+          <a:prstGeom prst="rect">
+            <a:avLst/>
+          </a:prstGeom>
+        </p:spPr>
+      </p:pic>
+      <p:pic>
+        <p:nvPicPr>
+          <p:cNvPr id="10" name="그림 9"/>
           <p:cNvPicPr>
             <a:picLocks noChangeAspect="1"/>
           </p:cNvPicPr>
@@ -17209,8 +17040,8 @@
         </p:blipFill>
         <p:spPr>
           <a:xfrm>
-            <a:off x="4659810" y="3317027"/>
-            <a:ext cx="1861108" cy="1741674"/>
+            <a:off x="961809" y="1814521"/>
+            <a:ext cx="808498" cy="254820"/>
           </a:xfrm>
           <a:prstGeom prst="rect">
             <a:avLst/>
@@ -17219,7 +17050,7 @@
       </p:pic>
       <p:pic>
         <p:nvPicPr>
-          <p:cNvPr id="10" name="그림 9"/>
+          <p:cNvPr id="11" name="그림 10"/>
           <p:cNvPicPr>
             <a:picLocks noChangeAspect="1"/>
           </p:cNvPicPr>
@@ -17239,44 +17070,438 @@
         </p:blipFill>
         <p:spPr>
           <a:xfrm>
-            <a:off x="435411" y="2187458"/>
-            <a:ext cx="808498" cy="254820"/>
+            <a:off x="1947409" y="1832617"/>
+            <a:ext cx="894037" cy="218542"/>
           </a:xfrm>
           <a:prstGeom prst="rect">
             <a:avLst/>
           </a:prstGeom>
         </p:spPr>
       </p:pic>
-      <p:pic>
-        <p:nvPicPr>
-          <p:cNvPr id="11" name="그림 10"/>
-          <p:cNvPicPr>
-            <a:picLocks noChangeAspect="1"/>
-          </p:cNvPicPr>
-          <p:nvPr/>
-        </p:nvPicPr>
-        <p:blipFill>
-          <a:blip r:embed="rId11">
-            <a:extLst>
-              <a:ext uri="{28A0092B-C50C-407E-A947-70E740481C1C}">
-                <a14:useLocalDpi xmlns:a14="http://schemas.microsoft.com/office/drawing/2010/main" val="0"/>
-              </a:ext>
-            </a:extLst>
-          </a:blip>
-          <a:stretch>
-            <a:fillRect/>
-          </a:stretch>
-        </p:blipFill>
-        <p:spPr>
-          <a:xfrm>
-            <a:off x="1421011" y="2205554"/>
-            <a:ext cx="894037" cy="218542"/>
+      <p:sp>
+        <p:nvSpPr>
+          <p:cNvPr id="5" name="직사각형 4"/>
+          <p:cNvSpPr/>
+          <p:nvPr/>
+        </p:nvSpPr>
+        <p:spPr>
+          <a:xfrm>
+            <a:off x="1176218" y="1850848"/>
+            <a:ext cx="646331" cy="184666"/>
           </a:xfrm>
           <a:prstGeom prst="rect">
             <a:avLst/>
           </a:prstGeom>
-        </p:spPr>
-      </p:pic>
+          <a:solidFill>
+            <a:schemeClr val="bg1"/>
+          </a:solidFill>
+        </p:spPr>
+        <p:txBody>
+          <a:bodyPr wrap="none">
+            <a:spAutoFit/>
+          </a:bodyPr>
+          <a:lstStyle/>
+          <a:p>
+            <a:r>
+              <a:rPr lang="ko-KR" altLang="en-US" sz="600" smtClean="0"/>
+              <a:t>회원좋아요수</a:t>
+            </a:r>
+            <a:endParaRPr lang="ko-KR" altLang="en-US" sz="600" dirty="0"/>
+          </a:p>
+        </p:txBody>
+      </p:sp>
+      <p:sp>
+        <p:nvSpPr>
+          <p:cNvPr id="41" name="직사각형 40"/>
+          <p:cNvSpPr/>
+          <p:nvPr/>
+        </p:nvSpPr>
+        <p:spPr>
+          <a:xfrm>
+            <a:off x="2207968" y="1823494"/>
+            <a:ext cx="569387" cy="184666"/>
+          </a:xfrm>
+          <a:prstGeom prst="rect">
+            <a:avLst/>
+          </a:prstGeom>
+          <a:solidFill>
+            <a:schemeClr val="bg1"/>
+          </a:solidFill>
+        </p:spPr>
+        <p:txBody>
+          <a:bodyPr wrap="none">
+            <a:spAutoFit/>
+          </a:bodyPr>
+          <a:lstStyle/>
+          <a:p>
+            <a:r>
+              <a:rPr lang="ko-KR" altLang="en-US" sz="600" dirty="0" smtClean="0"/>
+              <a:t>최우수회원</a:t>
+            </a:r>
+            <a:endParaRPr lang="ko-KR" altLang="en-US" sz="600" dirty="0"/>
+          </a:p>
+        </p:txBody>
+      </p:sp>
+      <p:sp>
+        <p:nvSpPr>
+          <p:cNvPr id="45" name="직사각형 44"/>
+          <p:cNvSpPr/>
+          <p:nvPr/>
+        </p:nvSpPr>
+        <p:spPr>
+          <a:xfrm>
+            <a:off x="2943838" y="4496508"/>
+            <a:ext cx="1228379" cy="415498"/>
+          </a:xfrm>
+          <a:prstGeom prst="rect">
+            <a:avLst/>
+          </a:prstGeom>
+          <a:solidFill>
+            <a:schemeClr val="bg1"/>
+          </a:solidFill>
+        </p:spPr>
+        <p:txBody>
+          <a:bodyPr wrap="square">
+            <a:spAutoFit/>
+          </a:bodyPr>
+          <a:lstStyle/>
+          <a:p>
+            <a:pPr algn="ctr"/>
+            <a:r>
+              <a:rPr lang="ko-KR" altLang="en-US" sz="1050" dirty="0" smtClean="0"/>
+              <a:t>연락처</a:t>
+            </a:r>
+            <a:r>
+              <a:rPr lang="en-US" altLang="ko-KR" sz="1050" dirty="0" smtClean="0"/>
+              <a:t>, </a:t>
+            </a:r>
+            <a:r>
+              <a:rPr lang="ko-KR" altLang="en-US" sz="1050" dirty="0" err="1" smtClean="0"/>
+              <a:t>이메일</a:t>
+            </a:r>
+            <a:r>
+              <a:rPr lang="en-US" altLang="ko-KR" sz="1050" dirty="0" smtClean="0"/>
+              <a:t>, SNS </a:t>
+            </a:r>
+            <a:r>
+              <a:rPr lang="ko-KR" altLang="en-US" sz="1050" dirty="0" err="1" smtClean="0"/>
+              <a:t>주소등</a:t>
+            </a:r>
+            <a:endParaRPr lang="ko-KR" altLang="en-US" sz="1050" dirty="0"/>
+          </a:p>
+        </p:txBody>
+      </p:sp>
+      <p:sp>
+        <p:nvSpPr>
+          <p:cNvPr id="46" name="직사각형 45"/>
+          <p:cNvSpPr/>
+          <p:nvPr/>
+        </p:nvSpPr>
+        <p:spPr>
+          <a:xfrm>
+            <a:off x="4676206" y="4402855"/>
+            <a:ext cx="1814877" cy="655846"/>
+          </a:xfrm>
+          <a:prstGeom prst="rect">
+            <a:avLst/>
+          </a:prstGeom>
+          <a:noFill/>
+          <a:ln w="31750">
+            <a:solidFill>
+              <a:schemeClr val="accent2"/>
+            </a:solidFill>
+          </a:ln>
+        </p:spPr>
+        <p:style>
+          <a:lnRef idx="2">
+            <a:schemeClr val="accent1">
+              <a:shade val="50000"/>
+            </a:schemeClr>
+          </a:lnRef>
+          <a:fillRef idx="1">
+            <a:schemeClr val="accent1"/>
+          </a:fillRef>
+          <a:effectRef idx="0">
+            <a:schemeClr val="accent1"/>
+          </a:effectRef>
+          <a:fontRef idx="minor">
+            <a:schemeClr val="lt1"/>
+          </a:fontRef>
+        </p:style>
+        <p:txBody>
+          <a:bodyPr rtlCol="0" anchor="ctr"/>
+          <a:lstStyle/>
+          <a:p>
+            <a:pPr algn="ctr"/>
+            <a:endParaRPr lang="ko-KR" altLang="en-US" dirty="0"/>
+          </a:p>
+        </p:txBody>
+      </p:sp>
+      <p:cxnSp>
+        <p:nvCxnSpPr>
+          <p:cNvPr id="47" name="직선 화살표 연결선 46"/>
+          <p:cNvCxnSpPr>
+            <a:stCxn id="46" idx="1"/>
+          </p:cNvCxnSpPr>
+          <p:nvPr/>
+        </p:nvCxnSpPr>
+        <p:spPr>
+          <a:xfrm flipH="1" flipV="1">
+            <a:off x="4035081" y="4677737"/>
+            <a:ext cx="641125" cy="53041"/>
+          </a:xfrm>
+          <a:prstGeom prst="straightConnector1">
+            <a:avLst/>
+          </a:prstGeom>
+          <a:ln w="31750">
+            <a:solidFill>
+              <a:schemeClr val="accent2"/>
+            </a:solidFill>
+            <a:tailEnd type="triangle"/>
+          </a:ln>
+        </p:spPr>
+        <p:style>
+          <a:lnRef idx="1">
+            <a:schemeClr val="accent1"/>
+          </a:lnRef>
+          <a:fillRef idx="0">
+            <a:schemeClr val="accent1"/>
+          </a:fillRef>
+          <a:effectRef idx="0">
+            <a:schemeClr val="accent1"/>
+          </a:effectRef>
+          <a:fontRef idx="minor">
+            <a:schemeClr val="tx1"/>
+          </a:fontRef>
+        </p:style>
+      </p:cxnSp>
+      <p:sp>
+        <p:nvSpPr>
+          <p:cNvPr id="93" name="TextBox 92"/>
+          <p:cNvSpPr txBox="1"/>
+          <p:nvPr/>
+        </p:nvSpPr>
+        <p:spPr>
+          <a:xfrm>
+            <a:off x="4626660" y="3634516"/>
+            <a:ext cx="1782026" cy="246221"/>
+          </a:xfrm>
+          <a:prstGeom prst="rect">
+            <a:avLst/>
+          </a:prstGeom>
+          <a:solidFill>
+            <a:schemeClr val="bg1"/>
+          </a:solidFill>
+        </p:spPr>
+        <p:txBody>
+          <a:bodyPr wrap="square" rtlCol="0">
+            <a:spAutoFit/>
+          </a:bodyPr>
+          <a:lstStyle/>
+          <a:p>
+            <a:pPr algn="ctr"/>
+            <a:r>
+              <a:rPr lang="en-US" altLang="ko-KR" sz="1000" dirty="0" err="1"/>
+              <a:t>user.meta_value.comment</a:t>
+            </a:r>
+            <a:endParaRPr lang="ko-KR" altLang="en-US" sz="1000" dirty="0"/>
+          </a:p>
+        </p:txBody>
+      </p:sp>
+      <p:cxnSp>
+        <p:nvCxnSpPr>
+          <p:cNvPr id="52" name="직선 화살표 연결선 51"/>
+          <p:cNvCxnSpPr>
+            <a:stCxn id="137" idx="6"/>
+          </p:cNvCxnSpPr>
+          <p:nvPr/>
+        </p:nvCxnSpPr>
+        <p:spPr>
+          <a:xfrm>
+            <a:off x="3695079" y="1666586"/>
+            <a:ext cx="153907" cy="120843"/>
+          </a:xfrm>
+          <a:prstGeom prst="straightConnector1">
+            <a:avLst/>
+          </a:prstGeom>
+          <a:ln w="31750">
+            <a:solidFill>
+              <a:schemeClr val="accent2"/>
+            </a:solidFill>
+            <a:tailEnd type="triangle"/>
+          </a:ln>
+        </p:spPr>
+        <p:style>
+          <a:lnRef idx="1">
+            <a:schemeClr val="accent1"/>
+          </a:lnRef>
+          <a:fillRef idx="0">
+            <a:schemeClr val="accent1"/>
+          </a:fillRef>
+          <a:effectRef idx="0">
+            <a:schemeClr val="accent1"/>
+          </a:effectRef>
+          <a:fontRef idx="minor">
+            <a:schemeClr val="tx1"/>
+          </a:fontRef>
+        </p:style>
+      </p:cxnSp>
+      <p:sp>
+        <p:nvSpPr>
+          <p:cNvPr id="56" name="직사각형 55"/>
+          <p:cNvSpPr/>
+          <p:nvPr/>
+        </p:nvSpPr>
+        <p:spPr>
+          <a:xfrm>
+            <a:off x="3558028" y="1739432"/>
+            <a:ext cx="954107" cy="461665"/>
+          </a:xfrm>
+          <a:prstGeom prst="rect">
+            <a:avLst/>
+          </a:prstGeom>
+        </p:spPr>
+        <p:txBody>
+          <a:bodyPr wrap="none">
+            <a:spAutoFit/>
+          </a:bodyPr>
+          <a:lstStyle/>
+          <a:p>
+            <a:r>
+              <a:rPr lang="ko-KR" altLang="en-US" sz="1200" dirty="0" smtClean="0"/>
+              <a:t>사업자회원</a:t>
+            </a:r>
+            <a:endParaRPr lang="en-US" altLang="ko-KR" sz="1200" dirty="0" smtClean="0"/>
+          </a:p>
+          <a:p>
+            <a:r>
+              <a:rPr lang="ko-KR" altLang="en-US" sz="1200" dirty="0" smtClean="0"/>
+              <a:t>표시됨</a:t>
+            </a:r>
+            <a:endParaRPr lang="ko-KR" altLang="en-US" sz="1200" dirty="0"/>
+          </a:p>
+        </p:txBody>
+      </p:sp>
+      <p:sp>
+        <p:nvSpPr>
+          <p:cNvPr id="57" name="직사각형 56"/>
+          <p:cNvSpPr/>
+          <p:nvPr/>
+        </p:nvSpPr>
+        <p:spPr>
+          <a:xfrm>
+            <a:off x="4659810" y="1408995"/>
+            <a:ext cx="1814877" cy="1680301"/>
+          </a:xfrm>
+          <a:prstGeom prst="rect">
+            <a:avLst/>
+          </a:prstGeom>
+          <a:noFill/>
+          <a:ln w="31750">
+            <a:solidFill>
+              <a:schemeClr val="accent2"/>
+            </a:solidFill>
+          </a:ln>
+        </p:spPr>
+        <p:style>
+          <a:lnRef idx="2">
+            <a:schemeClr val="accent1">
+              <a:shade val="50000"/>
+            </a:schemeClr>
+          </a:lnRef>
+          <a:fillRef idx="1">
+            <a:schemeClr val="accent1"/>
+          </a:fillRef>
+          <a:effectRef idx="0">
+            <a:schemeClr val="accent1"/>
+          </a:effectRef>
+          <a:fontRef idx="minor">
+            <a:schemeClr val="lt1"/>
+          </a:fontRef>
+        </p:style>
+        <p:txBody>
+          <a:bodyPr rtlCol="0" anchor="ctr"/>
+          <a:lstStyle/>
+          <a:p>
+            <a:pPr algn="ctr"/>
+            <a:endParaRPr lang="ko-KR" altLang="en-US" dirty="0"/>
+          </a:p>
+        </p:txBody>
+      </p:sp>
+      <p:cxnSp>
+        <p:nvCxnSpPr>
+          <p:cNvPr id="125" name="직선 화살표 연결선 124"/>
+          <p:cNvCxnSpPr/>
+          <p:nvPr/>
+        </p:nvCxnSpPr>
+        <p:spPr>
+          <a:xfrm flipV="1">
+            <a:off x="6134986" y="1503694"/>
+            <a:ext cx="629919" cy="364862"/>
+          </a:xfrm>
+          <a:prstGeom prst="straightConnector1">
+            <a:avLst/>
+          </a:prstGeom>
+          <a:ln w="31750">
+            <a:solidFill>
+              <a:schemeClr val="accent2"/>
+            </a:solidFill>
+            <a:tailEnd type="triangle"/>
+          </a:ln>
+        </p:spPr>
+        <p:style>
+          <a:lnRef idx="1">
+            <a:schemeClr val="accent1"/>
+          </a:lnRef>
+          <a:fillRef idx="0">
+            <a:schemeClr val="accent1"/>
+          </a:fillRef>
+          <a:effectRef idx="0">
+            <a:schemeClr val="accent1"/>
+          </a:effectRef>
+          <a:fontRef idx="minor">
+            <a:schemeClr val="tx1"/>
+          </a:fontRef>
+        </p:style>
+      </p:cxnSp>
+      <p:sp>
+        <p:nvSpPr>
+          <p:cNvPr id="61" name="TextBox 60"/>
+          <p:cNvSpPr txBox="1"/>
+          <p:nvPr/>
+        </p:nvSpPr>
+        <p:spPr>
+          <a:xfrm>
+            <a:off x="7096586" y="231026"/>
+            <a:ext cx="4635340" cy="369332"/>
+          </a:xfrm>
+          <a:prstGeom prst="rect">
+            <a:avLst/>
+          </a:prstGeom>
+          <a:noFill/>
+        </p:spPr>
+        <p:txBody>
+          <a:bodyPr wrap="square" rtlCol="0">
+            <a:spAutoFit/>
+          </a:bodyPr>
+          <a:lstStyle/>
+          <a:p>
+            <a:r>
+              <a:rPr lang="ko-KR" altLang="en-US" dirty="0"/>
+              <a:t>참고 파일 </a:t>
+            </a:r>
+            <a:r>
+              <a:rPr lang="en-US" altLang="ko-KR" dirty="0"/>
+              <a:t>: </a:t>
+            </a:r>
+            <a:r>
+              <a:rPr lang="en-US" altLang="ko-KR" dirty="0" smtClean="0"/>
+              <a:t>profile.html</a:t>
+            </a:r>
+            <a:endParaRPr lang="en-US" altLang="ko-KR" dirty="0"/>
+          </a:p>
+        </p:txBody>
+      </p:sp>
     </p:spTree>
     <p:extLst>
       <p:ext uri="{BB962C8B-B14F-4D97-AF65-F5344CB8AC3E}">
@@ -17632,48 +17857,10 @@
               <a:t> (1) - </a:t>
             </a:r>
             <a:r>
-              <a:rPr lang="ko-KR" altLang="en-US" b="1" dirty="0"/>
-              <a:t>추가진행작업</a:t>
-            </a:r>
-          </a:p>
-        </p:txBody>
-      </p:sp>
-      <p:sp>
-        <p:nvSpPr>
-          <p:cNvPr id="33" name="TextBox 32"/>
-          <p:cNvSpPr txBox="1"/>
-          <p:nvPr/>
-        </p:nvSpPr>
-        <p:spPr>
-          <a:xfrm>
-            <a:off x="7380169" y="5997513"/>
-            <a:ext cx="4635340" cy="646331"/>
-          </a:xfrm>
-          <a:prstGeom prst="rect">
-            <a:avLst/>
-          </a:prstGeom>
-          <a:noFill/>
-        </p:spPr>
-        <p:txBody>
-          <a:bodyPr wrap="square" rtlCol="0">
-            <a:spAutoFit/>
-          </a:bodyPr>
-          <a:lstStyle/>
-          <a:p>
-            <a:r>
-              <a:rPr lang="ko-KR" altLang="en-US" dirty="0"/>
-              <a:t>참고 파일 </a:t>
-            </a:r>
-            <a:r>
-              <a:rPr lang="en-US" altLang="ko-KR" dirty="0"/>
-              <a:t>: contact-2.html, Contact-5.html, </a:t>
-            </a:r>
-          </a:p>
-          <a:p>
-            <a:r>
-              <a:rPr lang="en-US" altLang="ko-KR" dirty="0"/>
-              <a:t>About-me.html, about.html</a:t>
-            </a:r>
+              <a:rPr lang="en-US" altLang="ko-KR" b="1" dirty="0" smtClean="0"/>
+              <a:t>following</a:t>
+            </a:r>
+            <a:endParaRPr lang="ko-KR" altLang="en-US" b="1" dirty="0"/>
           </a:p>
         </p:txBody>
       </p:sp>
@@ -17849,40 +18036,6 @@
               <a:rPr lang="en-US" altLang="ko-KR" sz="1400" b="1" dirty="0"/>
               <a:t>!</a:t>
             </a:r>
-          </a:p>
-        </p:txBody>
-      </p:sp>
-      <p:sp>
-        <p:nvSpPr>
-          <p:cNvPr id="36" name="TextBox 35"/>
-          <p:cNvSpPr txBox="1"/>
-          <p:nvPr/>
-        </p:nvSpPr>
-        <p:spPr>
-          <a:xfrm>
-            <a:off x="7096586" y="3433454"/>
-            <a:ext cx="4635340" cy="369332"/>
-          </a:xfrm>
-          <a:prstGeom prst="rect">
-            <a:avLst/>
-          </a:prstGeom>
-          <a:noFill/>
-        </p:spPr>
-        <p:txBody>
-          <a:bodyPr wrap="square" rtlCol="0">
-            <a:spAutoFit/>
-          </a:bodyPr>
-          <a:lstStyle/>
-          <a:p>
-            <a:r>
-              <a:rPr lang="en-US" altLang="ko-KR" b="1" dirty="0" smtClean="0"/>
-              <a:t>Profile.html </a:t>
-            </a:r>
-            <a:r>
-              <a:rPr lang="ko-KR" altLang="en-US" b="1" dirty="0" smtClean="0"/>
-              <a:t>참고</a:t>
-            </a:r>
-            <a:endParaRPr lang="en-US" altLang="ko-KR" b="1" dirty="0"/>
           </a:p>
         </p:txBody>
       </p:sp>
@@ -17930,119 +18083,6 @@
           </a:p>
         </p:txBody>
       </p:sp>
-      <p:sp>
-        <p:nvSpPr>
-          <p:cNvPr id="37" name="직사각형 36"/>
-          <p:cNvSpPr/>
-          <p:nvPr/>
-        </p:nvSpPr>
-        <p:spPr>
-          <a:xfrm>
-            <a:off x="304477" y="1323315"/>
-            <a:ext cx="6200045" cy="1833608"/>
-          </a:xfrm>
-          <a:prstGeom prst="rect">
-            <a:avLst/>
-          </a:prstGeom>
-          <a:noFill/>
-          <a:ln w="31750">
-            <a:solidFill>
-              <a:schemeClr val="accent2"/>
-            </a:solidFill>
-          </a:ln>
-        </p:spPr>
-        <p:style>
-          <a:lnRef idx="2">
-            <a:schemeClr val="accent1">
-              <a:shade val="50000"/>
-            </a:schemeClr>
-          </a:lnRef>
-          <a:fillRef idx="1">
-            <a:schemeClr val="accent1"/>
-          </a:fillRef>
-          <a:effectRef idx="0">
-            <a:schemeClr val="accent1"/>
-          </a:effectRef>
-          <a:fontRef idx="minor">
-            <a:schemeClr val="lt1"/>
-          </a:fontRef>
-        </p:style>
-        <p:txBody>
-          <a:bodyPr rtlCol="0" anchor="ctr"/>
-          <a:lstStyle/>
-          <a:p>
-            <a:pPr algn="ctr"/>
-            <a:endParaRPr lang="ko-KR" altLang="en-US" dirty="0"/>
-          </a:p>
-        </p:txBody>
-      </p:sp>
-      <p:sp>
-        <p:nvSpPr>
-          <p:cNvPr id="38" name="직사각형 37"/>
-          <p:cNvSpPr/>
-          <p:nvPr/>
-        </p:nvSpPr>
-        <p:spPr>
-          <a:xfrm>
-            <a:off x="6863599" y="917019"/>
-            <a:ext cx="976165" cy="276999"/>
-          </a:xfrm>
-          <a:prstGeom prst="rect">
-            <a:avLst/>
-          </a:prstGeom>
-        </p:spPr>
-        <p:txBody>
-          <a:bodyPr wrap="none">
-            <a:spAutoFit/>
-          </a:bodyPr>
-          <a:lstStyle/>
-          <a:p>
-            <a:r>
-              <a:rPr lang="en-US" altLang="ko-KR" sz="1200" dirty="0"/>
-              <a:t>profile.html</a:t>
-            </a:r>
-            <a:endParaRPr lang="ko-KR" altLang="en-US" sz="1200" dirty="0"/>
-          </a:p>
-        </p:txBody>
-      </p:sp>
-      <p:cxnSp>
-        <p:nvCxnSpPr>
-          <p:cNvPr id="39" name="직선 화살표 연결선 38"/>
-          <p:cNvCxnSpPr>
-            <a:stCxn id="44" idx="3"/>
-          </p:cNvCxnSpPr>
-          <p:nvPr/>
-        </p:nvCxnSpPr>
-        <p:spPr>
-          <a:xfrm flipV="1">
-            <a:off x="6504521" y="1503693"/>
-            <a:ext cx="260384" cy="759045"/>
-          </a:xfrm>
-          <a:prstGeom prst="straightConnector1">
-            <a:avLst/>
-          </a:prstGeom>
-          <a:ln w="31750">
-            <a:solidFill>
-              <a:schemeClr val="accent2"/>
-            </a:solidFill>
-            <a:tailEnd type="triangle"/>
-          </a:ln>
-        </p:spPr>
-        <p:style>
-          <a:lnRef idx="1">
-            <a:schemeClr val="accent1"/>
-          </a:lnRef>
-          <a:fillRef idx="0">
-            <a:schemeClr val="accent1"/>
-          </a:fillRef>
-          <a:effectRef idx="0">
-            <a:schemeClr val="accent1"/>
-          </a:effectRef>
-          <a:fontRef idx="minor">
-            <a:schemeClr val="tx1"/>
-          </a:fontRef>
-        </p:style>
-      </p:cxnSp>
       <p:grpSp>
         <p:nvGrpSpPr>
           <p:cNvPr id="40" name="그룹 39"/>
@@ -18131,38 +18171,6 @@
         </p:pic>
         <p:sp>
           <p:nvSpPr>
-            <p:cNvPr id="45" name="TextBox 44"/>
-            <p:cNvSpPr txBox="1"/>
-            <p:nvPr/>
-          </p:nvSpPr>
-          <p:spPr>
-            <a:xfrm>
-              <a:off x="1021783" y="1485849"/>
-              <a:ext cx="1821150" cy="246221"/>
-            </a:xfrm>
-            <a:prstGeom prst="rect">
-              <a:avLst/>
-            </a:prstGeom>
-            <a:solidFill>
-              <a:schemeClr val="bg1"/>
-            </a:solidFill>
-          </p:spPr>
-          <p:txBody>
-            <a:bodyPr wrap="square" rtlCol="0">
-              <a:spAutoFit/>
-            </a:bodyPr>
-            <a:lstStyle/>
-            <a:p>
-              <a:r>
-                <a:rPr lang="en-US" altLang="ko-KR" sz="1000" dirty="0" err="1"/>
-                <a:t>user.meta_value.comment</a:t>
-              </a:r>
-              <a:endParaRPr lang="ko-KR" altLang="en-US" sz="1000" dirty="0"/>
-            </a:p>
-          </p:txBody>
-        </p:sp>
-        <p:sp>
-          <p:nvSpPr>
             <p:cNvPr id="46" name="타원 45"/>
             <p:cNvSpPr/>
             <p:nvPr/>
@@ -18222,7 +18230,7 @@
         </p:blipFill>
         <p:spPr>
           <a:xfrm>
-            <a:off x="354335" y="2571595"/>
+            <a:off x="354335" y="2263246"/>
             <a:ext cx="4321871" cy="275413"/>
           </a:xfrm>
           <a:prstGeom prst="rect">
@@ -18230,34 +18238,6 @@
           </a:prstGeom>
         </p:spPr>
       </p:pic>
-      <p:sp>
-        <p:nvSpPr>
-          <p:cNvPr id="48" name="직사각형 47"/>
-          <p:cNvSpPr/>
-          <p:nvPr/>
-        </p:nvSpPr>
-        <p:spPr>
-          <a:xfrm>
-            <a:off x="2833770" y="2416990"/>
-            <a:ext cx="1579278" cy="276999"/>
-          </a:xfrm>
-          <a:prstGeom prst="rect">
-            <a:avLst/>
-          </a:prstGeom>
-        </p:spPr>
-        <p:txBody>
-          <a:bodyPr wrap="none">
-            <a:spAutoFit/>
-          </a:bodyPr>
-          <a:lstStyle/>
-          <a:p>
-            <a:r>
-              <a:rPr lang="ko-KR" altLang="en-US" sz="1200" dirty="0"/>
-              <a:t>나를 좋아한 사람 수</a:t>
-            </a:r>
-          </a:p>
-        </p:txBody>
-      </p:sp>
       <p:sp>
         <p:nvSpPr>
           <p:cNvPr id="49" name="직사각형 48"/>
@@ -18266,7 +18246,7 @@
         </p:nvSpPr>
         <p:spPr>
           <a:xfrm>
-            <a:off x="418580" y="2152038"/>
+            <a:off x="944978" y="1833153"/>
             <a:ext cx="839610" cy="321387"/>
           </a:xfrm>
           <a:prstGeom prst="rect">
@@ -18312,7 +18292,7 @@
         </p:nvSpPr>
         <p:spPr>
           <a:xfrm>
-            <a:off x="846540" y="2584526"/>
+            <a:off x="846540" y="2276177"/>
             <a:ext cx="662361" cy="215444"/>
           </a:xfrm>
           <a:prstGeom prst="rect">
@@ -18352,8 +18332,8 @@
         </p:nvSpPr>
         <p:spPr>
           <a:xfrm>
-            <a:off x="1465806" y="2592981"/>
-            <a:ext cx="431528" cy="215444"/>
+            <a:off x="1402605" y="2263208"/>
+            <a:ext cx="572593" cy="215444"/>
           </a:xfrm>
           <a:prstGeom prst="rect">
             <a:avLst/>
@@ -18369,8 +18349,8 @@
           <a:lstStyle/>
           <a:p>
             <a:r>
-              <a:rPr lang="en-US" altLang="ko-KR" sz="800" dirty="0"/>
-              <a:t>posts</a:t>
+              <a:rPr lang="en-US" altLang="ko-KR" sz="800" dirty="0" err="1" smtClean="0"/>
+              <a:t>myposts</a:t>
             </a:r>
             <a:endParaRPr lang="ko-KR" altLang="en-US" sz="800" dirty="0"/>
           </a:p>
@@ -18384,7 +18364,7 @@
         </p:nvSpPr>
         <p:spPr>
           <a:xfrm>
-            <a:off x="1880356" y="2594943"/>
+            <a:off x="1880356" y="2286594"/>
             <a:ext cx="506870" cy="215444"/>
           </a:xfrm>
           <a:prstGeom prst="rect">
@@ -18416,7 +18396,7 @@
         </p:nvSpPr>
         <p:spPr>
           <a:xfrm>
-            <a:off x="2286423" y="2592981"/>
+            <a:off x="2286423" y="2284632"/>
             <a:ext cx="588623" cy="215444"/>
           </a:xfrm>
           <a:prstGeom prst="rect">
@@ -18448,7 +18428,7 @@
         </p:nvSpPr>
         <p:spPr>
           <a:xfrm>
-            <a:off x="321752" y="2593718"/>
+            <a:off x="321752" y="2285369"/>
             <a:ext cx="575799" cy="215444"/>
           </a:xfrm>
           <a:prstGeom prst="rect">
@@ -18458,9 +18438,7 @@
             <a:schemeClr val="bg1"/>
           </a:solidFill>
           <a:ln>
-            <a:solidFill>
-              <a:schemeClr val="tx1"/>
-            </a:solidFill>
+            <a:noFill/>
           </a:ln>
         </p:spPr>
         <p:txBody>
@@ -18479,7 +18457,7 @@
       </p:sp>
       <p:pic>
         <p:nvPicPr>
-          <p:cNvPr id="55" name="그림 54"/>
+          <p:cNvPr id="58" name="그림 57"/>
           <p:cNvPicPr>
             <a:picLocks noChangeAspect="1"/>
           </p:cNvPicPr>
@@ -18493,8 +18471,8 @@
         </p:blipFill>
         <p:spPr>
           <a:xfrm>
-            <a:off x="304477" y="2840434"/>
-            <a:ext cx="4371729" cy="1023278"/>
+            <a:off x="315638" y="2864276"/>
+            <a:ext cx="4348137" cy="384324"/>
           </a:xfrm>
           <a:prstGeom prst="rect">
             <a:avLst/>
@@ -18503,7 +18481,7 @@
       </p:pic>
       <p:pic>
         <p:nvPicPr>
-          <p:cNvPr id="58" name="그림 57"/>
+          <p:cNvPr id="60" name="그림 59"/>
           <p:cNvPicPr>
             <a:picLocks noChangeAspect="1"/>
           </p:cNvPicPr>
@@ -18517,132 +18495,14 @@
         </p:blipFill>
         <p:spPr>
           <a:xfrm>
-            <a:off x="315732" y="3353645"/>
-            <a:ext cx="4348137" cy="384324"/>
+            <a:off x="304477" y="2534801"/>
+            <a:ext cx="4372809" cy="372639"/>
           </a:xfrm>
           <a:prstGeom prst="rect">
             <a:avLst/>
           </a:prstGeom>
         </p:spPr>
       </p:pic>
-      <p:pic>
-        <p:nvPicPr>
-          <p:cNvPr id="60" name="그림 59"/>
-          <p:cNvPicPr>
-            <a:picLocks noChangeAspect="1"/>
-          </p:cNvPicPr>
-          <p:nvPr/>
-        </p:nvPicPr>
-        <p:blipFill>
-          <a:blip r:embed="rId8"/>
-          <a:stretch>
-            <a:fillRect/>
-          </a:stretch>
-        </p:blipFill>
-        <p:spPr>
-          <a:xfrm>
-            <a:off x="287001" y="3715536"/>
-            <a:ext cx="4372809" cy="372639"/>
-          </a:xfrm>
-          <a:prstGeom prst="rect">
-            <a:avLst/>
-          </a:prstGeom>
-        </p:spPr>
-      </p:pic>
-      <p:cxnSp>
-        <p:nvCxnSpPr>
-          <p:cNvPr id="61" name="직선 화살표 연결선 60"/>
-          <p:cNvCxnSpPr>
-            <a:stCxn id="67" idx="2"/>
-            <a:endCxn id="64" idx="1"/>
-          </p:cNvCxnSpPr>
-          <p:nvPr/>
-        </p:nvCxnSpPr>
-        <p:spPr>
-          <a:xfrm>
-            <a:off x="1880356" y="2470495"/>
-            <a:ext cx="4637603" cy="642314"/>
-          </a:xfrm>
-          <a:prstGeom prst="straightConnector1">
-            <a:avLst/>
-          </a:prstGeom>
-          <a:ln w="31750">
-            <a:solidFill>
-              <a:schemeClr val="accent2"/>
-            </a:solidFill>
-            <a:tailEnd type="triangle"/>
-          </a:ln>
-        </p:spPr>
-        <p:style>
-          <a:lnRef idx="1">
-            <a:schemeClr val="accent1"/>
-          </a:lnRef>
-          <a:fillRef idx="0">
-            <a:schemeClr val="accent1"/>
-          </a:fillRef>
-          <a:effectRef idx="0">
-            <a:schemeClr val="accent1"/>
-          </a:effectRef>
-          <a:fontRef idx="minor">
-            <a:schemeClr val="tx1"/>
-          </a:fontRef>
-        </p:style>
-      </p:cxnSp>
-      <p:sp>
-        <p:nvSpPr>
-          <p:cNvPr id="64" name="직사각형 63"/>
-          <p:cNvSpPr/>
-          <p:nvPr/>
-        </p:nvSpPr>
-        <p:spPr>
-          <a:xfrm>
-            <a:off x="6517959" y="2789643"/>
-            <a:ext cx="2048959" cy="646331"/>
-          </a:xfrm>
-          <a:prstGeom prst="rect">
-            <a:avLst/>
-          </a:prstGeom>
-        </p:spPr>
-        <p:txBody>
-          <a:bodyPr wrap="none">
-            <a:spAutoFit/>
-          </a:bodyPr>
-          <a:lstStyle/>
-          <a:p>
-            <a:r>
-              <a:rPr lang="en-US" altLang="ko-KR" sz="1200" dirty="0" smtClean="0"/>
-              <a:t>Documentation/index.html</a:t>
-            </a:r>
-            <a:endParaRPr lang="en-US" altLang="ko-KR" sz="1200" dirty="0"/>
-          </a:p>
-          <a:p>
-            <a:r>
-              <a:rPr lang="ko-KR" altLang="en-US" sz="1200" dirty="0" smtClean="0"/>
-              <a:t>페이지 좋아요</a:t>
-            </a:r>
-            <a:endParaRPr lang="en-US" altLang="ko-KR" sz="1200" dirty="0" smtClean="0"/>
-          </a:p>
-          <a:p>
-            <a:r>
-              <a:rPr lang="ko-KR" altLang="en-US" sz="1200" dirty="0" smtClean="0"/>
-              <a:t>페이지 업체 추천</a:t>
-            </a:r>
-            <a:r>
-              <a:rPr lang="en-US" altLang="ko-KR" sz="1200" dirty="0" smtClean="0"/>
-              <a:t>(</a:t>
-            </a:r>
-            <a:r>
-              <a:rPr lang="ko-KR" altLang="en-US" sz="1200" dirty="0" smtClean="0"/>
-              <a:t>신뢰도</a:t>
-            </a:r>
-            <a:r>
-              <a:rPr lang="en-US" altLang="ko-KR" sz="1200" dirty="0" smtClean="0"/>
-              <a:t>)</a:t>
-            </a:r>
-            <a:endParaRPr lang="en-US" altLang="ko-KR" sz="1200" dirty="0"/>
-          </a:p>
-        </p:txBody>
-      </p:sp>
       <p:sp>
         <p:nvSpPr>
           <p:cNvPr id="67" name="직사각형 66"/>
@@ -18651,7 +18511,7 @@
         </p:nvSpPr>
         <p:spPr>
           <a:xfrm>
-            <a:off x="1379928" y="2149108"/>
+            <a:off x="1906326" y="1830223"/>
             <a:ext cx="1000856" cy="321387"/>
           </a:xfrm>
           <a:prstGeom prst="rect">
@@ -18689,49 +18549,39 @@
           </a:p>
         </p:txBody>
       </p:sp>
-      <p:sp>
-        <p:nvSpPr>
-          <p:cNvPr id="68" name="직사각형 67"/>
-          <p:cNvSpPr/>
-          <p:nvPr/>
-        </p:nvSpPr>
-        <p:spPr>
-          <a:xfrm>
-            <a:off x="2833770" y="2416990"/>
-            <a:ext cx="1579278" cy="461665"/>
-          </a:xfrm>
-          <a:prstGeom prst="rect">
-            <a:avLst/>
-          </a:prstGeom>
-        </p:spPr>
-        <p:txBody>
-          <a:bodyPr wrap="none">
-            <a:spAutoFit/>
-          </a:bodyPr>
-          <a:lstStyle/>
-          <a:p>
-            <a:r>
-              <a:rPr lang="ko-KR" altLang="en-US" sz="1200" dirty="0"/>
-              <a:t>나를 좋아한 사람 </a:t>
-            </a:r>
-            <a:r>
-              <a:rPr lang="ko-KR" altLang="en-US" sz="1200" dirty="0" smtClean="0"/>
-              <a:t>수</a:t>
-            </a:r>
-            <a:endParaRPr lang="en-US" altLang="ko-KR" sz="1200" dirty="0" smtClean="0"/>
-          </a:p>
-          <a:p>
-            <a:r>
-              <a:rPr lang="en-US" altLang="ko-KR" sz="1200" dirty="0" smtClean="0"/>
-              <a:t>.icon-line-heart</a:t>
-            </a:r>
-            <a:endParaRPr lang="en-US" altLang="ko-KR" sz="1200" dirty="0"/>
-          </a:p>
-        </p:txBody>
-      </p:sp>
       <p:pic>
         <p:nvPicPr>
           <p:cNvPr id="69" name="그림 68"/>
+          <p:cNvPicPr>
+            <a:picLocks noChangeAspect="1"/>
+          </p:cNvPicPr>
+          <p:nvPr/>
+        </p:nvPicPr>
+        <p:blipFill>
+          <a:blip r:embed="rId8">
+            <a:extLst>
+              <a:ext uri="{28A0092B-C50C-407E-A947-70E740481C1C}">
+                <a14:useLocalDpi xmlns:a14="http://schemas.microsoft.com/office/drawing/2010/main" val="0"/>
+              </a:ext>
+            </a:extLst>
+          </a:blip>
+          <a:stretch>
+            <a:fillRect/>
+          </a:stretch>
+        </p:blipFill>
+        <p:spPr>
+          <a:xfrm>
+            <a:off x="4659810" y="3317027"/>
+            <a:ext cx="1861108" cy="1741674"/>
+          </a:xfrm>
+          <a:prstGeom prst="rect">
+            <a:avLst/>
+          </a:prstGeom>
+        </p:spPr>
+      </p:pic>
+      <p:pic>
+        <p:nvPicPr>
+          <p:cNvPr id="70" name="그림 69"/>
           <p:cNvPicPr>
             <a:picLocks noChangeAspect="1"/>
           </p:cNvPicPr>
@@ -18751,8 +18601,8 @@
         </p:blipFill>
         <p:spPr>
           <a:xfrm>
-            <a:off x="4659810" y="3317027"/>
-            <a:ext cx="1861108" cy="1741674"/>
+            <a:off x="961809" y="1868573"/>
+            <a:ext cx="808498" cy="254820"/>
           </a:xfrm>
           <a:prstGeom prst="rect">
             <a:avLst/>
@@ -18761,7 +18611,7 @@
       </p:pic>
       <p:pic>
         <p:nvPicPr>
-          <p:cNvPr id="70" name="그림 69"/>
+          <p:cNvPr id="71" name="그림 70"/>
           <p:cNvPicPr>
             <a:picLocks noChangeAspect="1"/>
           </p:cNvPicPr>
@@ -18781,44 +18631,52 @@
         </p:blipFill>
         <p:spPr>
           <a:xfrm>
-            <a:off x="435411" y="2187458"/>
-            <a:ext cx="808498" cy="254820"/>
+            <a:off x="1947409" y="1886669"/>
+            <a:ext cx="894037" cy="218542"/>
           </a:xfrm>
           <a:prstGeom prst="rect">
             <a:avLst/>
           </a:prstGeom>
         </p:spPr>
       </p:pic>
-      <p:pic>
-        <p:nvPicPr>
-          <p:cNvPr id="71" name="그림 70"/>
-          <p:cNvPicPr>
-            <a:picLocks noChangeAspect="1"/>
-          </p:cNvPicPr>
-          <p:nvPr/>
-        </p:nvPicPr>
-        <p:blipFill>
-          <a:blip r:embed="rId11">
-            <a:extLst>
-              <a:ext uri="{28A0092B-C50C-407E-A947-70E740481C1C}">
-                <a14:useLocalDpi xmlns:a14="http://schemas.microsoft.com/office/drawing/2010/main" val="0"/>
-              </a:ext>
-            </a:extLst>
-          </a:blip>
-          <a:stretch>
-            <a:fillRect/>
-          </a:stretch>
-        </p:blipFill>
-        <p:spPr>
-          <a:xfrm>
-            <a:off x="1421011" y="2205554"/>
-            <a:ext cx="894037" cy="218542"/>
+      <p:sp>
+        <p:nvSpPr>
+          <p:cNvPr id="34" name="TextBox 33"/>
+          <p:cNvSpPr txBox="1"/>
+          <p:nvPr/>
+        </p:nvSpPr>
+        <p:spPr>
+          <a:xfrm>
+            <a:off x="7096586" y="231026"/>
+            <a:ext cx="4635340" cy="369332"/>
           </a:xfrm>
           <a:prstGeom prst="rect">
             <a:avLst/>
           </a:prstGeom>
-        </p:spPr>
-      </p:pic>
+          <a:noFill/>
+        </p:spPr>
+        <p:txBody>
+          <a:bodyPr wrap="square" rtlCol="0">
+            <a:spAutoFit/>
+          </a:bodyPr>
+          <a:lstStyle/>
+          <a:p>
+            <a:r>
+              <a:rPr lang="ko-KR" altLang="en-US" dirty="0"/>
+              <a:t>참고 파일 </a:t>
+            </a:r>
+            <a:r>
+              <a:rPr lang="en-US" altLang="ko-KR" dirty="0"/>
+              <a:t>: </a:t>
+            </a:r>
+            <a:r>
+              <a:rPr lang="en-US" altLang="ko-KR" dirty="0" smtClean="0"/>
+              <a:t>profile.html</a:t>
+            </a:r>
+            <a:endParaRPr lang="en-US" altLang="ko-KR" dirty="0"/>
+          </a:p>
+        </p:txBody>
+      </p:sp>
     </p:spTree>
     <p:extLst>
       <p:ext uri="{BB962C8B-B14F-4D97-AF65-F5344CB8AC3E}">
@@ -18858,45 +18716,6 @@
       </p:grpSpPr>
       <p:sp>
         <p:nvSpPr>
-          <p:cNvPr id="33" name="TextBox 32"/>
-          <p:cNvSpPr txBox="1"/>
-          <p:nvPr/>
-        </p:nvSpPr>
-        <p:spPr>
-          <a:xfrm>
-            <a:off x="7096586" y="231026"/>
-            <a:ext cx="4635340" cy="646331"/>
-          </a:xfrm>
-          <a:prstGeom prst="rect">
-            <a:avLst/>
-          </a:prstGeom>
-          <a:noFill/>
-        </p:spPr>
-        <p:txBody>
-          <a:bodyPr wrap="square" rtlCol="0">
-            <a:spAutoFit/>
-          </a:bodyPr>
-          <a:lstStyle/>
-          <a:p>
-            <a:r>
-              <a:rPr lang="ko-KR" altLang="en-US" dirty="0"/>
-              <a:t>참고 파일 </a:t>
-            </a:r>
-            <a:r>
-              <a:rPr lang="en-US" altLang="ko-KR" dirty="0"/>
-              <a:t>: contact-2.html, Contact-5.html, </a:t>
-            </a:r>
-          </a:p>
-          <a:p>
-            <a:r>
-              <a:rPr lang="en-US" altLang="ko-KR" dirty="0"/>
-              <a:t>About-me.html, about.html</a:t>
-            </a:r>
-          </a:p>
-        </p:txBody>
-      </p:sp>
-      <p:sp>
-        <p:nvSpPr>
           <p:cNvPr id="143" name="직사각형 142"/>
           <p:cNvSpPr/>
           <p:nvPr/>
@@ -19114,119 +18933,6 @@
           </a:p>
         </p:txBody>
       </p:sp>
-      <p:sp>
-        <p:nvSpPr>
-          <p:cNvPr id="107" name="직사각형 106"/>
-          <p:cNvSpPr/>
-          <p:nvPr/>
-        </p:nvSpPr>
-        <p:spPr>
-          <a:xfrm>
-            <a:off x="304477" y="1323315"/>
-            <a:ext cx="6200045" cy="1833608"/>
-          </a:xfrm>
-          <a:prstGeom prst="rect">
-            <a:avLst/>
-          </a:prstGeom>
-          <a:noFill/>
-          <a:ln w="31750">
-            <a:solidFill>
-              <a:schemeClr val="accent2"/>
-            </a:solidFill>
-          </a:ln>
-        </p:spPr>
-        <p:style>
-          <a:lnRef idx="2">
-            <a:schemeClr val="accent1">
-              <a:shade val="50000"/>
-            </a:schemeClr>
-          </a:lnRef>
-          <a:fillRef idx="1">
-            <a:schemeClr val="accent1"/>
-          </a:fillRef>
-          <a:effectRef idx="0">
-            <a:schemeClr val="accent1"/>
-          </a:effectRef>
-          <a:fontRef idx="minor">
-            <a:schemeClr val="lt1"/>
-          </a:fontRef>
-        </p:style>
-        <p:txBody>
-          <a:bodyPr rtlCol="0" anchor="ctr"/>
-          <a:lstStyle/>
-          <a:p>
-            <a:pPr algn="ctr"/>
-            <a:endParaRPr lang="ko-KR" altLang="en-US" dirty="0"/>
-          </a:p>
-        </p:txBody>
-      </p:sp>
-      <p:sp>
-        <p:nvSpPr>
-          <p:cNvPr id="109" name="직사각형 108"/>
-          <p:cNvSpPr/>
-          <p:nvPr/>
-        </p:nvSpPr>
-        <p:spPr>
-          <a:xfrm>
-            <a:off x="6863599" y="917019"/>
-            <a:ext cx="976165" cy="276999"/>
-          </a:xfrm>
-          <a:prstGeom prst="rect">
-            <a:avLst/>
-          </a:prstGeom>
-        </p:spPr>
-        <p:txBody>
-          <a:bodyPr wrap="none">
-            <a:spAutoFit/>
-          </a:bodyPr>
-          <a:lstStyle/>
-          <a:p>
-            <a:r>
-              <a:rPr lang="en-US" altLang="ko-KR" sz="1200" dirty="0"/>
-              <a:t>profile.html</a:t>
-            </a:r>
-            <a:endParaRPr lang="ko-KR" altLang="en-US" sz="1200" dirty="0"/>
-          </a:p>
-        </p:txBody>
-      </p:sp>
-      <p:cxnSp>
-        <p:nvCxnSpPr>
-          <p:cNvPr id="110" name="직선 화살표 연결선 109"/>
-          <p:cNvCxnSpPr>
-            <a:stCxn id="118" idx="3"/>
-          </p:cNvCxnSpPr>
-          <p:nvPr/>
-        </p:nvCxnSpPr>
-        <p:spPr>
-          <a:xfrm flipV="1">
-            <a:off x="6504521" y="1503693"/>
-            <a:ext cx="260384" cy="759045"/>
-          </a:xfrm>
-          <a:prstGeom prst="straightConnector1">
-            <a:avLst/>
-          </a:prstGeom>
-          <a:ln w="31750">
-            <a:solidFill>
-              <a:schemeClr val="accent2"/>
-            </a:solidFill>
-            <a:tailEnd type="triangle"/>
-          </a:ln>
-        </p:spPr>
-        <p:style>
-          <a:lnRef idx="1">
-            <a:schemeClr val="accent1"/>
-          </a:lnRef>
-          <a:fillRef idx="0">
-            <a:schemeClr val="accent1"/>
-          </a:fillRef>
-          <a:effectRef idx="0">
-            <a:schemeClr val="accent1"/>
-          </a:effectRef>
-          <a:fontRef idx="minor">
-            <a:schemeClr val="tx1"/>
-          </a:fontRef>
-        </p:style>
-      </p:cxnSp>
       <p:grpSp>
         <p:nvGrpSpPr>
           <p:cNvPr id="111" name="그룹 110"/>
@@ -19315,38 +19021,6 @@
         </p:pic>
         <p:sp>
           <p:nvSpPr>
-            <p:cNvPr id="119" name="TextBox 118"/>
-            <p:cNvSpPr txBox="1"/>
-            <p:nvPr/>
-          </p:nvSpPr>
-          <p:spPr>
-            <a:xfrm>
-              <a:off x="1021783" y="1485849"/>
-              <a:ext cx="1821150" cy="246221"/>
-            </a:xfrm>
-            <a:prstGeom prst="rect">
-              <a:avLst/>
-            </a:prstGeom>
-            <a:solidFill>
-              <a:schemeClr val="bg1"/>
-            </a:solidFill>
-          </p:spPr>
-          <p:txBody>
-            <a:bodyPr wrap="square" rtlCol="0">
-              <a:spAutoFit/>
-            </a:bodyPr>
-            <a:lstStyle/>
-            <a:p>
-              <a:r>
-                <a:rPr lang="en-US" altLang="ko-KR" sz="1000" dirty="0" err="1"/>
-                <a:t>user.meta_value.comment</a:t>
-              </a:r>
-              <a:endParaRPr lang="ko-KR" altLang="en-US" sz="1000" dirty="0"/>
-            </a:p>
-          </p:txBody>
-        </p:sp>
-        <p:sp>
-          <p:nvSpPr>
             <p:cNvPr id="120" name="타원 119"/>
             <p:cNvSpPr/>
             <p:nvPr/>
@@ -19406,7 +19080,7 @@
         </p:blipFill>
         <p:spPr>
           <a:xfrm>
-            <a:off x="354335" y="2571595"/>
+            <a:off x="354335" y="2273882"/>
             <a:ext cx="4321871" cy="275413"/>
           </a:xfrm>
           <a:prstGeom prst="rect">
@@ -19414,34 +19088,6 @@
           </a:prstGeom>
         </p:spPr>
       </p:pic>
-      <p:sp>
-        <p:nvSpPr>
-          <p:cNvPr id="122" name="직사각형 121"/>
-          <p:cNvSpPr/>
-          <p:nvPr/>
-        </p:nvSpPr>
-        <p:spPr>
-          <a:xfrm>
-            <a:off x="2833770" y="2416990"/>
-            <a:ext cx="1579278" cy="276999"/>
-          </a:xfrm>
-          <a:prstGeom prst="rect">
-            <a:avLst/>
-          </a:prstGeom>
-        </p:spPr>
-        <p:txBody>
-          <a:bodyPr wrap="none">
-            <a:spAutoFit/>
-          </a:bodyPr>
-          <a:lstStyle/>
-          <a:p>
-            <a:r>
-              <a:rPr lang="ko-KR" altLang="en-US" sz="1200" dirty="0"/>
-              <a:t>나를 좋아한 사람 수</a:t>
-            </a:r>
-          </a:p>
-        </p:txBody>
-      </p:sp>
       <p:sp>
         <p:nvSpPr>
           <p:cNvPr id="126" name="직사각형 125"/>
@@ -19450,7 +19096,7 @@
         </p:nvSpPr>
         <p:spPr>
           <a:xfrm>
-            <a:off x="418580" y="2152038"/>
+            <a:off x="964732" y="1855134"/>
             <a:ext cx="839610" cy="321387"/>
           </a:xfrm>
           <a:prstGeom prst="rect">
@@ -19496,7 +19142,7 @@
         </p:nvSpPr>
         <p:spPr>
           <a:xfrm>
-            <a:off x="846540" y="2584526"/>
+            <a:off x="846540" y="2286813"/>
             <a:ext cx="631904" cy="215444"/>
           </a:xfrm>
           <a:prstGeom prst="rect">
@@ -19528,8 +19174,8 @@
         </p:nvSpPr>
         <p:spPr>
           <a:xfrm>
-            <a:off x="1465806" y="2592981"/>
-            <a:ext cx="449162" cy="215444"/>
+            <a:off x="1380280" y="2283944"/>
+            <a:ext cx="598241" cy="215444"/>
           </a:xfrm>
           <a:prstGeom prst="rect">
             <a:avLst/>
@@ -19545,12 +19191,12 @@
           <a:lstStyle/>
           <a:p>
             <a:r>
-              <a:rPr lang="en-US" altLang="ko-KR" sz="800" b="1" dirty="0" smtClean="0">
+              <a:rPr lang="en-US" altLang="ko-KR" sz="800" b="1" dirty="0" err="1" smtClean="0">
                 <a:solidFill>
                   <a:schemeClr val="accent2"/>
                 </a:solidFill>
               </a:rPr>
-              <a:t>posts</a:t>
+              <a:t>myposts</a:t>
             </a:r>
             <a:endParaRPr lang="ko-KR" altLang="en-US" sz="800" b="1" dirty="0">
               <a:solidFill>
@@ -19568,7 +19214,7 @@
         </p:nvSpPr>
         <p:spPr>
           <a:xfrm>
-            <a:off x="1880356" y="2594943"/>
+            <a:off x="1880356" y="2297230"/>
             <a:ext cx="506870" cy="215444"/>
           </a:xfrm>
           <a:prstGeom prst="rect">
@@ -19600,7 +19246,7 @@
         </p:nvSpPr>
         <p:spPr>
           <a:xfrm>
-            <a:off x="2286423" y="2592981"/>
+            <a:off x="2286423" y="2295268"/>
             <a:ext cx="588623" cy="215444"/>
           </a:xfrm>
           <a:prstGeom prst="rect">
@@ -19632,7 +19278,7 @@
         </p:nvSpPr>
         <p:spPr>
           <a:xfrm>
-            <a:off x="304477" y="2588122"/>
+            <a:off x="304477" y="2290409"/>
             <a:ext cx="575799" cy="215444"/>
           </a:xfrm>
           <a:prstGeom prst="rect">
@@ -19642,9 +19288,7 @@
             <a:schemeClr val="bg1"/>
           </a:solidFill>
           <a:ln>
-            <a:solidFill>
-              <a:schemeClr val="tx1"/>
-            </a:solidFill>
+            <a:noFill/>
           </a:ln>
         </p:spPr>
         <p:txBody>
@@ -19658,124 +19302,6 @@
               <a:t>Follower</a:t>
             </a:r>
             <a:endParaRPr lang="ko-KR" altLang="en-US" sz="800" dirty="0"/>
-          </a:p>
-        </p:txBody>
-      </p:sp>
-      <p:pic>
-        <p:nvPicPr>
-          <p:cNvPr id="132" name="그림 131"/>
-          <p:cNvPicPr>
-            <a:picLocks noChangeAspect="1"/>
-          </p:cNvPicPr>
-          <p:nvPr/>
-        </p:nvPicPr>
-        <p:blipFill>
-          <a:blip r:embed="rId6"/>
-          <a:stretch>
-            <a:fillRect/>
-          </a:stretch>
-        </p:blipFill>
-        <p:spPr>
-          <a:xfrm>
-            <a:off x="304477" y="2840434"/>
-            <a:ext cx="4371729" cy="1023278"/>
-          </a:xfrm>
-          <a:prstGeom prst="rect">
-            <a:avLst/>
-          </a:prstGeom>
-        </p:spPr>
-      </p:pic>
-      <p:cxnSp>
-        <p:nvCxnSpPr>
-          <p:cNvPr id="135" name="직선 화살표 연결선 134"/>
-          <p:cNvCxnSpPr>
-            <a:stCxn id="144" idx="2"/>
-            <a:endCxn id="136" idx="1"/>
-          </p:cNvCxnSpPr>
-          <p:nvPr/>
-        </p:nvCxnSpPr>
-        <p:spPr>
-          <a:xfrm>
-            <a:off x="1880356" y="2470495"/>
-            <a:ext cx="4637603" cy="642314"/>
-          </a:xfrm>
-          <a:prstGeom prst="straightConnector1">
-            <a:avLst/>
-          </a:prstGeom>
-          <a:ln w="31750">
-            <a:solidFill>
-              <a:schemeClr val="accent2"/>
-            </a:solidFill>
-            <a:tailEnd type="triangle"/>
-          </a:ln>
-        </p:spPr>
-        <p:style>
-          <a:lnRef idx="1">
-            <a:schemeClr val="accent1"/>
-          </a:lnRef>
-          <a:fillRef idx="0">
-            <a:schemeClr val="accent1"/>
-          </a:fillRef>
-          <a:effectRef idx="0">
-            <a:schemeClr val="accent1"/>
-          </a:effectRef>
-          <a:fontRef idx="minor">
-            <a:schemeClr val="tx1"/>
-          </a:fontRef>
-        </p:style>
-      </p:cxnSp>
-      <p:sp>
-        <p:nvSpPr>
-          <p:cNvPr id="136" name="직사각형 135"/>
-          <p:cNvSpPr/>
-          <p:nvPr/>
-        </p:nvSpPr>
-        <p:spPr>
-          <a:xfrm>
-            <a:off x="6517959" y="2789643"/>
-            <a:ext cx="2048959" cy="646331"/>
-          </a:xfrm>
-          <a:prstGeom prst="rect">
-            <a:avLst/>
-          </a:prstGeom>
-        </p:spPr>
-        <p:txBody>
-          <a:bodyPr wrap="none">
-            <a:spAutoFit/>
-          </a:bodyPr>
-          <a:lstStyle/>
-          <a:p>
-            <a:r>
-              <a:rPr lang="en-US" altLang="ko-KR" sz="1200" dirty="0" smtClean="0"/>
-              <a:t>Documentation/index.html</a:t>
-            </a:r>
-            <a:endParaRPr lang="en-US" altLang="ko-KR" sz="1200" dirty="0"/>
-          </a:p>
-          <a:p>
-            <a:r>
-              <a:rPr lang="ko-KR" altLang="en-US" sz="1200" dirty="0" smtClean="0"/>
-              <a:t>페이지 좋아요</a:t>
-            </a:r>
-            <a:endParaRPr lang="en-US" altLang="ko-KR" sz="1200" dirty="0" smtClean="0"/>
-          </a:p>
-          <a:p>
-            <a:r>
-              <a:rPr lang="ko-KR" altLang="en-US" sz="1200" dirty="0" smtClean="0"/>
-              <a:t>페이지 업체 추천</a:t>
-            </a:r>
-            <a:r>
-              <a:rPr lang="en-US" altLang="ko-KR" sz="1200" dirty="0" smtClean="0"/>
-              <a:t>(</a:t>
-            </a:r>
-            <a:r>
-              <a:rPr lang="ko-KR" altLang="en-US" sz="1200" dirty="0" smtClean="0"/>
-              <a:t>신뢰도</a:t>
-            </a:r>
-            <a:r>
-              <a:rPr lang="en-US" altLang="ko-KR" sz="1200" dirty="0" smtClean="0"/>
-              <a:t>)</a:t>
-            </a:r>
-            <a:endParaRPr lang="en-US" altLang="ko-KR" sz="1200" dirty="0"/>
           </a:p>
         </p:txBody>
       </p:sp>
@@ -19787,7 +19313,7 @@
         </p:nvSpPr>
         <p:spPr>
           <a:xfrm>
-            <a:off x="1379928" y="2149108"/>
+            <a:off x="1926080" y="1852204"/>
             <a:ext cx="1000856" cy="321387"/>
           </a:xfrm>
           <a:prstGeom prst="rect">
@@ -19825,49 +19351,39 @@
           </a:p>
         </p:txBody>
       </p:sp>
-      <p:sp>
-        <p:nvSpPr>
-          <p:cNvPr id="145" name="직사각형 144"/>
-          <p:cNvSpPr/>
-          <p:nvPr/>
-        </p:nvSpPr>
-        <p:spPr>
-          <a:xfrm>
-            <a:off x="2833770" y="2416990"/>
-            <a:ext cx="1579278" cy="461665"/>
-          </a:xfrm>
-          <a:prstGeom prst="rect">
-            <a:avLst/>
-          </a:prstGeom>
-        </p:spPr>
-        <p:txBody>
-          <a:bodyPr wrap="none">
-            <a:spAutoFit/>
-          </a:bodyPr>
-          <a:lstStyle/>
-          <a:p>
-            <a:r>
-              <a:rPr lang="ko-KR" altLang="en-US" sz="1200" dirty="0"/>
-              <a:t>나를 좋아한 사람 </a:t>
-            </a:r>
-            <a:r>
-              <a:rPr lang="ko-KR" altLang="en-US" sz="1200" dirty="0" smtClean="0"/>
-              <a:t>수</a:t>
-            </a:r>
-            <a:endParaRPr lang="en-US" altLang="ko-KR" sz="1200" dirty="0" smtClean="0"/>
-          </a:p>
-          <a:p>
-            <a:r>
-              <a:rPr lang="en-US" altLang="ko-KR" sz="1200" dirty="0" smtClean="0"/>
-              <a:t>.icon-line-heart</a:t>
-            </a:r>
-            <a:endParaRPr lang="en-US" altLang="ko-KR" sz="1200" dirty="0"/>
-          </a:p>
-        </p:txBody>
-      </p:sp>
       <p:pic>
         <p:nvPicPr>
           <p:cNvPr id="146" name="그림 145"/>
+          <p:cNvPicPr>
+            <a:picLocks noChangeAspect="1"/>
+          </p:cNvPicPr>
+          <p:nvPr/>
+        </p:nvPicPr>
+        <p:blipFill>
+          <a:blip r:embed="rId6">
+            <a:extLst>
+              <a:ext uri="{28A0092B-C50C-407E-A947-70E740481C1C}">
+                <a14:useLocalDpi xmlns:a14="http://schemas.microsoft.com/office/drawing/2010/main" val="0"/>
+              </a:ext>
+            </a:extLst>
+          </a:blip>
+          <a:stretch>
+            <a:fillRect/>
+          </a:stretch>
+        </p:blipFill>
+        <p:spPr>
+          <a:xfrm>
+            <a:off x="4659810" y="3317027"/>
+            <a:ext cx="1861108" cy="1741674"/>
+          </a:xfrm>
+          <a:prstGeom prst="rect">
+            <a:avLst/>
+          </a:prstGeom>
+        </p:spPr>
+      </p:pic>
+      <p:pic>
+        <p:nvPicPr>
+          <p:cNvPr id="152" name="그림 151"/>
           <p:cNvPicPr>
             <a:picLocks noChangeAspect="1"/>
           </p:cNvPicPr>
@@ -19887,8 +19403,8 @@
         </p:blipFill>
         <p:spPr>
           <a:xfrm>
-            <a:off x="4659810" y="3317027"/>
-            <a:ext cx="1861108" cy="1741674"/>
+            <a:off x="992735" y="1853316"/>
+            <a:ext cx="808498" cy="254820"/>
           </a:xfrm>
           <a:prstGeom prst="rect">
             <a:avLst/>
@@ -19897,7 +19413,7 @@
       </p:pic>
       <p:pic>
         <p:nvPicPr>
-          <p:cNvPr id="152" name="그림 151"/>
+          <p:cNvPr id="153" name="그림 152"/>
           <p:cNvPicPr>
             <a:picLocks noChangeAspect="1"/>
           </p:cNvPicPr>
@@ -19917,37 +19433,7 @@
         </p:blipFill>
         <p:spPr>
           <a:xfrm>
-            <a:off x="435411" y="2187458"/>
-            <a:ext cx="808498" cy="254820"/>
-          </a:xfrm>
-          <a:prstGeom prst="rect">
-            <a:avLst/>
-          </a:prstGeom>
-        </p:spPr>
-      </p:pic>
-      <p:pic>
-        <p:nvPicPr>
-          <p:cNvPr id="153" name="그림 152"/>
-          <p:cNvPicPr>
-            <a:picLocks noChangeAspect="1"/>
-          </p:cNvPicPr>
-          <p:nvPr/>
-        </p:nvPicPr>
-        <p:blipFill>
-          <a:blip r:embed="rId9">
-            <a:extLst>
-              <a:ext uri="{28A0092B-C50C-407E-A947-70E740481C1C}">
-                <a14:useLocalDpi xmlns:a14="http://schemas.microsoft.com/office/drawing/2010/main" val="0"/>
-              </a:ext>
-            </a:extLst>
-          </a:blip>
-          <a:stretch>
-            <a:fillRect/>
-          </a:stretch>
-        </p:blipFill>
-        <p:spPr>
-          <a:xfrm>
-            <a:off x="1421011" y="2205554"/>
+            <a:off x="1967163" y="1908650"/>
             <a:ext cx="894037" cy="218542"/>
           </a:xfrm>
           <a:prstGeom prst="rect">
@@ -19990,29 +19476,30 @@
               <a:t> (1) - </a:t>
             </a:r>
             <a:r>
-              <a:rPr lang="ko-KR" altLang="en-US" b="1" dirty="0"/>
-              <a:t>추가진행작업</a:t>
-            </a:r>
+              <a:rPr lang="en-US" altLang="ko-KR" b="1" dirty="0" smtClean="0"/>
+              <a:t>posts</a:t>
+            </a:r>
+            <a:endParaRPr lang="ko-KR" altLang="en-US" b="1" dirty="0"/>
           </a:p>
         </p:txBody>
       </p:sp>
       <p:grpSp>
         <p:nvGrpSpPr>
-          <p:cNvPr id="160" name="그룹 159"/>
+          <p:cNvPr id="63" name="그룹 62"/>
           <p:cNvGrpSpPr/>
           <p:nvPr/>
         </p:nvGrpSpPr>
         <p:grpSpPr>
           <a:xfrm>
-            <a:off x="304476" y="2919591"/>
-            <a:ext cx="1845300" cy="1502139"/>
+            <a:off x="9030952" y="3771468"/>
+            <a:ext cx="2947975" cy="2399755"/>
             <a:chOff x="0" y="2798273"/>
             <a:chExt cx="2939318" cy="2993123"/>
           </a:xfrm>
         </p:grpSpPr>
         <p:sp>
           <p:nvSpPr>
-            <p:cNvPr id="161" name="직사각형 160"/>
+            <p:cNvPr id="64" name="직사각형 63"/>
             <p:cNvSpPr/>
             <p:nvPr/>
           </p:nvSpPr>
@@ -20062,14 +19549,14 @@
         </p:sp>
         <p:pic>
           <p:nvPicPr>
-            <p:cNvPr id="162" name="그림 161"/>
+            <p:cNvPr id="65" name="그림 64"/>
             <p:cNvPicPr>
               <a:picLocks noChangeAspect="1"/>
             </p:cNvPicPr>
             <p:nvPr/>
           </p:nvPicPr>
           <p:blipFill>
-            <a:blip r:embed="rId10" cstate="print">
+            <a:blip r:embed="rId9" cstate="print">
               <a:extLst>
                 <a:ext uri="{28A0092B-C50C-407E-A947-70E740481C1C}">
                   <a14:useLocalDpi xmlns:a14="http://schemas.microsoft.com/office/drawing/2010/main" val="0"/>
@@ -20092,14 +19579,14 @@
         </p:pic>
         <p:pic>
           <p:nvPicPr>
-            <p:cNvPr id="163" name="그림 162"/>
+            <p:cNvPr id="66" name="그림 65"/>
             <p:cNvPicPr>
               <a:picLocks noChangeAspect="1"/>
             </p:cNvPicPr>
             <p:nvPr/>
           </p:nvPicPr>
           <p:blipFill>
-            <a:blip r:embed="rId11">
+            <a:blip r:embed="rId10">
               <a:extLst>
                 <a:ext uri="{28A0092B-C50C-407E-A947-70E740481C1C}">
                   <a14:useLocalDpi xmlns:a14="http://schemas.microsoft.com/office/drawing/2010/main" val="0"/>
@@ -20122,14 +19609,14 @@
         </p:pic>
         <p:pic>
           <p:nvPicPr>
-            <p:cNvPr id="164" name="그림 163"/>
+            <p:cNvPr id="67" name="그림 66"/>
             <p:cNvPicPr>
               <a:picLocks noChangeAspect="1"/>
             </p:cNvPicPr>
             <p:nvPr/>
           </p:nvPicPr>
           <p:blipFill>
-            <a:blip r:embed="rId12">
+            <a:blip r:embed="rId11">
               <a:extLst>
                 <a:ext uri="{28A0092B-C50C-407E-A947-70E740481C1C}">
                   <a14:useLocalDpi xmlns:a14="http://schemas.microsoft.com/office/drawing/2010/main" val="0"/>
@@ -20152,14 +19639,14 @@
         </p:pic>
         <p:pic>
           <p:nvPicPr>
-            <p:cNvPr id="165" name="그림 164"/>
+            <p:cNvPr id="68" name="그림 67"/>
             <p:cNvPicPr>
               <a:picLocks noChangeAspect="1"/>
             </p:cNvPicPr>
             <p:nvPr/>
           </p:nvPicPr>
           <p:blipFill>
-            <a:blip r:embed="rId13" cstate="print">
+            <a:blip r:embed="rId12" cstate="print">
               <a:extLst>
                 <a:ext uri="{28A0092B-C50C-407E-A947-70E740481C1C}">
                   <a14:useLocalDpi xmlns:a14="http://schemas.microsoft.com/office/drawing/2010/main" val="0"/>
@@ -20182,14 +19669,14 @@
         </p:pic>
         <p:pic>
           <p:nvPicPr>
-            <p:cNvPr id="166" name="그림 165"/>
+            <p:cNvPr id="69" name="그림 68"/>
             <p:cNvPicPr>
               <a:picLocks noChangeAspect="1"/>
             </p:cNvPicPr>
             <p:nvPr/>
           </p:nvPicPr>
           <p:blipFill>
-            <a:blip r:embed="rId14" cstate="print">
+            <a:blip r:embed="rId13" cstate="print">
               <a:extLst>
                 <a:ext uri="{28A0092B-C50C-407E-A947-70E740481C1C}">
                   <a14:useLocalDpi xmlns:a14="http://schemas.microsoft.com/office/drawing/2010/main" val="0"/>
@@ -20212,14 +19699,14 @@
         </p:pic>
         <p:pic>
           <p:nvPicPr>
-            <p:cNvPr id="167" name="그림 166"/>
+            <p:cNvPr id="70" name="그림 69"/>
             <p:cNvPicPr>
               <a:picLocks noChangeAspect="1"/>
             </p:cNvPicPr>
             <p:nvPr/>
           </p:nvPicPr>
           <p:blipFill>
-            <a:blip r:embed="rId15">
+            <a:blip r:embed="rId14">
               <a:extLst>
                 <a:ext uri="{28A0092B-C50C-407E-A947-70E740481C1C}">
                   <a14:useLocalDpi xmlns:a14="http://schemas.microsoft.com/office/drawing/2010/main" val="0"/>
@@ -20241,23 +19728,339 @@
           </p:spPr>
         </p:pic>
       </p:grpSp>
+      <p:sp>
+        <p:nvSpPr>
+          <p:cNvPr id="71" name="TextBox 70"/>
+          <p:cNvSpPr txBox="1"/>
+          <p:nvPr/>
+        </p:nvSpPr>
+        <p:spPr>
+          <a:xfrm>
+            <a:off x="9702537" y="5290837"/>
+            <a:ext cx="2177350" cy="369332"/>
+          </a:xfrm>
+          <a:prstGeom prst="rect">
+            <a:avLst/>
+          </a:prstGeom>
+          <a:solidFill>
+            <a:srgbClr val="FFFFFF"/>
+          </a:solidFill>
+        </p:spPr>
+        <p:txBody>
+          <a:bodyPr wrap="square" rtlCol="0">
+            <a:spAutoFit/>
+          </a:bodyPr>
+          <a:lstStyle/>
+          <a:p>
+            <a:r>
+              <a:rPr lang="ko-KR" altLang="en-US" dirty="0" smtClean="0"/>
+              <a:t>닉네임</a:t>
+            </a:r>
+            <a:r>
+              <a:rPr lang="en-US" altLang="ko-KR" dirty="0" smtClean="0"/>
+              <a:t>(</a:t>
+            </a:r>
+            <a:r>
+              <a:rPr lang="ko-KR" altLang="en-US" dirty="0" smtClean="0"/>
+              <a:t>없으면 </a:t>
+            </a:r>
+            <a:r>
+              <a:rPr lang="en-US" altLang="ko-KR" dirty="0" smtClean="0"/>
+              <a:t>ID)</a:t>
+            </a:r>
+            <a:endParaRPr lang="ko-KR" altLang="en-US" dirty="0"/>
+          </a:p>
+        </p:txBody>
+      </p:sp>
+      <p:sp>
+        <p:nvSpPr>
+          <p:cNvPr id="72" name="TextBox 71"/>
+          <p:cNvSpPr txBox="1"/>
+          <p:nvPr/>
+        </p:nvSpPr>
+        <p:spPr>
+          <a:xfrm>
+            <a:off x="9126223" y="5643898"/>
+            <a:ext cx="2753663" cy="276999"/>
+          </a:xfrm>
+          <a:prstGeom prst="rect">
+            <a:avLst/>
+          </a:prstGeom>
+          <a:solidFill>
+            <a:srgbClr val="FFFFFF"/>
+          </a:solidFill>
+        </p:spPr>
+        <p:txBody>
+          <a:bodyPr wrap="square" rtlCol="0">
+            <a:spAutoFit/>
+          </a:bodyPr>
+          <a:lstStyle/>
+          <a:p>
+            <a:r>
+              <a:rPr lang="ko-KR" altLang="en-US" sz="1200" dirty="0" smtClean="0"/>
+              <a:t>글 내용</a:t>
+            </a:r>
+            <a:endParaRPr lang="ko-KR" altLang="en-US" sz="1200" dirty="0"/>
+          </a:p>
+        </p:txBody>
+      </p:sp>
+      <p:sp>
+        <p:nvSpPr>
+          <p:cNvPr id="73" name="TextBox 72"/>
+          <p:cNvSpPr txBox="1"/>
+          <p:nvPr/>
+        </p:nvSpPr>
+        <p:spPr>
+          <a:xfrm>
+            <a:off x="11143142" y="5902690"/>
+            <a:ext cx="899415" cy="246221"/>
+          </a:xfrm>
+          <a:prstGeom prst="rect">
+            <a:avLst/>
+          </a:prstGeom>
+          <a:solidFill>
+            <a:srgbClr val="FFFFFF"/>
+          </a:solidFill>
+        </p:spPr>
+        <p:txBody>
+          <a:bodyPr wrap="square" rtlCol="0">
+            <a:spAutoFit/>
+          </a:bodyPr>
+          <a:lstStyle/>
+          <a:p>
+            <a:r>
+              <a:rPr lang="ko-KR" altLang="en-US" sz="1000" dirty="0" err="1" smtClean="0"/>
+              <a:t>글좋아요수</a:t>
+            </a:r>
+            <a:endParaRPr lang="ko-KR" altLang="en-US" sz="1000" dirty="0"/>
+          </a:p>
+        </p:txBody>
+      </p:sp>
+      <p:sp>
+        <p:nvSpPr>
+          <p:cNvPr id="74" name="TextBox 73"/>
+          <p:cNvSpPr txBox="1"/>
+          <p:nvPr/>
+        </p:nvSpPr>
+        <p:spPr>
+          <a:xfrm>
+            <a:off x="10180098" y="5899967"/>
+            <a:ext cx="652868" cy="246221"/>
+          </a:xfrm>
+          <a:prstGeom prst="rect">
+            <a:avLst/>
+          </a:prstGeom>
+          <a:solidFill>
+            <a:srgbClr val="FFFFFF"/>
+          </a:solidFill>
+        </p:spPr>
+        <p:txBody>
+          <a:bodyPr wrap="square" rtlCol="0">
+            <a:spAutoFit/>
+          </a:bodyPr>
+          <a:lstStyle/>
+          <a:p>
+            <a:r>
+              <a:rPr lang="ko-KR" altLang="en-US" sz="1000" dirty="0" err="1" smtClean="0"/>
+              <a:t>댓글수</a:t>
+            </a:r>
+            <a:endParaRPr lang="ko-KR" altLang="en-US" sz="1000" dirty="0"/>
+          </a:p>
+        </p:txBody>
+      </p:sp>
+      <p:sp>
+        <p:nvSpPr>
+          <p:cNvPr id="75" name="TextBox 74"/>
+          <p:cNvSpPr txBox="1"/>
+          <p:nvPr/>
+        </p:nvSpPr>
+        <p:spPr>
+          <a:xfrm>
+            <a:off x="9376169" y="5899967"/>
+            <a:ext cx="593979" cy="246221"/>
+          </a:xfrm>
+          <a:prstGeom prst="rect">
+            <a:avLst/>
+          </a:prstGeom>
+          <a:solidFill>
+            <a:srgbClr val="FFFFFF"/>
+          </a:solidFill>
+        </p:spPr>
+        <p:txBody>
+          <a:bodyPr wrap="square" rtlCol="0">
+            <a:spAutoFit/>
+          </a:bodyPr>
+          <a:lstStyle/>
+          <a:p>
+            <a:r>
+              <a:rPr lang="ko-KR" altLang="en-US" sz="1000" smtClean="0"/>
+              <a:t>날짜</a:t>
+            </a:r>
+            <a:endParaRPr lang="ko-KR" altLang="en-US" sz="1000" dirty="0"/>
+          </a:p>
+        </p:txBody>
+      </p:sp>
+      <p:sp>
+        <p:nvSpPr>
+          <p:cNvPr id="76" name="TextBox 75"/>
+          <p:cNvSpPr txBox="1"/>
+          <p:nvPr/>
+        </p:nvSpPr>
+        <p:spPr>
+          <a:xfrm>
+            <a:off x="11143142" y="6159613"/>
+            <a:ext cx="899415" cy="246221"/>
+          </a:xfrm>
+          <a:prstGeom prst="rect">
+            <a:avLst/>
+          </a:prstGeom>
+          <a:solidFill>
+            <a:srgbClr val="FFFFFF"/>
+          </a:solidFill>
+        </p:spPr>
+        <p:txBody>
+          <a:bodyPr wrap="square" rtlCol="0">
+            <a:spAutoFit/>
+          </a:bodyPr>
+          <a:lstStyle/>
+          <a:p>
+            <a:r>
+              <a:rPr lang="en-US" altLang="ko-KR" sz="1000" dirty="0" smtClean="0"/>
+              <a:t>5</a:t>
+            </a:r>
+            <a:endParaRPr lang="ko-KR" altLang="en-US" sz="1000" dirty="0"/>
+          </a:p>
+        </p:txBody>
+      </p:sp>
+      <p:sp>
+        <p:nvSpPr>
+          <p:cNvPr id="77" name="TextBox 76"/>
+          <p:cNvSpPr txBox="1"/>
+          <p:nvPr/>
+        </p:nvSpPr>
+        <p:spPr>
+          <a:xfrm>
+            <a:off x="10180098" y="6156890"/>
+            <a:ext cx="652868" cy="246221"/>
+          </a:xfrm>
+          <a:prstGeom prst="rect">
+            <a:avLst/>
+          </a:prstGeom>
+          <a:solidFill>
+            <a:srgbClr val="FFFFFF"/>
+          </a:solidFill>
+        </p:spPr>
+        <p:txBody>
+          <a:bodyPr wrap="square" rtlCol="0">
+            <a:spAutoFit/>
+          </a:bodyPr>
+          <a:lstStyle/>
+          <a:p>
+            <a:r>
+              <a:rPr lang="en-US" altLang="ko-KR" sz="1000" dirty="0" smtClean="0"/>
+              <a:t>3</a:t>
+            </a:r>
+            <a:endParaRPr lang="ko-KR" altLang="en-US" sz="1000" dirty="0"/>
+          </a:p>
+        </p:txBody>
+      </p:sp>
+      <p:sp>
+        <p:nvSpPr>
+          <p:cNvPr id="78" name="TextBox 77"/>
+          <p:cNvSpPr txBox="1"/>
+          <p:nvPr/>
+        </p:nvSpPr>
+        <p:spPr>
+          <a:xfrm>
+            <a:off x="9376168" y="6156890"/>
+            <a:ext cx="740299" cy="246221"/>
+          </a:xfrm>
+          <a:prstGeom prst="rect">
+            <a:avLst/>
+          </a:prstGeom>
+          <a:solidFill>
+            <a:srgbClr val="FFFFFF"/>
+          </a:solidFill>
+        </p:spPr>
+        <p:txBody>
+          <a:bodyPr wrap="square" rtlCol="0">
+            <a:spAutoFit/>
+          </a:bodyPr>
+          <a:lstStyle/>
+          <a:p>
+            <a:r>
+              <a:rPr lang="en-US" altLang="ko-KR" sz="1000" dirty="0" smtClean="0"/>
+              <a:t>12</a:t>
+            </a:r>
+            <a:r>
+              <a:rPr lang="ko-KR" altLang="en-US" sz="1000" dirty="0" err="1" smtClean="0"/>
+              <a:t>시간전</a:t>
+            </a:r>
+            <a:endParaRPr lang="en-US" altLang="ko-KR" sz="1000" dirty="0" smtClean="0"/>
+          </a:p>
+        </p:txBody>
+      </p:sp>
+      <p:sp>
+        <p:nvSpPr>
+          <p:cNvPr id="79" name="TextBox 78"/>
+          <p:cNvSpPr txBox="1"/>
+          <p:nvPr/>
+        </p:nvSpPr>
+        <p:spPr>
+          <a:xfrm>
+            <a:off x="9376168" y="6447238"/>
+            <a:ext cx="2503718" cy="246221"/>
+          </a:xfrm>
+          <a:prstGeom prst="rect">
+            <a:avLst/>
+          </a:prstGeom>
+          <a:solidFill>
+            <a:srgbClr val="FFFFFF"/>
+          </a:solidFill>
+        </p:spPr>
+        <p:txBody>
+          <a:bodyPr wrap="square" rtlCol="0">
+            <a:spAutoFit/>
+          </a:bodyPr>
+          <a:lstStyle/>
+          <a:p>
+            <a:r>
+              <a:rPr lang="en-US" altLang="ko-KR" sz="1000" b="1" dirty="0" err="1" smtClean="0"/>
+              <a:t>Monent</a:t>
+            </a:r>
+            <a:r>
+              <a:rPr lang="en-US" altLang="ko-KR" sz="1000" b="1" dirty="0"/>
+              <a:t> </a:t>
+            </a:r>
+            <a:r>
+              <a:rPr lang="en-US" altLang="ko-KR" sz="1000" b="1" dirty="0" smtClean="0"/>
+              <a:t>– relative time </a:t>
+            </a:r>
+            <a:r>
+              <a:rPr lang="ko-KR" altLang="en-US" sz="1000" b="1" dirty="0" smtClean="0"/>
+              <a:t>참고</a:t>
+            </a:r>
+            <a:endParaRPr lang="en-US" altLang="ko-KR" sz="1000" b="1" dirty="0" smtClean="0"/>
+          </a:p>
+        </p:txBody>
+      </p:sp>
       <p:grpSp>
         <p:nvGrpSpPr>
-          <p:cNvPr id="169" name="그룹 168"/>
+          <p:cNvPr id="81" name="그룹 80"/>
           <p:cNvGrpSpPr/>
           <p:nvPr/>
         </p:nvGrpSpPr>
         <p:grpSpPr>
           <a:xfrm>
-            <a:off x="2195094" y="2915523"/>
-            <a:ext cx="1845300" cy="1502139"/>
+            <a:off x="304476" y="2621878"/>
+            <a:ext cx="1364714" cy="1110925"/>
             <a:chOff x="0" y="2798273"/>
             <a:chExt cx="2939318" cy="2993123"/>
           </a:xfrm>
         </p:grpSpPr>
         <p:sp>
           <p:nvSpPr>
-            <p:cNvPr id="170" name="직사각형 169"/>
+            <p:cNvPr id="82" name="직사각형 81"/>
             <p:cNvSpPr/>
             <p:nvPr/>
           </p:nvSpPr>
@@ -20307,14 +20110,14 @@
         </p:sp>
         <p:pic>
           <p:nvPicPr>
-            <p:cNvPr id="171" name="그림 170"/>
+            <p:cNvPr id="83" name="그림 82"/>
             <p:cNvPicPr>
               <a:picLocks noChangeAspect="1"/>
             </p:cNvPicPr>
             <p:nvPr/>
           </p:nvPicPr>
           <p:blipFill>
-            <a:blip r:embed="rId10" cstate="print">
+            <a:blip r:embed="rId15" cstate="print">
               <a:extLst>
                 <a:ext uri="{28A0092B-C50C-407E-A947-70E740481C1C}">
                   <a14:useLocalDpi xmlns:a14="http://schemas.microsoft.com/office/drawing/2010/main" val="0"/>
@@ -20337,14 +20140,14 @@
         </p:pic>
         <p:pic>
           <p:nvPicPr>
-            <p:cNvPr id="172" name="그림 171"/>
+            <p:cNvPr id="84" name="그림 83"/>
             <p:cNvPicPr>
               <a:picLocks noChangeAspect="1"/>
             </p:cNvPicPr>
             <p:nvPr/>
           </p:nvPicPr>
           <p:blipFill>
-            <a:blip r:embed="rId11">
+            <a:blip r:embed="rId10">
               <a:extLst>
                 <a:ext uri="{28A0092B-C50C-407E-A947-70E740481C1C}">
                   <a14:useLocalDpi xmlns:a14="http://schemas.microsoft.com/office/drawing/2010/main" val="0"/>
@@ -20367,14 +20170,14 @@
         </p:pic>
         <p:pic>
           <p:nvPicPr>
-            <p:cNvPr id="173" name="그림 172"/>
+            <p:cNvPr id="85" name="그림 84"/>
             <p:cNvPicPr>
               <a:picLocks noChangeAspect="1"/>
             </p:cNvPicPr>
             <p:nvPr/>
           </p:nvPicPr>
           <p:blipFill>
-            <a:blip r:embed="rId12">
+            <a:blip r:embed="rId11">
               <a:extLst>
                 <a:ext uri="{28A0092B-C50C-407E-A947-70E740481C1C}">
                   <a14:useLocalDpi xmlns:a14="http://schemas.microsoft.com/office/drawing/2010/main" val="0"/>
@@ -20397,14 +20200,14 @@
         </p:pic>
         <p:pic>
           <p:nvPicPr>
-            <p:cNvPr id="174" name="그림 173"/>
+            <p:cNvPr id="86" name="그림 85"/>
             <p:cNvPicPr>
               <a:picLocks noChangeAspect="1"/>
             </p:cNvPicPr>
             <p:nvPr/>
           </p:nvPicPr>
           <p:blipFill>
-            <a:blip r:embed="rId13" cstate="print">
+            <a:blip r:embed="rId16" cstate="print">
               <a:extLst>
                 <a:ext uri="{28A0092B-C50C-407E-A947-70E740481C1C}">
                   <a14:useLocalDpi xmlns:a14="http://schemas.microsoft.com/office/drawing/2010/main" val="0"/>
@@ -20427,14 +20230,14 @@
         </p:pic>
         <p:pic>
           <p:nvPicPr>
-            <p:cNvPr id="175" name="그림 174"/>
+            <p:cNvPr id="87" name="그림 86"/>
             <p:cNvPicPr>
               <a:picLocks noChangeAspect="1"/>
             </p:cNvPicPr>
             <p:nvPr/>
           </p:nvPicPr>
           <p:blipFill>
-            <a:blip r:embed="rId14" cstate="print">
+            <a:blip r:embed="rId17" cstate="print">
               <a:extLst>
                 <a:ext uri="{28A0092B-C50C-407E-A947-70E740481C1C}">
                   <a14:useLocalDpi xmlns:a14="http://schemas.microsoft.com/office/drawing/2010/main" val="0"/>
@@ -20457,14 +20260,14 @@
         </p:pic>
         <p:pic>
           <p:nvPicPr>
-            <p:cNvPr id="176" name="그림 175"/>
+            <p:cNvPr id="88" name="그림 87"/>
             <p:cNvPicPr>
               <a:picLocks noChangeAspect="1"/>
             </p:cNvPicPr>
             <p:nvPr/>
           </p:nvPicPr>
           <p:blipFill>
-            <a:blip r:embed="rId15">
+            <a:blip r:embed="rId18" cstate="print">
               <a:extLst>
                 <a:ext uri="{28A0092B-C50C-407E-A947-70E740481C1C}">
                   <a14:useLocalDpi xmlns:a14="http://schemas.microsoft.com/office/drawing/2010/main" val="0"/>
@@ -20488,21 +20291,21 @@
       </p:grpSp>
       <p:grpSp>
         <p:nvGrpSpPr>
-          <p:cNvPr id="177" name="그룹 176"/>
+          <p:cNvPr id="89" name="그룹 88"/>
           <p:cNvGrpSpPr/>
           <p:nvPr/>
         </p:nvGrpSpPr>
         <p:grpSpPr>
           <a:xfrm>
-            <a:off x="304476" y="4477132"/>
-            <a:ext cx="1845300" cy="1502139"/>
+            <a:off x="1807130" y="2645298"/>
+            <a:ext cx="1364714" cy="1110925"/>
             <a:chOff x="0" y="2798273"/>
             <a:chExt cx="2939318" cy="2993123"/>
           </a:xfrm>
         </p:grpSpPr>
         <p:sp>
           <p:nvSpPr>
-            <p:cNvPr id="178" name="직사각형 177"/>
+            <p:cNvPr id="90" name="직사각형 89"/>
             <p:cNvSpPr/>
             <p:nvPr/>
           </p:nvSpPr>
@@ -20552,14 +20355,14 @@
         </p:sp>
         <p:pic>
           <p:nvPicPr>
-            <p:cNvPr id="179" name="그림 178"/>
+            <p:cNvPr id="91" name="그림 90"/>
             <p:cNvPicPr>
               <a:picLocks noChangeAspect="1"/>
             </p:cNvPicPr>
             <p:nvPr/>
           </p:nvPicPr>
           <p:blipFill>
-            <a:blip r:embed="rId10" cstate="print">
+            <a:blip r:embed="rId15" cstate="print">
               <a:extLst>
                 <a:ext uri="{28A0092B-C50C-407E-A947-70E740481C1C}">
                   <a14:useLocalDpi xmlns:a14="http://schemas.microsoft.com/office/drawing/2010/main" val="0"/>
@@ -20582,14 +20385,14 @@
         </p:pic>
         <p:pic>
           <p:nvPicPr>
-            <p:cNvPr id="180" name="그림 179"/>
+            <p:cNvPr id="92" name="그림 91"/>
             <p:cNvPicPr>
               <a:picLocks noChangeAspect="1"/>
             </p:cNvPicPr>
             <p:nvPr/>
           </p:nvPicPr>
           <p:blipFill>
-            <a:blip r:embed="rId11">
+            <a:blip r:embed="rId10">
               <a:extLst>
                 <a:ext uri="{28A0092B-C50C-407E-A947-70E740481C1C}">
                   <a14:useLocalDpi xmlns:a14="http://schemas.microsoft.com/office/drawing/2010/main" val="0"/>
@@ -20612,14 +20415,14 @@
         </p:pic>
         <p:pic>
           <p:nvPicPr>
-            <p:cNvPr id="181" name="그림 180"/>
+            <p:cNvPr id="93" name="그림 92"/>
             <p:cNvPicPr>
               <a:picLocks noChangeAspect="1"/>
             </p:cNvPicPr>
             <p:nvPr/>
           </p:nvPicPr>
           <p:blipFill>
-            <a:blip r:embed="rId12">
+            <a:blip r:embed="rId11">
               <a:extLst>
                 <a:ext uri="{28A0092B-C50C-407E-A947-70E740481C1C}">
                   <a14:useLocalDpi xmlns:a14="http://schemas.microsoft.com/office/drawing/2010/main" val="0"/>
@@ -20642,14 +20445,14 @@
         </p:pic>
         <p:pic>
           <p:nvPicPr>
-            <p:cNvPr id="182" name="그림 181"/>
+            <p:cNvPr id="94" name="그림 93"/>
             <p:cNvPicPr>
               <a:picLocks noChangeAspect="1"/>
             </p:cNvPicPr>
             <p:nvPr/>
           </p:nvPicPr>
           <p:blipFill>
-            <a:blip r:embed="rId13" cstate="print">
+            <a:blip r:embed="rId16" cstate="print">
               <a:extLst>
                 <a:ext uri="{28A0092B-C50C-407E-A947-70E740481C1C}">
                   <a14:useLocalDpi xmlns:a14="http://schemas.microsoft.com/office/drawing/2010/main" val="0"/>
@@ -20672,14 +20475,14 @@
         </p:pic>
         <p:pic>
           <p:nvPicPr>
-            <p:cNvPr id="183" name="그림 182"/>
+            <p:cNvPr id="95" name="그림 94"/>
             <p:cNvPicPr>
               <a:picLocks noChangeAspect="1"/>
             </p:cNvPicPr>
             <p:nvPr/>
           </p:nvPicPr>
           <p:blipFill>
-            <a:blip r:embed="rId14" cstate="print">
+            <a:blip r:embed="rId17" cstate="print">
               <a:extLst>
                 <a:ext uri="{28A0092B-C50C-407E-A947-70E740481C1C}">
                   <a14:useLocalDpi xmlns:a14="http://schemas.microsoft.com/office/drawing/2010/main" val="0"/>
@@ -20702,14 +20505,14 @@
         </p:pic>
         <p:pic>
           <p:nvPicPr>
-            <p:cNvPr id="184" name="그림 183"/>
+            <p:cNvPr id="96" name="그림 95"/>
             <p:cNvPicPr>
               <a:picLocks noChangeAspect="1"/>
             </p:cNvPicPr>
             <p:nvPr/>
           </p:nvPicPr>
           <p:blipFill>
-            <a:blip r:embed="rId15">
+            <a:blip r:embed="rId18" cstate="print">
               <a:extLst>
                 <a:ext uri="{28A0092B-C50C-407E-A947-70E740481C1C}">
                   <a14:useLocalDpi xmlns:a14="http://schemas.microsoft.com/office/drawing/2010/main" val="0"/>
@@ -20733,21 +20536,21 @@
       </p:grpSp>
       <p:grpSp>
         <p:nvGrpSpPr>
-          <p:cNvPr id="185" name="그룹 184"/>
+          <p:cNvPr id="97" name="그룹 96"/>
           <p:cNvGrpSpPr/>
           <p:nvPr/>
         </p:nvGrpSpPr>
         <p:grpSpPr>
           <a:xfrm>
-            <a:off x="2195094" y="4463656"/>
-            <a:ext cx="1845300" cy="1502139"/>
+            <a:off x="3266772" y="2661679"/>
+            <a:ext cx="1364714" cy="1110925"/>
             <a:chOff x="0" y="2798273"/>
             <a:chExt cx="2939318" cy="2993123"/>
           </a:xfrm>
         </p:grpSpPr>
         <p:sp>
           <p:nvSpPr>
-            <p:cNvPr id="186" name="직사각형 185"/>
+            <p:cNvPr id="98" name="직사각형 97"/>
             <p:cNvSpPr/>
             <p:nvPr/>
           </p:nvSpPr>
@@ -20797,14 +20600,14 @@
         </p:sp>
         <p:pic>
           <p:nvPicPr>
-            <p:cNvPr id="187" name="그림 186"/>
+            <p:cNvPr id="99" name="그림 98"/>
             <p:cNvPicPr>
               <a:picLocks noChangeAspect="1"/>
             </p:cNvPicPr>
             <p:nvPr/>
           </p:nvPicPr>
           <p:blipFill>
-            <a:blip r:embed="rId10" cstate="print">
+            <a:blip r:embed="rId15" cstate="print">
               <a:extLst>
                 <a:ext uri="{28A0092B-C50C-407E-A947-70E740481C1C}">
                   <a14:useLocalDpi xmlns:a14="http://schemas.microsoft.com/office/drawing/2010/main" val="0"/>
@@ -20827,14 +20630,14 @@
         </p:pic>
         <p:pic>
           <p:nvPicPr>
-            <p:cNvPr id="188" name="그림 187"/>
+            <p:cNvPr id="100" name="그림 99"/>
             <p:cNvPicPr>
               <a:picLocks noChangeAspect="1"/>
             </p:cNvPicPr>
             <p:nvPr/>
           </p:nvPicPr>
           <p:blipFill>
-            <a:blip r:embed="rId11">
+            <a:blip r:embed="rId10">
               <a:extLst>
                 <a:ext uri="{28A0092B-C50C-407E-A947-70E740481C1C}">
                   <a14:useLocalDpi xmlns:a14="http://schemas.microsoft.com/office/drawing/2010/main" val="0"/>
@@ -20857,14 +20660,14 @@
         </p:pic>
         <p:pic>
           <p:nvPicPr>
-            <p:cNvPr id="189" name="그림 188"/>
+            <p:cNvPr id="101" name="그림 100"/>
             <p:cNvPicPr>
               <a:picLocks noChangeAspect="1"/>
             </p:cNvPicPr>
             <p:nvPr/>
           </p:nvPicPr>
           <p:blipFill>
-            <a:blip r:embed="rId12">
+            <a:blip r:embed="rId11">
               <a:extLst>
                 <a:ext uri="{28A0092B-C50C-407E-A947-70E740481C1C}">
                   <a14:useLocalDpi xmlns:a14="http://schemas.microsoft.com/office/drawing/2010/main" val="0"/>
@@ -20887,14 +20690,14 @@
         </p:pic>
         <p:pic>
           <p:nvPicPr>
-            <p:cNvPr id="190" name="그림 189"/>
+            <p:cNvPr id="102" name="그림 101"/>
             <p:cNvPicPr>
               <a:picLocks noChangeAspect="1"/>
             </p:cNvPicPr>
             <p:nvPr/>
           </p:nvPicPr>
           <p:blipFill>
-            <a:blip r:embed="rId13" cstate="print">
+            <a:blip r:embed="rId16" cstate="print">
               <a:extLst>
                 <a:ext uri="{28A0092B-C50C-407E-A947-70E740481C1C}">
                   <a14:useLocalDpi xmlns:a14="http://schemas.microsoft.com/office/drawing/2010/main" val="0"/>
@@ -20917,14 +20720,14 @@
         </p:pic>
         <p:pic>
           <p:nvPicPr>
-            <p:cNvPr id="191" name="그림 190"/>
+            <p:cNvPr id="103" name="그림 102"/>
             <p:cNvPicPr>
               <a:picLocks noChangeAspect="1"/>
             </p:cNvPicPr>
             <p:nvPr/>
           </p:nvPicPr>
           <p:blipFill>
-            <a:blip r:embed="rId14" cstate="print">
+            <a:blip r:embed="rId17" cstate="print">
               <a:extLst>
                 <a:ext uri="{28A0092B-C50C-407E-A947-70E740481C1C}">
                   <a14:useLocalDpi xmlns:a14="http://schemas.microsoft.com/office/drawing/2010/main" val="0"/>
@@ -20947,14 +20750,14 @@
         </p:pic>
         <p:pic>
           <p:nvPicPr>
-            <p:cNvPr id="192" name="그림 191"/>
+            <p:cNvPr id="105" name="그림 104"/>
             <p:cNvPicPr>
               <a:picLocks noChangeAspect="1"/>
             </p:cNvPicPr>
             <p:nvPr/>
           </p:nvPicPr>
           <p:blipFill>
-            <a:blip r:embed="rId15">
+            <a:blip r:embed="rId18" cstate="print">
               <a:extLst>
                 <a:ext uri="{28A0092B-C50C-407E-A947-70E740481C1C}">
                   <a14:useLocalDpi xmlns:a14="http://schemas.microsoft.com/office/drawing/2010/main" val="0"/>
@@ -20976,6 +20779,779 @@
           </p:spPr>
         </p:pic>
       </p:grpSp>
+      <p:grpSp>
+        <p:nvGrpSpPr>
+          <p:cNvPr id="106" name="그룹 105"/>
+          <p:cNvGrpSpPr/>
+          <p:nvPr/>
+        </p:nvGrpSpPr>
+        <p:grpSpPr>
+          <a:xfrm>
+            <a:off x="281128" y="4038433"/>
+            <a:ext cx="1364714" cy="1110925"/>
+            <a:chOff x="0" y="2798273"/>
+            <a:chExt cx="2939318" cy="2993123"/>
+          </a:xfrm>
+        </p:grpSpPr>
+        <p:sp>
+          <p:nvSpPr>
+            <p:cNvPr id="108" name="직사각형 107"/>
+            <p:cNvSpPr/>
+            <p:nvPr/>
+          </p:nvSpPr>
+          <p:spPr>
+            <a:xfrm>
+              <a:off x="0" y="2798273"/>
+              <a:ext cx="2939318" cy="2993123"/>
+            </a:xfrm>
+            <a:prstGeom prst="rect">
+              <a:avLst/>
+            </a:prstGeom>
+            <a:solidFill>
+              <a:schemeClr val="bg1"/>
+            </a:solidFill>
+            <a:ln>
+              <a:solidFill>
+                <a:schemeClr val="bg1">
+                  <a:lumMod val="75000"/>
+                </a:schemeClr>
+              </a:solidFill>
+            </a:ln>
+          </p:spPr>
+          <p:style>
+            <a:lnRef idx="2">
+              <a:schemeClr val="accent1">
+                <a:shade val="50000"/>
+              </a:schemeClr>
+            </a:lnRef>
+            <a:fillRef idx="1">
+              <a:schemeClr val="accent1"/>
+            </a:fillRef>
+            <a:effectRef idx="0">
+              <a:schemeClr val="accent1"/>
+            </a:effectRef>
+            <a:fontRef idx="minor">
+              <a:schemeClr val="lt1"/>
+            </a:fontRef>
+          </p:style>
+          <p:txBody>
+            <a:bodyPr rtlCol="0" anchor="ctr"/>
+            <a:lstStyle/>
+            <a:p>
+              <a:pPr algn="ctr"/>
+              <a:endParaRPr lang="ko-KR" altLang="en-US" dirty="0"/>
+            </a:p>
+          </p:txBody>
+        </p:sp>
+        <p:pic>
+          <p:nvPicPr>
+            <p:cNvPr id="113" name="그림 112"/>
+            <p:cNvPicPr>
+              <a:picLocks noChangeAspect="1"/>
+            </p:cNvPicPr>
+            <p:nvPr/>
+          </p:nvPicPr>
+          <p:blipFill>
+            <a:blip r:embed="rId15" cstate="print">
+              <a:extLst>
+                <a:ext uri="{28A0092B-C50C-407E-A947-70E740481C1C}">
+                  <a14:useLocalDpi xmlns:a14="http://schemas.microsoft.com/office/drawing/2010/main" val="0"/>
+                </a:ext>
+              </a:extLst>
+            </a:blip>
+            <a:stretch>
+              <a:fillRect/>
+            </a:stretch>
+          </p:blipFill>
+          <p:spPr>
+            <a:xfrm>
+              <a:off x="1872766" y="5479959"/>
+              <a:ext cx="1021436" cy="260117"/>
+            </a:xfrm>
+            <a:prstGeom prst="rect">
+              <a:avLst/>
+            </a:prstGeom>
+          </p:spPr>
+        </p:pic>
+        <p:pic>
+          <p:nvPicPr>
+            <p:cNvPr id="114" name="그림 113"/>
+            <p:cNvPicPr>
+              <a:picLocks noChangeAspect="1"/>
+            </p:cNvPicPr>
+            <p:nvPr/>
+          </p:nvPicPr>
+          <p:blipFill>
+            <a:blip r:embed="rId10">
+              <a:extLst>
+                <a:ext uri="{28A0092B-C50C-407E-A947-70E740481C1C}">
+                  <a14:useLocalDpi xmlns:a14="http://schemas.microsoft.com/office/drawing/2010/main" val="0"/>
+                </a:ext>
+              </a:extLst>
+            </a:blip>
+            <a:stretch>
+              <a:fillRect/>
+            </a:stretch>
+          </p:blipFill>
+          <p:spPr>
+            <a:xfrm>
+              <a:off x="981554" y="5493089"/>
+              <a:ext cx="904875" cy="247650"/>
+            </a:xfrm>
+            <a:prstGeom prst="rect">
+              <a:avLst/>
+            </a:prstGeom>
+          </p:spPr>
+        </p:pic>
+        <p:pic>
+          <p:nvPicPr>
+            <p:cNvPr id="115" name="그림 114"/>
+            <p:cNvPicPr>
+              <a:picLocks noChangeAspect="1"/>
+            </p:cNvPicPr>
+            <p:nvPr/>
+          </p:nvPicPr>
+          <p:blipFill>
+            <a:blip r:embed="rId11">
+              <a:extLst>
+                <a:ext uri="{28A0092B-C50C-407E-A947-70E740481C1C}">
+                  <a14:useLocalDpi xmlns:a14="http://schemas.microsoft.com/office/drawing/2010/main" val="0"/>
+                </a:ext>
+              </a:extLst>
+            </a:blip>
+            <a:stretch>
+              <a:fillRect/>
+            </a:stretch>
+          </p:blipFill>
+          <p:spPr>
+            <a:xfrm>
+              <a:off x="72453" y="5497852"/>
+              <a:ext cx="895350" cy="238125"/>
+            </a:xfrm>
+            <a:prstGeom prst="rect">
+              <a:avLst/>
+            </a:prstGeom>
+          </p:spPr>
+        </p:pic>
+        <p:pic>
+          <p:nvPicPr>
+            <p:cNvPr id="117" name="그림 116"/>
+            <p:cNvPicPr>
+              <a:picLocks noChangeAspect="1"/>
+            </p:cNvPicPr>
+            <p:nvPr/>
+          </p:nvPicPr>
+          <p:blipFill>
+            <a:blip r:embed="rId16" cstate="print">
+              <a:extLst>
+                <a:ext uri="{28A0092B-C50C-407E-A947-70E740481C1C}">
+                  <a14:useLocalDpi xmlns:a14="http://schemas.microsoft.com/office/drawing/2010/main" val="0"/>
+                </a:ext>
+              </a:extLst>
+            </a:blip>
+            <a:stretch>
+              <a:fillRect/>
+            </a:stretch>
+          </p:blipFill>
+          <p:spPr>
+            <a:xfrm>
+              <a:off x="36182" y="4548431"/>
+              <a:ext cx="1944231" cy="679768"/>
+            </a:xfrm>
+            <a:prstGeom prst="rect">
+              <a:avLst/>
+            </a:prstGeom>
+          </p:spPr>
+        </p:pic>
+        <p:pic>
+          <p:nvPicPr>
+            <p:cNvPr id="123" name="그림 122"/>
+            <p:cNvPicPr>
+              <a:picLocks noChangeAspect="1"/>
+            </p:cNvPicPr>
+            <p:nvPr/>
+          </p:nvPicPr>
+          <p:blipFill>
+            <a:blip r:embed="rId17" cstate="print">
+              <a:extLst>
+                <a:ext uri="{28A0092B-C50C-407E-A947-70E740481C1C}">
+                  <a14:useLocalDpi xmlns:a14="http://schemas.microsoft.com/office/drawing/2010/main" val="0"/>
+                </a:ext>
+              </a:extLst>
+            </a:blip>
+            <a:stretch>
+              <a:fillRect/>
+            </a:stretch>
+          </p:blipFill>
+          <p:spPr>
+            <a:xfrm>
+              <a:off x="120935" y="5271492"/>
+              <a:ext cx="2052873" cy="165174"/>
+            </a:xfrm>
+            <a:prstGeom prst="rect">
+              <a:avLst/>
+            </a:prstGeom>
+          </p:spPr>
+        </p:pic>
+        <p:pic>
+          <p:nvPicPr>
+            <p:cNvPr id="124" name="그림 123"/>
+            <p:cNvPicPr>
+              <a:picLocks noChangeAspect="1"/>
+            </p:cNvPicPr>
+            <p:nvPr/>
+          </p:nvPicPr>
+          <p:blipFill>
+            <a:blip r:embed="rId18" cstate="print">
+              <a:extLst>
+                <a:ext uri="{28A0092B-C50C-407E-A947-70E740481C1C}">
+                  <a14:useLocalDpi xmlns:a14="http://schemas.microsoft.com/office/drawing/2010/main" val="0"/>
+                </a:ext>
+              </a:extLst>
+            </a:blip>
+            <a:stretch>
+              <a:fillRect/>
+            </a:stretch>
+          </p:blipFill>
+          <p:spPr>
+            <a:xfrm>
+              <a:off x="72453" y="2861372"/>
+              <a:ext cx="2821749" cy="1706145"/>
+            </a:xfrm>
+            <a:prstGeom prst="rect">
+              <a:avLst/>
+            </a:prstGeom>
+          </p:spPr>
+        </p:pic>
+      </p:grpSp>
+      <p:grpSp>
+        <p:nvGrpSpPr>
+          <p:cNvPr id="125" name="그룹 124"/>
+          <p:cNvGrpSpPr/>
+          <p:nvPr/>
+        </p:nvGrpSpPr>
+        <p:grpSpPr>
+          <a:xfrm>
+            <a:off x="1783782" y="4061853"/>
+            <a:ext cx="1364714" cy="1110925"/>
+            <a:chOff x="0" y="2798273"/>
+            <a:chExt cx="2939318" cy="2993123"/>
+          </a:xfrm>
+        </p:grpSpPr>
+        <p:sp>
+          <p:nvSpPr>
+            <p:cNvPr id="133" name="직사각형 132"/>
+            <p:cNvSpPr/>
+            <p:nvPr/>
+          </p:nvSpPr>
+          <p:spPr>
+            <a:xfrm>
+              <a:off x="0" y="2798273"/>
+              <a:ext cx="2939318" cy="2993123"/>
+            </a:xfrm>
+            <a:prstGeom prst="rect">
+              <a:avLst/>
+            </a:prstGeom>
+            <a:solidFill>
+              <a:schemeClr val="bg1"/>
+            </a:solidFill>
+            <a:ln>
+              <a:solidFill>
+                <a:schemeClr val="bg1">
+                  <a:lumMod val="75000"/>
+                </a:schemeClr>
+              </a:solidFill>
+            </a:ln>
+          </p:spPr>
+          <p:style>
+            <a:lnRef idx="2">
+              <a:schemeClr val="accent1">
+                <a:shade val="50000"/>
+              </a:schemeClr>
+            </a:lnRef>
+            <a:fillRef idx="1">
+              <a:schemeClr val="accent1"/>
+            </a:fillRef>
+            <a:effectRef idx="0">
+              <a:schemeClr val="accent1"/>
+            </a:effectRef>
+            <a:fontRef idx="minor">
+              <a:schemeClr val="lt1"/>
+            </a:fontRef>
+          </p:style>
+          <p:txBody>
+            <a:bodyPr rtlCol="0" anchor="ctr"/>
+            <a:lstStyle/>
+            <a:p>
+              <a:pPr algn="ctr"/>
+              <a:endParaRPr lang="ko-KR" altLang="en-US" dirty="0"/>
+            </a:p>
+          </p:txBody>
+        </p:sp>
+        <p:pic>
+          <p:nvPicPr>
+            <p:cNvPr id="134" name="그림 133"/>
+            <p:cNvPicPr>
+              <a:picLocks noChangeAspect="1"/>
+            </p:cNvPicPr>
+            <p:nvPr/>
+          </p:nvPicPr>
+          <p:blipFill>
+            <a:blip r:embed="rId15" cstate="print">
+              <a:extLst>
+                <a:ext uri="{28A0092B-C50C-407E-A947-70E740481C1C}">
+                  <a14:useLocalDpi xmlns:a14="http://schemas.microsoft.com/office/drawing/2010/main" val="0"/>
+                </a:ext>
+              </a:extLst>
+            </a:blip>
+            <a:stretch>
+              <a:fillRect/>
+            </a:stretch>
+          </p:blipFill>
+          <p:spPr>
+            <a:xfrm>
+              <a:off x="1872766" y="5479959"/>
+              <a:ext cx="1021436" cy="260117"/>
+            </a:xfrm>
+            <a:prstGeom prst="rect">
+              <a:avLst/>
+            </a:prstGeom>
+          </p:spPr>
+        </p:pic>
+        <p:pic>
+          <p:nvPicPr>
+            <p:cNvPr id="137" name="그림 136"/>
+            <p:cNvPicPr>
+              <a:picLocks noChangeAspect="1"/>
+            </p:cNvPicPr>
+            <p:nvPr/>
+          </p:nvPicPr>
+          <p:blipFill>
+            <a:blip r:embed="rId10">
+              <a:extLst>
+                <a:ext uri="{28A0092B-C50C-407E-A947-70E740481C1C}">
+                  <a14:useLocalDpi xmlns:a14="http://schemas.microsoft.com/office/drawing/2010/main" val="0"/>
+                </a:ext>
+              </a:extLst>
+            </a:blip>
+            <a:stretch>
+              <a:fillRect/>
+            </a:stretch>
+          </p:blipFill>
+          <p:spPr>
+            <a:xfrm>
+              <a:off x="981554" y="5493089"/>
+              <a:ext cx="904875" cy="247650"/>
+            </a:xfrm>
+            <a:prstGeom prst="rect">
+              <a:avLst/>
+            </a:prstGeom>
+          </p:spPr>
+        </p:pic>
+        <p:pic>
+          <p:nvPicPr>
+            <p:cNvPr id="138" name="그림 137"/>
+            <p:cNvPicPr>
+              <a:picLocks noChangeAspect="1"/>
+            </p:cNvPicPr>
+            <p:nvPr/>
+          </p:nvPicPr>
+          <p:blipFill>
+            <a:blip r:embed="rId11">
+              <a:extLst>
+                <a:ext uri="{28A0092B-C50C-407E-A947-70E740481C1C}">
+                  <a14:useLocalDpi xmlns:a14="http://schemas.microsoft.com/office/drawing/2010/main" val="0"/>
+                </a:ext>
+              </a:extLst>
+            </a:blip>
+            <a:stretch>
+              <a:fillRect/>
+            </a:stretch>
+          </p:blipFill>
+          <p:spPr>
+            <a:xfrm>
+              <a:off x="72453" y="5497852"/>
+              <a:ext cx="895350" cy="238125"/>
+            </a:xfrm>
+            <a:prstGeom prst="rect">
+              <a:avLst/>
+            </a:prstGeom>
+          </p:spPr>
+        </p:pic>
+        <p:pic>
+          <p:nvPicPr>
+            <p:cNvPr id="139" name="그림 138"/>
+            <p:cNvPicPr>
+              <a:picLocks noChangeAspect="1"/>
+            </p:cNvPicPr>
+            <p:nvPr/>
+          </p:nvPicPr>
+          <p:blipFill>
+            <a:blip r:embed="rId16" cstate="print">
+              <a:extLst>
+                <a:ext uri="{28A0092B-C50C-407E-A947-70E740481C1C}">
+                  <a14:useLocalDpi xmlns:a14="http://schemas.microsoft.com/office/drawing/2010/main" val="0"/>
+                </a:ext>
+              </a:extLst>
+            </a:blip>
+            <a:stretch>
+              <a:fillRect/>
+            </a:stretch>
+          </p:blipFill>
+          <p:spPr>
+            <a:xfrm>
+              <a:off x="36182" y="4548431"/>
+              <a:ext cx="1944231" cy="679768"/>
+            </a:xfrm>
+            <a:prstGeom prst="rect">
+              <a:avLst/>
+            </a:prstGeom>
+          </p:spPr>
+        </p:pic>
+        <p:pic>
+          <p:nvPicPr>
+            <p:cNvPr id="140" name="그림 139"/>
+            <p:cNvPicPr>
+              <a:picLocks noChangeAspect="1"/>
+            </p:cNvPicPr>
+            <p:nvPr/>
+          </p:nvPicPr>
+          <p:blipFill>
+            <a:blip r:embed="rId17" cstate="print">
+              <a:extLst>
+                <a:ext uri="{28A0092B-C50C-407E-A947-70E740481C1C}">
+                  <a14:useLocalDpi xmlns:a14="http://schemas.microsoft.com/office/drawing/2010/main" val="0"/>
+                </a:ext>
+              </a:extLst>
+            </a:blip>
+            <a:stretch>
+              <a:fillRect/>
+            </a:stretch>
+          </p:blipFill>
+          <p:spPr>
+            <a:xfrm>
+              <a:off x="120935" y="5271492"/>
+              <a:ext cx="2052873" cy="165174"/>
+            </a:xfrm>
+            <a:prstGeom prst="rect">
+              <a:avLst/>
+            </a:prstGeom>
+          </p:spPr>
+        </p:pic>
+        <p:pic>
+          <p:nvPicPr>
+            <p:cNvPr id="141" name="그림 140"/>
+            <p:cNvPicPr>
+              <a:picLocks noChangeAspect="1"/>
+            </p:cNvPicPr>
+            <p:nvPr/>
+          </p:nvPicPr>
+          <p:blipFill>
+            <a:blip r:embed="rId18" cstate="print">
+              <a:extLst>
+                <a:ext uri="{28A0092B-C50C-407E-A947-70E740481C1C}">
+                  <a14:useLocalDpi xmlns:a14="http://schemas.microsoft.com/office/drawing/2010/main" val="0"/>
+                </a:ext>
+              </a:extLst>
+            </a:blip>
+            <a:stretch>
+              <a:fillRect/>
+            </a:stretch>
+          </p:blipFill>
+          <p:spPr>
+            <a:xfrm>
+              <a:off x="72453" y="2861372"/>
+              <a:ext cx="2821749" cy="1706145"/>
+            </a:xfrm>
+            <a:prstGeom prst="rect">
+              <a:avLst/>
+            </a:prstGeom>
+          </p:spPr>
+        </p:pic>
+      </p:grpSp>
+      <p:grpSp>
+        <p:nvGrpSpPr>
+          <p:cNvPr id="142" name="그룹 141"/>
+          <p:cNvGrpSpPr/>
+          <p:nvPr/>
+        </p:nvGrpSpPr>
+        <p:grpSpPr>
+          <a:xfrm>
+            <a:off x="3243424" y="4078234"/>
+            <a:ext cx="1364714" cy="1110925"/>
+            <a:chOff x="0" y="2798273"/>
+            <a:chExt cx="2939318" cy="2993123"/>
+          </a:xfrm>
+        </p:grpSpPr>
+        <p:sp>
+          <p:nvSpPr>
+            <p:cNvPr id="147" name="직사각형 146"/>
+            <p:cNvSpPr/>
+            <p:nvPr/>
+          </p:nvSpPr>
+          <p:spPr>
+            <a:xfrm>
+              <a:off x="0" y="2798273"/>
+              <a:ext cx="2939318" cy="2993123"/>
+            </a:xfrm>
+            <a:prstGeom prst="rect">
+              <a:avLst/>
+            </a:prstGeom>
+            <a:solidFill>
+              <a:schemeClr val="bg1"/>
+            </a:solidFill>
+            <a:ln>
+              <a:solidFill>
+                <a:schemeClr val="bg1">
+                  <a:lumMod val="75000"/>
+                </a:schemeClr>
+              </a:solidFill>
+            </a:ln>
+          </p:spPr>
+          <p:style>
+            <a:lnRef idx="2">
+              <a:schemeClr val="accent1">
+                <a:shade val="50000"/>
+              </a:schemeClr>
+            </a:lnRef>
+            <a:fillRef idx="1">
+              <a:schemeClr val="accent1"/>
+            </a:fillRef>
+            <a:effectRef idx="0">
+              <a:schemeClr val="accent1"/>
+            </a:effectRef>
+            <a:fontRef idx="minor">
+              <a:schemeClr val="lt1"/>
+            </a:fontRef>
+          </p:style>
+          <p:txBody>
+            <a:bodyPr rtlCol="0" anchor="ctr"/>
+            <a:lstStyle/>
+            <a:p>
+              <a:pPr algn="ctr"/>
+              <a:endParaRPr lang="ko-KR" altLang="en-US" dirty="0"/>
+            </a:p>
+          </p:txBody>
+        </p:sp>
+        <p:pic>
+          <p:nvPicPr>
+            <p:cNvPr id="148" name="그림 147"/>
+            <p:cNvPicPr>
+              <a:picLocks noChangeAspect="1"/>
+            </p:cNvPicPr>
+            <p:nvPr/>
+          </p:nvPicPr>
+          <p:blipFill>
+            <a:blip r:embed="rId15" cstate="print">
+              <a:extLst>
+                <a:ext uri="{28A0092B-C50C-407E-A947-70E740481C1C}">
+                  <a14:useLocalDpi xmlns:a14="http://schemas.microsoft.com/office/drawing/2010/main" val="0"/>
+                </a:ext>
+              </a:extLst>
+            </a:blip>
+            <a:stretch>
+              <a:fillRect/>
+            </a:stretch>
+          </p:blipFill>
+          <p:spPr>
+            <a:xfrm>
+              <a:off x="1872766" y="5479959"/>
+              <a:ext cx="1021436" cy="260117"/>
+            </a:xfrm>
+            <a:prstGeom prst="rect">
+              <a:avLst/>
+            </a:prstGeom>
+          </p:spPr>
+        </p:pic>
+        <p:pic>
+          <p:nvPicPr>
+            <p:cNvPr id="149" name="그림 148"/>
+            <p:cNvPicPr>
+              <a:picLocks noChangeAspect="1"/>
+            </p:cNvPicPr>
+            <p:nvPr/>
+          </p:nvPicPr>
+          <p:blipFill>
+            <a:blip r:embed="rId10">
+              <a:extLst>
+                <a:ext uri="{28A0092B-C50C-407E-A947-70E740481C1C}">
+                  <a14:useLocalDpi xmlns:a14="http://schemas.microsoft.com/office/drawing/2010/main" val="0"/>
+                </a:ext>
+              </a:extLst>
+            </a:blip>
+            <a:stretch>
+              <a:fillRect/>
+            </a:stretch>
+          </p:blipFill>
+          <p:spPr>
+            <a:xfrm>
+              <a:off x="981554" y="5493089"/>
+              <a:ext cx="904875" cy="247650"/>
+            </a:xfrm>
+            <a:prstGeom prst="rect">
+              <a:avLst/>
+            </a:prstGeom>
+          </p:spPr>
+        </p:pic>
+        <p:pic>
+          <p:nvPicPr>
+            <p:cNvPr id="150" name="그림 149"/>
+            <p:cNvPicPr>
+              <a:picLocks noChangeAspect="1"/>
+            </p:cNvPicPr>
+            <p:nvPr/>
+          </p:nvPicPr>
+          <p:blipFill>
+            <a:blip r:embed="rId11">
+              <a:extLst>
+                <a:ext uri="{28A0092B-C50C-407E-A947-70E740481C1C}">
+                  <a14:useLocalDpi xmlns:a14="http://schemas.microsoft.com/office/drawing/2010/main" val="0"/>
+                </a:ext>
+              </a:extLst>
+            </a:blip>
+            <a:stretch>
+              <a:fillRect/>
+            </a:stretch>
+          </p:blipFill>
+          <p:spPr>
+            <a:xfrm>
+              <a:off x="72453" y="5497852"/>
+              <a:ext cx="895350" cy="238125"/>
+            </a:xfrm>
+            <a:prstGeom prst="rect">
+              <a:avLst/>
+            </a:prstGeom>
+          </p:spPr>
+        </p:pic>
+        <p:pic>
+          <p:nvPicPr>
+            <p:cNvPr id="151" name="그림 150"/>
+            <p:cNvPicPr>
+              <a:picLocks noChangeAspect="1"/>
+            </p:cNvPicPr>
+            <p:nvPr/>
+          </p:nvPicPr>
+          <p:blipFill>
+            <a:blip r:embed="rId16" cstate="print">
+              <a:extLst>
+                <a:ext uri="{28A0092B-C50C-407E-A947-70E740481C1C}">
+                  <a14:useLocalDpi xmlns:a14="http://schemas.microsoft.com/office/drawing/2010/main" val="0"/>
+                </a:ext>
+              </a:extLst>
+            </a:blip>
+            <a:stretch>
+              <a:fillRect/>
+            </a:stretch>
+          </p:blipFill>
+          <p:spPr>
+            <a:xfrm>
+              <a:off x="36182" y="4548431"/>
+              <a:ext cx="1944231" cy="679768"/>
+            </a:xfrm>
+            <a:prstGeom prst="rect">
+              <a:avLst/>
+            </a:prstGeom>
+          </p:spPr>
+        </p:pic>
+        <p:pic>
+          <p:nvPicPr>
+            <p:cNvPr id="154" name="그림 153"/>
+            <p:cNvPicPr>
+              <a:picLocks noChangeAspect="1"/>
+            </p:cNvPicPr>
+            <p:nvPr/>
+          </p:nvPicPr>
+          <p:blipFill>
+            <a:blip r:embed="rId17" cstate="print">
+              <a:extLst>
+                <a:ext uri="{28A0092B-C50C-407E-A947-70E740481C1C}">
+                  <a14:useLocalDpi xmlns:a14="http://schemas.microsoft.com/office/drawing/2010/main" val="0"/>
+                </a:ext>
+              </a:extLst>
+            </a:blip>
+            <a:stretch>
+              <a:fillRect/>
+            </a:stretch>
+          </p:blipFill>
+          <p:spPr>
+            <a:xfrm>
+              <a:off x="120935" y="5271492"/>
+              <a:ext cx="2052873" cy="165174"/>
+            </a:xfrm>
+            <a:prstGeom prst="rect">
+              <a:avLst/>
+            </a:prstGeom>
+          </p:spPr>
+        </p:pic>
+        <p:pic>
+          <p:nvPicPr>
+            <p:cNvPr id="156" name="그림 155"/>
+            <p:cNvPicPr>
+              <a:picLocks noChangeAspect="1"/>
+            </p:cNvPicPr>
+            <p:nvPr/>
+          </p:nvPicPr>
+          <p:blipFill>
+            <a:blip r:embed="rId18" cstate="print">
+              <a:extLst>
+                <a:ext uri="{28A0092B-C50C-407E-A947-70E740481C1C}">
+                  <a14:useLocalDpi xmlns:a14="http://schemas.microsoft.com/office/drawing/2010/main" val="0"/>
+                </a:ext>
+              </a:extLst>
+            </a:blip>
+            <a:stretch>
+              <a:fillRect/>
+            </a:stretch>
+          </p:blipFill>
+          <p:spPr>
+            <a:xfrm>
+              <a:off x="72453" y="2861372"/>
+              <a:ext cx="2821749" cy="1706145"/>
+            </a:xfrm>
+            <a:prstGeom prst="rect">
+              <a:avLst/>
+            </a:prstGeom>
+          </p:spPr>
+        </p:pic>
+      </p:grpSp>
+      <p:sp>
+        <p:nvSpPr>
+          <p:cNvPr id="157" name="TextBox 156"/>
+          <p:cNvSpPr txBox="1"/>
+          <p:nvPr/>
+        </p:nvSpPr>
+        <p:spPr>
+          <a:xfrm>
+            <a:off x="7096586" y="231026"/>
+            <a:ext cx="4635340" cy="369332"/>
+          </a:xfrm>
+          <a:prstGeom prst="rect">
+            <a:avLst/>
+          </a:prstGeom>
+          <a:noFill/>
+        </p:spPr>
+        <p:txBody>
+          <a:bodyPr wrap="square" rtlCol="0">
+            <a:spAutoFit/>
+          </a:bodyPr>
+          <a:lstStyle/>
+          <a:p>
+            <a:r>
+              <a:rPr lang="ko-KR" altLang="en-US" dirty="0"/>
+              <a:t>참고 파일 </a:t>
+            </a:r>
+            <a:r>
+              <a:rPr lang="en-US" altLang="ko-KR" dirty="0"/>
+              <a:t>: </a:t>
+            </a:r>
+            <a:r>
+              <a:rPr lang="en-US" altLang="ko-KR" dirty="0" smtClean="0"/>
+              <a:t>profile.html</a:t>
+            </a:r>
+            <a:endParaRPr lang="en-US" altLang="ko-KR" dirty="0"/>
+          </a:p>
+        </p:txBody>
+      </p:sp>
     </p:spTree>
     <p:extLst>
       <p:ext uri="{BB962C8B-B14F-4D97-AF65-F5344CB8AC3E}">
@@ -21052,9 +21628,10 @@
               <a:t> (1) - </a:t>
             </a:r>
             <a:r>
-              <a:rPr lang="ko-KR" altLang="en-US" b="1" dirty="0"/>
-              <a:t>추가진행작업</a:t>
-            </a:r>
+              <a:rPr lang="en-US" altLang="ko-KR" b="1" dirty="0" smtClean="0"/>
+              <a:t>replies</a:t>
+            </a:r>
+            <a:endParaRPr lang="ko-KR" altLang="en-US" b="1" dirty="0"/>
           </a:p>
         </p:txBody>
       </p:sp>
@@ -21067,7 +21644,7 @@
         <p:spPr>
           <a:xfrm>
             <a:off x="7096586" y="231026"/>
-            <a:ext cx="4635340" cy="646331"/>
+            <a:ext cx="4635340" cy="369332"/>
           </a:xfrm>
           <a:prstGeom prst="rect">
             <a:avLst/>
@@ -21086,14 +21663,13 @@
             </a:r>
             <a:r>
               <a:rPr lang="en-US" altLang="ko-KR" dirty="0"/>
-              <a:t>: contact-2.html, Contact-5.html, </a:t>
-            </a:r>
-          </a:p>
-          <a:p>
-            <a:r>
-              <a:rPr lang="en-US" altLang="ko-KR" dirty="0"/>
-              <a:t>About-me.html, about.html</a:t>
-            </a:r>
+              <a:t>: </a:t>
+            </a:r>
+            <a:r>
+              <a:rPr lang="en-US" altLang="ko-KR" dirty="0" smtClean="0"/>
+              <a:t>profile.html</a:t>
+            </a:r>
+            <a:endParaRPr lang="en-US" altLang="ko-KR" dirty="0"/>
           </a:p>
         </p:txBody>
       </p:sp>
@@ -21288,7 +21864,7 @@
         </p:blipFill>
         <p:spPr>
           <a:xfrm>
-            <a:off x="274786" y="3172354"/>
+            <a:off x="274786" y="2481229"/>
             <a:ext cx="4364520" cy="808244"/>
           </a:xfrm>
           <a:prstGeom prst="rect">
@@ -21340,119 +21916,6 @@
           </a:p>
         </p:txBody>
       </p:sp>
-      <p:sp>
-        <p:nvSpPr>
-          <p:cNvPr id="36" name="직사각형 35"/>
-          <p:cNvSpPr/>
-          <p:nvPr/>
-        </p:nvSpPr>
-        <p:spPr>
-          <a:xfrm>
-            <a:off x="304477" y="1323315"/>
-            <a:ext cx="6200045" cy="1833608"/>
-          </a:xfrm>
-          <a:prstGeom prst="rect">
-            <a:avLst/>
-          </a:prstGeom>
-          <a:noFill/>
-          <a:ln w="31750">
-            <a:solidFill>
-              <a:schemeClr val="accent2"/>
-            </a:solidFill>
-          </a:ln>
-        </p:spPr>
-        <p:style>
-          <a:lnRef idx="2">
-            <a:schemeClr val="accent1">
-              <a:shade val="50000"/>
-            </a:schemeClr>
-          </a:lnRef>
-          <a:fillRef idx="1">
-            <a:schemeClr val="accent1"/>
-          </a:fillRef>
-          <a:effectRef idx="0">
-            <a:schemeClr val="accent1"/>
-          </a:effectRef>
-          <a:fontRef idx="minor">
-            <a:schemeClr val="lt1"/>
-          </a:fontRef>
-        </p:style>
-        <p:txBody>
-          <a:bodyPr rtlCol="0" anchor="ctr"/>
-          <a:lstStyle/>
-          <a:p>
-            <a:pPr algn="ctr"/>
-            <a:endParaRPr lang="ko-KR" altLang="en-US" dirty="0"/>
-          </a:p>
-        </p:txBody>
-      </p:sp>
-      <p:sp>
-        <p:nvSpPr>
-          <p:cNvPr id="37" name="직사각형 36"/>
-          <p:cNvSpPr/>
-          <p:nvPr/>
-        </p:nvSpPr>
-        <p:spPr>
-          <a:xfrm>
-            <a:off x="6863599" y="917019"/>
-            <a:ext cx="976165" cy="276999"/>
-          </a:xfrm>
-          <a:prstGeom prst="rect">
-            <a:avLst/>
-          </a:prstGeom>
-        </p:spPr>
-        <p:txBody>
-          <a:bodyPr wrap="none">
-            <a:spAutoFit/>
-          </a:bodyPr>
-          <a:lstStyle/>
-          <a:p>
-            <a:r>
-              <a:rPr lang="en-US" altLang="ko-KR" sz="1200" dirty="0"/>
-              <a:t>profile.html</a:t>
-            </a:r>
-            <a:endParaRPr lang="ko-KR" altLang="en-US" sz="1200" dirty="0"/>
-          </a:p>
-        </p:txBody>
-      </p:sp>
-      <p:cxnSp>
-        <p:nvCxnSpPr>
-          <p:cNvPr id="38" name="직선 화살표 연결선 37"/>
-          <p:cNvCxnSpPr>
-            <a:stCxn id="43" idx="3"/>
-          </p:cNvCxnSpPr>
-          <p:nvPr/>
-        </p:nvCxnSpPr>
-        <p:spPr>
-          <a:xfrm flipV="1">
-            <a:off x="6504521" y="1503693"/>
-            <a:ext cx="260384" cy="759045"/>
-          </a:xfrm>
-          <a:prstGeom prst="straightConnector1">
-            <a:avLst/>
-          </a:prstGeom>
-          <a:ln w="31750">
-            <a:solidFill>
-              <a:schemeClr val="accent2"/>
-            </a:solidFill>
-            <a:tailEnd type="triangle"/>
-          </a:ln>
-        </p:spPr>
-        <p:style>
-          <a:lnRef idx="1">
-            <a:schemeClr val="accent1"/>
-          </a:lnRef>
-          <a:fillRef idx="0">
-            <a:schemeClr val="accent1"/>
-          </a:fillRef>
-          <a:effectRef idx="0">
-            <a:schemeClr val="accent1"/>
-          </a:effectRef>
-          <a:fontRef idx="minor">
-            <a:schemeClr val="tx1"/>
-          </a:fontRef>
-        </p:style>
-      </p:cxnSp>
       <p:grpSp>
         <p:nvGrpSpPr>
           <p:cNvPr id="39" name="그룹 38"/>
@@ -21541,38 +22004,6 @@
         </p:pic>
         <p:sp>
           <p:nvSpPr>
-            <p:cNvPr id="44" name="TextBox 43"/>
-            <p:cNvSpPr txBox="1"/>
-            <p:nvPr/>
-          </p:nvSpPr>
-          <p:spPr>
-            <a:xfrm>
-              <a:off x="1021783" y="1485849"/>
-              <a:ext cx="1821150" cy="246221"/>
-            </a:xfrm>
-            <a:prstGeom prst="rect">
-              <a:avLst/>
-            </a:prstGeom>
-            <a:solidFill>
-              <a:schemeClr val="bg1"/>
-            </a:solidFill>
-          </p:spPr>
-          <p:txBody>
-            <a:bodyPr wrap="square" rtlCol="0">
-              <a:spAutoFit/>
-            </a:bodyPr>
-            <a:lstStyle/>
-            <a:p>
-              <a:r>
-                <a:rPr lang="en-US" altLang="ko-KR" sz="1000" dirty="0" err="1"/>
-                <a:t>user.meta_value.comment</a:t>
-              </a:r>
-              <a:endParaRPr lang="ko-KR" altLang="en-US" sz="1000" dirty="0"/>
-            </a:p>
-          </p:txBody>
-        </p:sp>
-        <p:sp>
-          <p:nvSpPr>
             <p:cNvPr id="45" name="타원 44"/>
             <p:cNvSpPr/>
             <p:nvPr/>
@@ -21632,7 +22063,7 @@
         </p:blipFill>
         <p:spPr>
           <a:xfrm>
-            <a:off x="354335" y="2571595"/>
+            <a:off x="354335" y="2199452"/>
             <a:ext cx="4321871" cy="275413"/>
           </a:xfrm>
           <a:prstGeom prst="rect">
@@ -21640,34 +22071,6 @@
           </a:prstGeom>
         </p:spPr>
       </p:pic>
-      <p:sp>
-        <p:nvSpPr>
-          <p:cNvPr id="47" name="직사각형 46"/>
-          <p:cNvSpPr/>
-          <p:nvPr/>
-        </p:nvSpPr>
-        <p:spPr>
-          <a:xfrm>
-            <a:off x="2833770" y="2416990"/>
-            <a:ext cx="1579278" cy="276999"/>
-          </a:xfrm>
-          <a:prstGeom prst="rect">
-            <a:avLst/>
-          </a:prstGeom>
-        </p:spPr>
-        <p:txBody>
-          <a:bodyPr wrap="none">
-            <a:spAutoFit/>
-          </a:bodyPr>
-          <a:lstStyle/>
-          <a:p>
-            <a:r>
-              <a:rPr lang="ko-KR" altLang="en-US" sz="1200" dirty="0"/>
-              <a:t>나를 좋아한 사람 수</a:t>
-            </a:r>
-          </a:p>
-        </p:txBody>
-      </p:sp>
       <p:sp>
         <p:nvSpPr>
           <p:cNvPr id="48" name="직사각형 47"/>
@@ -21676,7 +22079,7 @@
         </p:nvSpPr>
         <p:spPr>
           <a:xfrm>
-            <a:off x="418580" y="2152038"/>
+            <a:off x="944978" y="1780942"/>
             <a:ext cx="839610" cy="321387"/>
           </a:xfrm>
           <a:prstGeom prst="rect">
@@ -21722,7 +22125,7 @@
         </p:nvSpPr>
         <p:spPr>
           <a:xfrm>
-            <a:off x="846540" y="2584526"/>
+            <a:off x="846540" y="2212383"/>
             <a:ext cx="631904" cy="215444"/>
           </a:xfrm>
           <a:prstGeom prst="rect">
@@ -21754,8 +22157,8 @@
         </p:nvSpPr>
         <p:spPr>
           <a:xfrm>
-            <a:off x="1465806" y="2592981"/>
-            <a:ext cx="431528" cy="215444"/>
+            <a:off x="1373188" y="2220838"/>
+            <a:ext cx="572593" cy="215444"/>
           </a:xfrm>
           <a:prstGeom prst="rect">
             <a:avLst/>
@@ -21771,8 +22174,8 @@
           <a:lstStyle/>
           <a:p>
             <a:r>
-              <a:rPr lang="en-US" altLang="ko-KR" sz="800" dirty="0"/>
-              <a:t>posts</a:t>
+              <a:rPr lang="en-US" altLang="ko-KR" sz="800" dirty="0" err="1" smtClean="0"/>
+              <a:t>myposts</a:t>
             </a:r>
             <a:endParaRPr lang="ko-KR" altLang="en-US" sz="800" dirty="0"/>
           </a:p>
@@ -21786,7 +22189,7 @@
         </p:nvSpPr>
         <p:spPr>
           <a:xfrm>
-            <a:off x="1880356" y="2594943"/>
+            <a:off x="1880356" y="2222800"/>
             <a:ext cx="506870" cy="215444"/>
           </a:xfrm>
           <a:prstGeom prst="rect">
@@ -21826,7 +22229,7 @@
         </p:nvSpPr>
         <p:spPr>
           <a:xfrm>
-            <a:off x="2286423" y="2592981"/>
+            <a:off x="2286423" y="2220838"/>
             <a:ext cx="588623" cy="215444"/>
           </a:xfrm>
           <a:prstGeom prst="rect">
@@ -21858,7 +22261,7 @@
         </p:nvSpPr>
         <p:spPr>
           <a:xfrm>
-            <a:off x="321752" y="2593718"/>
+            <a:off x="321752" y="2221575"/>
             <a:ext cx="575799" cy="215444"/>
           </a:xfrm>
           <a:prstGeom prst="rect">
@@ -21868,9 +22271,7 @@
             <a:schemeClr val="bg1"/>
           </a:solidFill>
           <a:ln>
-            <a:solidFill>
-              <a:schemeClr val="tx1"/>
-            </a:solidFill>
+            <a:noFill/>
           </a:ln>
         </p:spPr>
         <p:txBody>
@@ -21884,100 +22285,6 @@
               <a:t>Follower</a:t>
             </a:r>
             <a:endParaRPr lang="ko-KR" altLang="en-US" sz="800" dirty="0"/>
-          </a:p>
-        </p:txBody>
-      </p:sp>
-      <p:cxnSp>
-        <p:nvCxnSpPr>
-          <p:cNvPr id="67" name="직선 화살표 연결선 66"/>
-          <p:cNvCxnSpPr>
-            <a:stCxn id="69" idx="2"/>
-            <a:endCxn id="68" idx="1"/>
-          </p:cNvCxnSpPr>
-          <p:nvPr/>
-        </p:nvCxnSpPr>
-        <p:spPr>
-          <a:xfrm>
-            <a:off x="1880356" y="2470495"/>
-            <a:ext cx="4637603" cy="642314"/>
-          </a:xfrm>
-          <a:prstGeom prst="straightConnector1">
-            <a:avLst/>
-          </a:prstGeom>
-          <a:ln w="31750">
-            <a:solidFill>
-              <a:schemeClr val="accent2"/>
-            </a:solidFill>
-            <a:tailEnd type="triangle"/>
-          </a:ln>
-        </p:spPr>
-        <p:style>
-          <a:lnRef idx="1">
-            <a:schemeClr val="accent1"/>
-          </a:lnRef>
-          <a:fillRef idx="0">
-            <a:schemeClr val="accent1"/>
-          </a:fillRef>
-          <a:effectRef idx="0">
-            <a:schemeClr val="accent1"/>
-          </a:effectRef>
-          <a:fontRef idx="minor">
-            <a:schemeClr val="tx1"/>
-          </a:fontRef>
-        </p:style>
-      </p:cxnSp>
-      <p:sp>
-        <p:nvSpPr>
-          <p:cNvPr id="68" name="직사각형 67"/>
-          <p:cNvSpPr/>
-          <p:nvPr/>
-        </p:nvSpPr>
-        <p:spPr>
-          <a:xfrm>
-            <a:off x="6517959" y="2789643"/>
-            <a:ext cx="2048959" cy="646331"/>
-          </a:xfrm>
-          <a:prstGeom prst="rect">
-            <a:avLst/>
-          </a:prstGeom>
-        </p:spPr>
-        <p:txBody>
-          <a:bodyPr wrap="none">
-            <a:spAutoFit/>
-          </a:bodyPr>
-          <a:lstStyle/>
-          <a:p>
-            <a:r>
-              <a:rPr lang="en-US" altLang="ko-KR" sz="1200" dirty="0" smtClean="0"/>
-              <a:t>Documentation/index.html</a:t>
-            </a:r>
-            <a:endParaRPr lang="en-US" altLang="ko-KR" sz="1200" dirty="0"/>
-          </a:p>
-          <a:p>
-            <a:r>
-              <a:rPr lang="ko-KR" altLang="en-US" sz="1200" dirty="0" smtClean="0"/>
-              <a:t>페이지 좋아요</a:t>
-            </a:r>
-            <a:endParaRPr lang="en-US" altLang="ko-KR" sz="1200" dirty="0" smtClean="0"/>
-          </a:p>
-          <a:p>
-            <a:r>
-              <a:rPr lang="ko-KR" altLang="en-US" sz="1200" dirty="0" smtClean="0"/>
-              <a:t>페이지 업체 추천</a:t>
-            </a:r>
-            <a:r>
-              <a:rPr lang="en-US" altLang="ko-KR" sz="1200" dirty="0" smtClean="0"/>
-              <a:t>(</a:t>
-            </a:r>
-            <a:r>
-              <a:rPr lang="ko-KR" altLang="en-US" sz="1200" dirty="0" smtClean="0"/>
-              <a:t>신뢰도</a:t>
-            </a:r>
-            <a:r>
-              <a:rPr lang="en-US" altLang="ko-KR" sz="1200" dirty="0" smtClean="0"/>
-              <a:t>)</a:t>
-            </a:r>
-            <a:endParaRPr lang="en-US" altLang="ko-KR" sz="1200" dirty="0"/>
           </a:p>
         </p:txBody>
       </p:sp>
@@ -21989,7 +22296,7 @@
         </p:nvSpPr>
         <p:spPr>
           <a:xfrm>
-            <a:off x="1379928" y="2149108"/>
+            <a:off x="1906326" y="1778012"/>
             <a:ext cx="1000856" cy="321387"/>
           </a:xfrm>
           <a:prstGeom prst="rect">
@@ -22024,46 +22331,6 @@
           <a:p>
             <a:pPr algn="ctr"/>
             <a:endParaRPr lang="ko-KR" altLang="en-US" dirty="0"/>
-          </a:p>
-        </p:txBody>
-      </p:sp>
-      <p:sp>
-        <p:nvSpPr>
-          <p:cNvPr id="70" name="직사각형 69"/>
-          <p:cNvSpPr/>
-          <p:nvPr/>
-        </p:nvSpPr>
-        <p:spPr>
-          <a:xfrm>
-            <a:off x="2833770" y="2416990"/>
-            <a:ext cx="1579278" cy="461665"/>
-          </a:xfrm>
-          <a:prstGeom prst="rect">
-            <a:avLst/>
-          </a:prstGeom>
-        </p:spPr>
-        <p:txBody>
-          <a:bodyPr wrap="none">
-            <a:spAutoFit/>
-          </a:bodyPr>
-          <a:lstStyle/>
-          <a:p>
-            <a:r>
-              <a:rPr lang="ko-KR" altLang="en-US" sz="1200" dirty="0"/>
-              <a:t>나를 좋아한 사람 </a:t>
-            </a:r>
-            <a:r>
-              <a:rPr lang="ko-KR" altLang="en-US" sz="1200" dirty="0" smtClean="0"/>
-              <a:t>수</a:t>
-            </a:r>
-            <a:endParaRPr lang="en-US" altLang="ko-KR" sz="1200" dirty="0" smtClean="0"/>
-          </a:p>
-          <a:p>
-            <a:r>
-              <a:rPr lang="en-US" altLang="ko-KR" sz="1200" dirty="0" smtClean="0"/>
-              <a:t>.icon-line-heart</a:t>
-            </a:r>
-            <a:endParaRPr lang="en-US" altLang="ko-KR" sz="1200" dirty="0"/>
           </a:p>
         </p:txBody>
       </p:sp>
@@ -22119,7 +22386,7 @@
         </p:blipFill>
         <p:spPr>
           <a:xfrm>
-            <a:off x="435411" y="2187458"/>
+            <a:off x="961809" y="1816362"/>
             <a:ext cx="808498" cy="254820"/>
           </a:xfrm>
           <a:prstGeom prst="rect">
@@ -22149,7 +22416,7 @@
         </p:blipFill>
         <p:spPr>
           <a:xfrm>
-            <a:off x="1421011" y="2205554"/>
+            <a:off x="1947409" y="1834458"/>
             <a:ext cx="894037" cy="218542"/>
           </a:xfrm>
           <a:prstGeom prst="rect">
@@ -22454,52 +22721,6 @@
       </p:sp>
       <p:sp>
         <p:nvSpPr>
-          <p:cNvPr id="107" name="직사각형 106"/>
-          <p:cNvSpPr/>
-          <p:nvPr/>
-        </p:nvSpPr>
-        <p:spPr>
-          <a:xfrm>
-            <a:off x="304477" y="1323315"/>
-            <a:ext cx="6200045" cy="1833608"/>
-          </a:xfrm>
-          <a:prstGeom prst="rect">
-            <a:avLst/>
-          </a:prstGeom>
-          <a:noFill/>
-          <a:ln w="31750">
-            <a:solidFill>
-              <a:schemeClr val="accent2"/>
-            </a:solidFill>
-          </a:ln>
-        </p:spPr>
-        <p:style>
-          <a:lnRef idx="2">
-            <a:schemeClr val="accent1">
-              <a:shade val="50000"/>
-            </a:schemeClr>
-          </a:lnRef>
-          <a:fillRef idx="1">
-            <a:schemeClr val="accent1"/>
-          </a:fillRef>
-          <a:effectRef idx="0">
-            <a:schemeClr val="accent1"/>
-          </a:effectRef>
-          <a:fontRef idx="minor">
-            <a:schemeClr val="lt1"/>
-          </a:fontRef>
-        </p:style>
-        <p:txBody>
-          <a:bodyPr rtlCol="0" anchor="ctr"/>
-          <a:lstStyle/>
-          <a:p>
-            <a:pPr algn="ctr"/>
-            <a:endParaRPr lang="ko-KR" altLang="en-US" dirty="0"/>
-          </a:p>
-        </p:txBody>
-      </p:sp>
-      <p:sp>
-        <p:nvSpPr>
           <p:cNvPr id="109" name="직사각형 108"/>
           <p:cNvSpPr/>
           <p:nvPr/>
@@ -22527,44 +22748,6 @@
           </a:p>
         </p:txBody>
       </p:sp>
-      <p:cxnSp>
-        <p:nvCxnSpPr>
-          <p:cNvPr id="110" name="직선 화살표 연결선 109"/>
-          <p:cNvCxnSpPr>
-            <a:stCxn id="118" idx="3"/>
-          </p:cNvCxnSpPr>
-          <p:nvPr/>
-        </p:nvCxnSpPr>
-        <p:spPr>
-          <a:xfrm flipV="1">
-            <a:off x="6504521" y="1503693"/>
-            <a:ext cx="260384" cy="759045"/>
-          </a:xfrm>
-          <a:prstGeom prst="straightConnector1">
-            <a:avLst/>
-          </a:prstGeom>
-          <a:ln w="31750">
-            <a:solidFill>
-              <a:schemeClr val="accent2"/>
-            </a:solidFill>
-            <a:tailEnd type="triangle"/>
-          </a:ln>
-        </p:spPr>
-        <p:style>
-          <a:lnRef idx="1">
-            <a:schemeClr val="accent1"/>
-          </a:lnRef>
-          <a:fillRef idx="0">
-            <a:schemeClr val="accent1"/>
-          </a:fillRef>
-          <a:effectRef idx="0">
-            <a:schemeClr val="accent1"/>
-          </a:effectRef>
-          <a:fontRef idx="minor">
-            <a:schemeClr val="tx1"/>
-          </a:fontRef>
-        </p:style>
-      </p:cxnSp>
       <p:grpSp>
         <p:nvGrpSpPr>
           <p:cNvPr id="111" name="그룹 110"/>
@@ -22653,38 +22836,6 @@
         </p:pic>
         <p:sp>
           <p:nvSpPr>
-            <p:cNvPr id="119" name="TextBox 118"/>
-            <p:cNvSpPr txBox="1"/>
-            <p:nvPr/>
-          </p:nvSpPr>
-          <p:spPr>
-            <a:xfrm>
-              <a:off x="1021783" y="1485849"/>
-              <a:ext cx="1821150" cy="246221"/>
-            </a:xfrm>
-            <a:prstGeom prst="rect">
-              <a:avLst/>
-            </a:prstGeom>
-            <a:solidFill>
-              <a:schemeClr val="bg1"/>
-            </a:solidFill>
-          </p:spPr>
-          <p:txBody>
-            <a:bodyPr wrap="square" rtlCol="0">
-              <a:spAutoFit/>
-            </a:bodyPr>
-            <a:lstStyle/>
-            <a:p>
-              <a:r>
-                <a:rPr lang="en-US" altLang="ko-KR" sz="1000" dirty="0" err="1"/>
-                <a:t>user.meta_value.comment</a:t>
-              </a:r>
-              <a:endParaRPr lang="ko-KR" altLang="en-US" sz="1000" dirty="0"/>
-            </a:p>
-          </p:txBody>
-        </p:sp>
-        <p:sp>
-          <p:nvSpPr>
             <p:cNvPr id="120" name="타원 119"/>
             <p:cNvSpPr/>
             <p:nvPr/>
@@ -22744,7 +22895,7 @@
         </p:blipFill>
         <p:spPr>
           <a:xfrm>
-            <a:off x="354335" y="2571595"/>
+            <a:off x="354335" y="2103764"/>
             <a:ext cx="4321871" cy="275413"/>
           </a:xfrm>
           <a:prstGeom prst="rect">
@@ -22760,7 +22911,7 @@
         </p:nvSpPr>
         <p:spPr>
           <a:xfrm>
-            <a:off x="418580" y="2152038"/>
+            <a:off x="991143" y="1769283"/>
             <a:ext cx="839610" cy="321387"/>
           </a:xfrm>
           <a:prstGeom prst="rect">
@@ -22806,7 +22957,7 @@
         </p:nvSpPr>
         <p:spPr>
           <a:xfrm>
-            <a:off x="846540" y="2584526"/>
+            <a:off x="846540" y="2116695"/>
             <a:ext cx="631904" cy="215444"/>
           </a:xfrm>
           <a:prstGeom prst="rect">
@@ -22838,8 +22989,8 @@
         </p:nvSpPr>
         <p:spPr>
           <a:xfrm>
-            <a:off x="1465806" y="2592981"/>
-            <a:ext cx="431528" cy="215444"/>
+            <a:off x="1379898" y="2124512"/>
+            <a:ext cx="572593" cy="215444"/>
           </a:xfrm>
           <a:prstGeom prst="rect">
             <a:avLst/>
@@ -22855,8 +23006,8 @@
           <a:lstStyle/>
           <a:p>
             <a:r>
-              <a:rPr lang="en-US" altLang="ko-KR" sz="800" dirty="0" smtClean="0"/>
-              <a:t>posts</a:t>
+              <a:rPr lang="en-US" altLang="ko-KR" sz="800" dirty="0" err="1" smtClean="0"/>
+              <a:t>myposts</a:t>
             </a:r>
             <a:endParaRPr lang="ko-KR" altLang="en-US" sz="800" dirty="0"/>
           </a:p>
@@ -22870,7 +23021,7 @@
         </p:nvSpPr>
         <p:spPr>
           <a:xfrm>
-            <a:off x="1880356" y="2594943"/>
+            <a:off x="1880356" y="2127112"/>
             <a:ext cx="506870" cy="215444"/>
           </a:xfrm>
           <a:prstGeom prst="rect">
@@ -22902,7 +23053,7 @@
         </p:nvSpPr>
         <p:spPr>
           <a:xfrm>
-            <a:off x="2286423" y="2592981"/>
+            <a:off x="2286423" y="2125150"/>
             <a:ext cx="620683" cy="215444"/>
           </a:xfrm>
           <a:prstGeom prst="rect">
@@ -22942,7 +23093,7 @@
         </p:nvSpPr>
         <p:spPr>
           <a:xfrm>
-            <a:off x="304477" y="2588122"/>
+            <a:off x="304477" y="2120291"/>
             <a:ext cx="575799" cy="215444"/>
           </a:xfrm>
           <a:prstGeom prst="rect">
@@ -22952,9 +23103,7 @@
             <a:schemeClr val="bg1"/>
           </a:solidFill>
           <a:ln>
-            <a:solidFill>
-              <a:schemeClr val="tx1"/>
-            </a:solidFill>
+            <a:noFill/>
           </a:ln>
         </p:spPr>
         <p:txBody>
@@ -22968,124 +23117,6 @@
               <a:t>Follower</a:t>
             </a:r>
             <a:endParaRPr lang="ko-KR" altLang="en-US" sz="800" dirty="0"/>
-          </a:p>
-        </p:txBody>
-      </p:sp>
-      <p:pic>
-        <p:nvPicPr>
-          <p:cNvPr id="132" name="그림 131"/>
-          <p:cNvPicPr>
-            <a:picLocks noChangeAspect="1"/>
-          </p:cNvPicPr>
-          <p:nvPr/>
-        </p:nvPicPr>
-        <p:blipFill>
-          <a:blip r:embed="rId6"/>
-          <a:stretch>
-            <a:fillRect/>
-          </a:stretch>
-        </p:blipFill>
-        <p:spPr>
-          <a:xfrm>
-            <a:off x="304477" y="2840434"/>
-            <a:ext cx="4371729" cy="1023278"/>
-          </a:xfrm>
-          <a:prstGeom prst="rect">
-            <a:avLst/>
-          </a:prstGeom>
-        </p:spPr>
-      </p:pic>
-      <p:cxnSp>
-        <p:nvCxnSpPr>
-          <p:cNvPr id="135" name="직선 화살표 연결선 134"/>
-          <p:cNvCxnSpPr>
-            <a:stCxn id="144" idx="2"/>
-            <a:endCxn id="136" idx="1"/>
-          </p:cNvCxnSpPr>
-          <p:nvPr/>
-        </p:nvCxnSpPr>
-        <p:spPr>
-          <a:xfrm>
-            <a:off x="1880356" y="2470495"/>
-            <a:ext cx="4637603" cy="642314"/>
-          </a:xfrm>
-          <a:prstGeom prst="straightConnector1">
-            <a:avLst/>
-          </a:prstGeom>
-          <a:ln w="31750">
-            <a:solidFill>
-              <a:schemeClr val="accent2"/>
-            </a:solidFill>
-            <a:tailEnd type="triangle"/>
-          </a:ln>
-        </p:spPr>
-        <p:style>
-          <a:lnRef idx="1">
-            <a:schemeClr val="accent1"/>
-          </a:lnRef>
-          <a:fillRef idx="0">
-            <a:schemeClr val="accent1"/>
-          </a:fillRef>
-          <a:effectRef idx="0">
-            <a:schemeClr val="accent1"/>
-          </a:effectRef>
-          <a:fontRef idx="minor">
-            <a:schemeClr val="tx1"/>
-          </a:fontRef>
-        </p:style>
-      </p:cxnSp>
-      <p:sp>
-        <p:nvSpPr>
-          <p:cNvPr id="136" name="직사각형 135"/>
-          <p:cNvSpPr/>
-          <p:nvPr/>
-        </p:nvSpPr>
-        <p:spPr>
-          <a:xfrm>
-            <a:off x="6517959" y="2789643"/>
-            <a:ext cx="2048959" cy="646331"/>
-          </a:xfrm>
-          <a:prstGeom prst="rect">
-            <a:avLst/>
-          </a:prstGeom>
-        </p:spPr>
-        <p:txBody>
-          <a:bodyPr wrap="none">
-            <a:spAutoFit/>
-          </a:bodyPr>
-          <a:lstStyle/>
-          <a:p>
-            <a:r>
-              <a:rPr lang="en-US" altLang="ko-KR" sz="1200" dirty="0" smtClean="0"/>
-              <a:t>Documentation/index.html</a:t>
-            </a:r>
-            <a:endParaRPr lang="en-US" altLang="ko-KR" sz="1200" dirty="0"/>
-          </a:p>
-          <a:p>
-            <a:r>
-              <a:rPr lang="ko-KR" altLang="en-US" sz="1200" dirty="0" smtClean="0"/>
-              <a:t>페이지 좋아요</a:t>
-            </a:r>
-            <a:endParaRPr lang="en-US" altLang="ko-KR" sz="1200" dirty="0" smtClean="0"/>
-          </a:p>
-          <a:p>
-            <a:r>
-              <a:rPr lang="ko-KR" altLang="en-US" sz="1200" dirty="0" smtClean="0"/>
-              <a:t>페이지 업체 추천</a:t>
-            </a:r>
-            <a:r>
-              <a:rPr lang="en-US" altLang="ko-KR" sz="1200" dirty="0" smtClean="0"/>
-              <a:t>(</a:t>
-            </a:r>
-            <a:r>
-              <a:rPr lang="ko-KR" altLang="en-US" sz="1200" dirty="0" smtClean="0"/>
-              <a:t>신뢰도</a:t>
-            </a:r>
-            <a:r>
-              <a:rPr lang="en-US" altLang="ko-KR" sz="1200" dirty="0" smtClean="0"/>
-              <a:t>)</a:t>
-            </a:r>
-            <a:endParaRPr lang="en-US" altLang="ko-KR" sz="1200" dirty="0"/>
           </a:p>
         </p:txBody>
       </p:sp>
@@ -23097,7 +23128,7 @@
         </p:nvSpPr>
         <p:spPr>
           <a:xfrm>
-            <a:off x="1379928" y="2149108"/>
+            <a:off x="1952491" y="1766353"/>
             <a:ext cx="1000856" cy="321387"/>
           </a:xfrm>
           <a:prstGeom prst="rect">
@@ -23138,6 +23169,36 @@
       <p:pic>
         <p:nvPicPr>
           <p:cNvPr id="146" name="그림 145"/>
+          <p:cNvPicPr>
+            <a:picLocks noChangeAspect="1"/>
+          </p:cNvPicPr>
+          <p:nvPr/>
+        </p:nvPicPr>
+        <p:blipFill>
+          <a:blip r:embed="rId6">
+            <a:extLst>
+              <a:ext uri="{28A0092B-C50C-407E-A947-70E740481C1C}">
+                <a14:useLocalDpi xmlns:a14="http://schemas.microsoft.com/office/drawing/2010/main" val="0"/>
+              </a:ext>
+            </a:extLst>
+          </a:blip>
+          <a:stretch>
+            <a:fillRect/>
+          </a:stretch>
+        </p:blipFill>
+        <p:spPr>
+          <a:xfrm>
+            <a:off x="4659810" y="3317027"/>
+            <a:ext cx="1861108" cy="1741674"/>
+          </a:xfrm>
+          <a:prstGeom prst="rect">
+            <a:avLst/>
+          </a:prstGeom>
+        </p:spPr>
+      </p:pic>
+      <p:pic>
+        <p:nvPicPr>
+          <p:cNvPr id="152" name="그림 151"/>
           <p:cNvPicPr>
             <a:picLocks noChangeAspect="1"/>
           </p:cNvPicPr>
@@ -23157,8 +23218,8 @@
         </p:blipFill>
         <p:spPr>
           <a:xfrm>
-            <a:off x="4659810" y="3317027"/>
-            <a:ext cx="1861108" cy="1741674"/>
+            <a:off x="1007974" y="1804703"/>
+            <a:ext cx="808498" cy="254820"/>
           </a:xfrm>
           <a:prstGeom prst="rect">
             <a:avLst/>
@@ -23167,7 +23228,7 @@
       </p:pic>
       <p:pic>
         <p:nvPicPr>
-          <p:cNvPr id="152" name="그림 151"/>
+          <p:cNvPr id="153" name="그림 152"/>
           <p:cNvPicPr>
             <a:picLocks noChangeAspect="1"/>
           </p:cNvPicPr>
@@ -23187,37 +23248,7 @@
         </p:blipFill>
         <p:spPr>
           <a:xfrm>
-            <a:off x="435411" y="2187458"/>
-            <a:ext cx="808498" cy="254820"/>
-          </a:xfrm>
-          <a:prstGeom prst="rect">
-            <a:avLst/>
-          </a:prstGeom>
-        </p:spPr>
-      </p:pic>
-      <p:pic>
-        <p:nvPicPr>
-          <p:cNvPr id="153" name="그림 152"/>
-          <p:cNvPicPr>
-            <a:picLocks noChangeAspect="1"/>
-          </p:cNvPicPr>
-          <p:nvPr/>
-        </p:nvPicPr>
-        <p:blipFill>
-          <a:blip r:embed="rId9">
-            <a:extLst>
-              <a:ext uri="{28A0092B-C50C-407E-A947-70E740481C1C}">
-                <a14:useLocalDpi xmlns:a14="http://schemas.microsoft.com/office/drawing/2010/main" val="0"/>
-              </a:ext>
-            </a:extLst>
-          </a:blip>
-          <a:stretch>
-            <a:fillRect/>
-          </a:stretch>
-        </p:blipFill>
-        <p:spPr>
-          <a:xfrm>
-            <a:off x="1421011" y="2205554"/>
+            <a:off x="1993574" y="1822799"/>
             <a:ext cx="894037" cy="218542"/>
           </a:xfrm>
           <a:prstGeom prst="rect">
@@ -23260,9 +23291,10 @@
               <a:t> (1) - </a:t>
             </a:r>
             <a:r>
-              <a:rPr lang="ko-KR" altLang="en-US" b="1" dirty="0"/>
-              <a:t>추가진행작업</a:t>
-            </a:r>
+              <a:rPr lang="en-US" altLang="ko-KR" b="1" dirty="0" err="1" smtClean="0"/>
+              <a:t>likeposts</a:t>
+            </a:r>
+            <a:endParaRPr lang="ko-KR" altLang="en-US" b="1" dirty="0"/>
           </a:p>
         </p:txBody>
       </p:sp>
@@ -23274,8 +23306,8 @@
         </p:nvGrpSpPr>
         <p:grpSpPr>
           <a:xfrm>
-            <a:off x="304476" y="2919591"/>
-            <a:ext cx="1845300" cy="1502139"/>
+            <a:off x="304476" y="2451760"/>
+            <a:ext cx="1364714" cy="1110925"/>
             <a:chOff x="0" y="2798273"/>
             <a:chExt cx="2939318" cy="2993123"/>
           </a:xfrm>
@@ -23339,7 +23371,7 @@
             <p:nvPr/>
           </p:nvPicPr>
           <p:blipFill>
-            <a:blip r:embed="rId10" cstate="print">
+            <a:blip r:embed="rId9" cstate="print">
               <a:extLst>
                 <a:ext uri="{28A0092B-C50C-407E-A947-70E740481C1C}">
                   <a14:useLocalDpi xmlns:a14="http://schemas.microsoft.com/office/drawing/2010/main" val="0"/>
@@ -23369,7 +23401,7 @@
             <p:nvPr/>
           </p:nvPicPr>
           <p:blipFill>
-            <a:blip r:embed="rId11">
+            <a:blip r:embed="rId10">
               <a:extLst>
                 <a:ext uri="{28A0092B-C50C-407E-A947-70E740481C1C}">
                   <a14:useLocalDpi xmlns:a14="http://schemas.microsoft.com/office/drawing/2010/main" val="0"/>
@@ -23399,7 +23431,7 @@
             <p:nvPr/>
           </p:nvPicPr>
           <p:blipFill>
-            <a:blip r:embed="rId12">
+            <a:blip r:embed="rId11">
               <a:extLst>
                 <a:ext uri="{28A0092B-C50C-407E-A947-70E740481C1C}">
                   <a14:useLocalDpi xmlns:a14="http://schemas.microsoft.com/office/drawing/2010/main" val="0"/>
@@ -23429,7 +23461,7 @@
             <p:nvPr/>
           </p:nvPicPr>
           <p:blipFill>
-            <a:blip r:embed="rId13" cstate="print">
+            <a:blip r:embed="rId12" cstate="print">
               <a:extLst>
                 <a:ext uri="{28A0092B-C50C-407E-A947-70E740481C1C}">
                   <a14:useLocalDpi xmlns:a14="http://schemas.microsoft.com/office/drawing/2010/main" val="0"/>
@@ -23459,7 +23491,7 @@
             <p:nvPr/>
           </p:nvPicPr>
           <p:blipFill>
-            <a:blip r:embed="rId14" cstate="print">
+            <a:blip r:embed="rId13" cstate="print">
               <a:extLst>
                 <a:ext uri="{28A0092B-C50C-407E-A947-70E740481C1C}">
                   <a14:useLocalDpi xmlns:a14="http://schemas.microsoft.com/office/drawing/2010/main" val="0"/>
@@ -23489,7 +23521,7 @@
             <p:nvPr/>
           </p:nvPicPr>
           <p:blipFill>
-            <a:blip r:embed="rId15">
+            <a:blip r:embed="rId14" cstate="print">
               <a:extLst>
                 <a:ext uri="{28A0092B-C50C-407E-A947-70E740481C1C}">
                   <a14:useLocalDpi xmlns:a14="http://schemas.microsoft.com/office/drawing/2010/main" val="0"/>
@@ -23519,8 +23551,8 @@
         </p:nvGrpSpPr>
         <p:grpSpPr>
           <a:xfrm>
-            <a:off x="2195094" y="2915523"/>
-            <a:ext cx="1845300" cy="1502139"/>
+            <a:off x="8939224" y="922909"/>
+            <a:ext cx="2947975" cy="2399755"/>
             <a:chOff x="0" y="2798273"/>
             <a:chExt cx="2939318" cy="2993123"/>
           </a:xfrm>
@@ -23584,7 +23616,7 @@
             <p:nvPr/>
           </p:nvPicPr>
           <p:blipFill>
-            <a:blip r:embed="rId10" cstate="print">
+            <a:blip r:embed="rId15" cstate="print">
               <a:extLst>
                 <a:ext uri="{28A0092B-C50C-407E-A947-70E740481C1C}">
                   <a14:useLocalDpi xmlns:a14="http://schemas.microsoft.com/office/drawing/2010/main" val="0"/>
@@ -23614,7 +23646,7 @@
             <p:nvPr/>
           </p:nvPicPr>
           <p:blipFill>
-            <a:blip r:embed="rId11">
+            <a:blip r:embed="rId10">
               <a:extLst>
                 <a:ext uri="{28A0092B-C50C-407E-A947-70E740481C1C}">
                   <a14:useLocalDpi xmlns:a14="http://schemas.microsoft.com/office/drawing/2010/main" val="0"/>
@@ -23644,7 +23676,7 @@
             <p:nvPr/>
           </p:nvPicPr>
           <p:blipFill>
-            <a:blip r:embed="rId12">
+            <a:blip r:embed="rId11">
               <a:extLst>
                 <a:ext uri="{28A0092B-C50C-407E-A947-70E740481C1C}">
                   <a14:useLocalDpi xmlns:a14="http://schemas.microsoft.com/office/drawing/2010/main" val="0"/>
@@ -23674,7 +23706,7 @@
             <p:nvPr/>
           </p:nvPicPr>
           <p:blipFill>
-            <a:blip r:embed="rId13" cstate="print">
+            <a:blip r:embed="rId16" cstate="print">
               <a:extLst>
                 <a:ext uri="{28A0092B-C50C-407E-A947-70E740481C1C}">
                   <a14:useLocalDpi xmlns:a14="http://schemas.microsoft.com/office/drawing/2010/main" val="0"/>
@@ -23704,7 +23736,7 @@
             <p:nvPr/>
           </p:nvPicPr>
           <p:blipFill>
-            <a:blip r:embed="rId14" cstate="print">
+            <a:blip r:embed="rId17" cstate="print">
               <a:extLst>
                 <a:ext uri="{28A0092B-C50C-407E-A947-70E740481C1C}">
                   <a14:useLocalDpi xmlns:a14="http://schemas.microsoft.com/office/drawing/2010/main" val="0"/>
@@ -23734,7 +23766,7 @@
             <p:nvPr/>
           </p:nvPicPr>
           <p:blipFill>
-            <a:blip r:embed="rId15">
+            <a:blip r:embed="rId18">
               <a:extLst>
                 <a:ext uri="{28A0092B-C50C-407E-A947-70E740481C1C}">
                   <a14:useLocalDpi xmlns:a14="http://schemas.microsoft.com/office/drawing/2010/main" val="0"/>
@@ -23758,21 +23790,21 @@
       </p:grpSp>
       <p:grpSp>
         <p:nvGrpSpPr>
-          <p:cNvPr id="177" name="그룹 176"/>
+          <p:cNvPr id="61" name="그룹 60"/>
           <p:cNvGrpSpPr/>
           <p:nvPr/>
         </p:nvGrpSpPr>
         <p:grpSpPr>
           <a:xfrm>
-            <a:off x="304476" y="4477132"/>
-            <a:ext cx="1845300" cy="1502139"/>
+            <a:off x="1807130" y="2475180"/>
+            <a:ext cx="1364714" cy="1110925"/>
             <a:chOff x="0" y="2798273"/>
             <a:chExt cx="2939318" cy="2993123"/>
           </a:xfrm>
         </p:grpSpPr>
         <p:sp>
           <p:nvSpPr>
-            <p:cNvPr id="178" name="직사각형 177"/>
+            <p:cNvPr id="62" name="직사각형 61"/>
             <p:cNvSpPr/>
             <p:nvPr/>
           </p:nvSpPr>
@@ -23822,14 +23854,14 @@
         </p:sp>
         <p:pic>
           <p:nvPicPr>
-            <p:cNvPr id="179" name="그림 178"/>
+            <p:cNvPr id="63" name="그림 62"/>
             <p:cNvPicPr>
               <a:picLocks noChangeAspect="1"/>
             </p:cNvPicPr>
             <p:nvPr/>
           </p:nvPicPr>
           <p:blipFill>
-            <a:blip r:embed="rId10" cstate="print">
+            <a:blip r:embed="rId9" cstate="print">
               <a:extLst>
                 <a:ext uri="{28A0092B-C50C-407E-A947-70E740481C1C}">
                   <a14:useLocalDpi xmlns:a14="http://schemas.microsoft.com/office/drawing/2010/main" val="0"/>
@@ -23852,14 +23884,14 @@
         </p:pic>
         <p:pic>
           <p:nvPicPr>
-            <p:cNvPr id="180" name="그림 179"/>
+            <p:cNvPr id="64" name="그림 63"/>
             <p:cNvPicPr>
               <a:picLocks noChangeAspect="1"/>
             </p:cNvPicPr>
             <p:nvPr/>
           </p:nvPicPr>
           <p:blipFill>
-            <a:blip r:embed="rId11">
+            <a:blip r:embed="rId10">
               <a:extLst>
                 <a:ext uri="{28A0092B-C50C-407E-A947-70E740481C1C}">
                   <a14:useLocalDpi xmlns:a14="http://schemas.microsoft.com/office/drawing/2010/main" val="0"/>
@@ -23882,14 +23914,14 @@
         </p:pic>
         <p:pic>
           <p:nvPicPr>
-            <p:cNvPr id="181" name="그림 180"/>
+            <p:cNvPr id="65" name="그림 64"/>
             <p:cNvPicPr>
               <a:picLocks noChangeAspect="1"/>
             </p:cNvPicPr>
             <p:nvPr/>
           </p:nvPicPr>
           <p:blipFill>
-            <a:blip r:embed="rId12">
+            <a:blip r:embed="rId11">
               <a:extLst>
                 <a:ext uri="{28A0092B-C50C-407E-A947-70E740481C1C}">
                   <a14:useLocalDpi xmlns:a14="http://schemas.microsoft.com/office/drawing/2010/main" val="0"/>
@@ -23912,14 +23944,14 @@
         </p:pic>
         <p:pic>
           <p:nvPicPr>
-            <p:cNvPr id="182" name="그림 181"/>
+            <p:cNvPr id="66" name="그림 65"/>
             <p:cNvPicPr>
               <a:picLocks noChangeAspect="1"/>
             </p:cNvPicPr>
             <p:nvPr/>
           </p:nvPicPr>
           <p:blipFill>
-            <a:blip r:embed="rId13" cstate="print">
+            <a:blip r:embed="rId12" cstate="print">
               <a:extLst>
                 <a:ext uri="{28A0092B-C50C-407E-A947-70E740481C1C}">
                   <a14:useLocalDpi xmlns:a14="http://schemas.microsoft.com/office/drawing/2010/main" val="0"/>
@@ -23942,14 +23974,14 @@
         </p:pic>
         <p:pic>
           <p:nvPicPr>
-            <p:cNvPr id="183" name="그림 182"/>
+            <p:cNvPr id="67" name="그림 66"/>
             <p:cNvPicPr>
               <a:picLocks noChangeAspect="1"/>
             </p:cNvPicPr>
             <p:nvPr/>
           </p:nvPicPr>
           <p:blipFill>
-            <a:blip r:embed="rId14" cstate="print">
+            <a:blip r:embed="rId13" cstate="print">
               <a:extLst>
                 <a:ext uri="{28A0092B-C50C-407E-A947-70E740481C1C}">
                   <a14:useLocalDpi xmlns:a14="http://schemas.microsoft.com/office/drawing/2010/main" val="0"/>
@@ -23972,14 +24004,14 @@
         </p:pic>
         <p:pic>
           <p:nvPicPr>
-            <p:cNvPr id="184" name="그림 183"/>
+            <p:cNvPr id="68" name="그림 67"/>
             <p:cNvPicPr>
               <a:picLocks noChangeAspect="1"/>
             </p:cNvPicPr>
             <p:nvPr/>
           </p:nvPicPr>
           <p:blipFill>
-            <a:blip r:embed="rId15">
+            <a:blip r:embed="rId14" cstate="print">
               <a:extLst>
                 <a:ext uri="{28A0092B-C50C-407E-A947-70E740481C1C}">
                   <a14:useLocalDpi xmlns:a14="http://schemas.microsoft.com/office/drawing/2010/main" val="0"/>
@@ -24003,21 +24035,21 @@
       </p:grpSp>
       <p:grpSp>
         <p:nvGrpSpPr>
-          <p:cNvPr id="185" name="그룹 184"/>
+          <p:cNvPr id="69" name="그룹 68"/>
           <p:cNvGrpSpPr/>
           <p:nvPr/>
         </p:nvGrpSpPr>
         <p:grpSpPr>
           <a:xfrm>
-            <a:off x="2195094" y="4463656"/>
-            <a:ext cx="1845300" cy="1502139"/>
+            <a:off x="3266772" y="2491561"/>
+            <a:ext cx="1364714" cy="1110925"/>
             <a:chOff x="0" y="2798273"/>
             <a:chExt cx="2939318" cy="2993123"/>
           </a:xfrm>
         </p:grpSpPr>
         <p:sp>
           <p:nvSpPr>
-            <p:cNvPr id="186" name="직사각형 185"/>
+            <p:cNvPr id="70" name="직사각형 69"/>
             <p:cNvSpPr/>
             <p:nvPr/>
           </p:nvSpPr>
@@ -24067,14 +24099,14 @@
         </p:sp>
         <p:pic>
           <p:nvPicPr>
-            <p:cNvPr id="187" name="그림 186"/>
+            <p:cNvPr id="71" name="그림 70"/>
             <p:cNvPicPr>
               <a:picLocks noChangeAspect="1"/>
             </p:cNvPicPr>
             <p:nvPr/>
           </p:nvPicPr>
           <p:blipFill>
-            <a:blip r:embed="rId10" cstate="print">
+            <a:blip r:embed="rId9" cstate="print">
               <a:extLst>
                 <a:ext uri="{28A0092B-C50C-407E-A947-70E740481C1C}">
                   <a14:useLocalDpi xmlns:a14="http://schemas.microsoft.com/office/drawing/2010/main" val="0"/>
@@ -24097,14 +24129,14 @@
         </p:pic>
         <p:pic>
           <p:nvPicPr>
-            <p:cNvPr id="188" name="그림 187"/>
+            <p:cNvPr id="72" name="그림 71"/>
             <p:cNvPicPr>
               <a:picLocks noChangeAspect="1"/>
             </p:cNvPicPr>
             <p:nvPr/>
           </p:nvPicPr>
           <p:blipFill>
-            <a:blip r:embed="rId11">
+            <a:blip r:embed="rId10">
               <a:extLst>
                 <a:ext uri="{28A0092B-C50C-407E-A947-70E740481C1C}">
                   <a14:useLocalDpi xmlns:a14="http://schemas.microsoft.com/office/drawing/2010/main" val="0"/>
@@ -24127,14 +24159,14 @@
         </p:pic>
         <p:pic>
           <p:nvPicPr>
-            <p:cNvPr id="189" name="그림 188"/>
+            <p:cNvPr id="73" name="그림 72"/>
             <p:cNvPicPr>
               <a:picLocks noChangeAspect="1"/>
             </p:cNvPicPr>
             <p:nvPr/>
           </p:nvPicPr>
           <p:blipFill>
-            <a:blip r:embed="rId12">
+            <a:blip r:embed="rId11">
               <a:extLst>
                 <a:ext uri="{28A0092B-C50C-407E-A947-70E740481C1C}">
                   <a14:useLocalDpi xmlns:a14="http://schemas.microsoft.com/office/drawing/2010/main" val="0"/>
@@ -24157,14 +24189,14 @@
         </p:pic>
         <p:pic>
           <p:nvPicPr>
-            <p:cNvPr id="190" name="그림 189"/>
+            <p:cNvPr id="74" name="그림 73"/>
             <p:cNvPicPr>
               <a:picLocks noChangeAspect="1"/>
             </p:cNvPicPr>
             <p:nvPr/>
           </p:nvPicPr>
           <p:blipFill>
-            <a:blip r:embed="rId13" cstate="print">
+            <a:blip r:embed="rId12" cstate="print">
               <a:extLst>
                 <a:ext uri="{28A0092B-C50C-407E-A947-70E740481C1C}">
                   <a14:useLocalDpi xmlns:a14="http://schemas.microsoft.com/office/drawing/2010/main" val="0"/>
@@ -24187,14 +24219,14 @@
         </p:pic>
         <p:pic>
           <p:nvPicPr>
-            <p:cNvPr id="191" name="그림 190"/>
+            <p:cNvPr id="75" name="그림 74"/>
             <p:cNvPicPr>
               <a:picLocks noChangeAspect="1"/>
             </p:cNvPicPr>
             <p:nvPr/>
           </p:nvPicPr>
           <p:blipFill>
-            <a:blip r:embed="rId14" cstate="print">
+            <a:blip r:embed="rId13" cstate="print">
               <a:extLst>
                 <a:ext uri="{28A0092B-C50C-407E-A947-70E740481C1C}">
                   <a14:useLocalDpi xmlns:a14="http://schemas.microsoft.com/office/drawing/2010/main" val="0"/>
@@ -24217,14 +24249,14 @@
         </p:pic>
         <p:pic>
           <p:nvPicPr>
-            <p:cNvPr id="192" name="그림 191"/>
+            <p:cNvPr id="76" name="그림 75"/>
             <p:cNvPicPr>
               <a:picLocks noChangeAspect="1"/>
             </p:cNvPicPr>
             <p:nvPr/>
           </p:nvPicPr>
           <p:blipFill>
-            <a:blip r:embed="rId15">
+            <a:blip r:embed="rId14" cstate="print">
               <a:extLst>
                 <a:ext uri="{28A0092B-C50C-407E-A947-70E740481C1C}">
                   <a14:useLocalDpi xmlns:a14="http://schemas.microsoft.com/office/drawing/2010/main" val="0"/>
@@ -24246,6 +24278,1057 @@
           </p:spPr>
         </p:pic>
       </p:grpSp>
+      <p:grpSp>
+        <p:nvGrpSpPr>
+          <p:cNvPr id="77" name="그룹 76"/>
+          <p:cNvGrpSpPr/>
+          <p:nvPr/>
+        </p:nvGrpSpPr>
+        <p:grpSpPr>
+          <a:xfrm>
+            <a:off x="281128" y="3868315"/>
+            <a:ext cx="1364714" cy="1110925"/>
+            <a:chOff x="0" y="2798273"/>
+            <a:chExt cx="2939318" cy="2993123"/>
+          </a:xfrm>
+        </p:grpSpPr>
+        <p:sp>
+          <p:nvSpPr>
+            <p:cNvPr id="78" name="직사각형 77"/>
+            <p:cNvSpPr/>
+            <p:nvPr/>
+          </p:nvSpPr>
+          <p:spPr>
+            <a:xfrm>
+              <a:off x="0" y="2798273"/>
+              <a:ext cx="2939318" cy="2993123"/>
+            </a:xfrm>
+            <a:prstGeom prst="rect">
+              <a:avLst/>
+            </a:prstGeom>
+            <a:solidFill>
+              <a:schemeClr val="bg1"/>
+            </a:solidFill>
+            <a:ln>
+              <a:solidFill>
+                <a:schemeClr val="bg1">
+                  <a:lumMod val="75000"/>
+                </a:schemeClr>
+              </a:solidFill>
+            </a:ln>
+          </p:spPr>
+          <p:style>
+            <a:lnRef idx="2">
+              <a:schemeClr val="accent1">
+                <a:shade val="50000"/>
+              </a:schemeClr>
+            </a:lnRef>
+            <a:fillRef idx="1">
+              <a:schemeClr val="accent1"/>
+            </a:fillRef>
+            <a:effectRef idx="0">
+              <a:schemeClr val="accent1"/>
+            </a:effectRef>
+            <a:fontRef idx="minor">
+              <a:schemeClr val="lt1"/>
+            </a:fontRef>
+          </p:style>
+          <p:txBody>
+            <a:bodyPr rtlCol="0" anchor="ctr"/>
+            <a:lstStyle/>
+            <a:p>
+              <a:pPr algn="ctr"/>
+              <a:endParaRPr lang="ko-KR" altLang="en-US" dirty="0"/>
+            </a:p>
+          </p:txBody>
+        </p:sp>
+        <p:pic>
+          <p:nvPicPr>
+            <p:cNvPr id="79" name="그림 78"/>
+            <p:cNvPicPr>
+              <a:picLocks noChangeAspect="1"/>
+            </p:cNvPicPr>
+            <p:nvPr/>
+          </p:nvPicPr>
+          <p:blipFill>
+            <a:blip r:embed="rId9" cstate="print">
+              <a:extLst>
+                <a:ext uri="{28A0092B-C50C-407E-A947-70E740481C1C}">
+                  <a14:useLocalDpi xmlns:a14="http://schemas.microsoft.com/office/drawing/2010/main" val="0"/>
+                </a:ext>
+              </a:extLst>
+            </a:blip>
+            <a:stretch>
+              <a:fillRect/>
+            </a:stretch>
+          </p:blipFill>
+          <p:spPr>
+            <a:xfrm>
+              <a:off x="1872766" y="5479959"/>
+              <a:ext cx="1021436" cy="260117"/>
+            </a:xfrm>
+            <a:prstGeom prst="rect">
+              <a:avLst/>
+            </a:prstGeom>
+          </p:spPr>
+        </p:pic>
+        <p:pic>
+          <p:nvPicPr>
+            <p:cNvPr id="80" name="그림 79"/>
+            <p:cNvPicPr>
+              <a:picLocks noChangeAspect="1"/>
+            </p:cNvPicPr>
+            <p:nvPr/>
+          </p:nvPicPr>
+          <p:blipFill>
+            <a:blip r:embed="rId10">
+              <a:extLst>
+                <a:ext uri="{28A0092B-C50C-407E-A947-70E740481C1C}">
+                  <a14:useLocalDpi xmlns:a14="http://schemas.microsoft.com/office/drawing/2010/main" val="0"/>
+                </a:ext>
+              </a:extLst>
+            </a:blip>
+            <a:stretch>
+              <a:fillRect/>
+            </a:stretch>
+          </p:blipFill>
+          <p:spPr>
+            <a:xfrm>
+              <a:off x="981554" y="5493089"/>
+              <a:ext cx="904875" cy="247650"/>
+            </a:xfrm>
+            <a:prstGeom prst="rect">
+              <a:avLst/>
+            </a:prstGeom>
+          </p:spPr>
+        </p:pic>
+        <p:pic>
+          <p:nvPicPr>
+            <p:cNvPr id="81" name="그림 80"/>
+            <p:cNvPicPr>
+              <a:picLocks noChangeAspect="1"/>
+            </p:cNvPicPr>
+            <p:nvPr/>
+          </p:nvPicPr>
+          <p:blipFill>
+            <a:blip r:embed="rId11">
+              <a:extLst>
+                <a:ext uri="{28A0092B-C50C-407E-A947-70E740481C1C}">
+                  <a14:useLocalDpi xmlns:a14="http://schemas.microsoft.com/office/drawing/2010/main" val="0"/>
+                </a:ext>
+              </a:extLst>
+            </a:blip>
+            <a:stretch>
+              <a:fillRect/>
+            </a:stretch>
+          </p:blipFill>
+          <p:spPr>
+            <a:xfrm>
+              <a:off x="72453" y="5497852"/>
+              <a:ext cx="895350" cy="238125"/>
+            </a:xfrm>
+            <a:prstGeom prst="rect">
+              <a:avLst/>
+            </a:prstGeom>
+          </p:spPr>
+        </p:pic>
+        <p:pic>
+          <p:nvPicPr>
+            <p:cNvPr id="82" name="그림 81"/>
+            <p:cNvPicPr>
+              <a:picLocks noChangeAspect="1"/>
+            </p:cNvPicPr>
+            <p:nvPr/>
+          </p:nvPicPr>
+          <p:blipFill>
+            <a:blip r:embed="rId12" cstate="print">
+              <a:extLst>
+                <a:ext uri="{28A0092B-C50C-407E-A947-70E740481C1C}">
+                  <a14:useLocalDpi xmlns:a14="http://schemas.microsoft.com/office/drawing/2010/main" val="0"/>
+                </a:ext>
+              </a:extLst>
+            </a:blip>
+            <a:stretch>
+              <a:fillRect/>
+            </a:stretch>
+          </p:blipFill>
+          <p:spPr>
+            <a:xfrm>
+              <a:off x="36182" y="4548431"/>
+              <a:ext cx="1944231" cy="679768"/>
+            </a:xfrm>
+            <a:prstGeom prst="rect">
+              <a:avLst/>
+            </a:prstGeom>
+          </p:spPr>
+        </p:pic>
+        <p:pic>
+          <p:nvPicPr>
+            <p:cNvPr id="83" name="그림 82"/>
+            <p:cNvPicPr>
+              <a:picLocks noChangeAspect="1"/>
+            </p:cNvPicPr>
+            <p:nvPr/>
+          </p:nvPicPr>
+          <p:blipFill>
+            <a:blip r:embed="rId13" cstate="print">
+              <a:extLst>
+                <a:ext uri="{28A0092B-C50C-407E-A947-70E740481C1C}">
+                  <a14:useLocalDpi xmlns:a14="http://schemas.microsoft.com/office/drawing/2010/main" val="0"/>
+                </a:ext>
+              </a:extLst>
+            </a:blip>
+            <a:stretch>
+              <a:fillRect/>
+            </a:stretch>
+          </p:blipFill>
+          <p:spPr>
+            <a:xfrm>
+              <a:off x="120935" y="5271492"/>
+              <a:ext cx="2052873" cy="165174"/>
+            </a:xfrm>
+            <a:prstGeom prst="rect">
+              <a:avLst/>
+            </a:prstGeom>
+          </p:spPr>
+        </p:pic>
+        <p:pic>
+          <p:nvPicPr>
+            <p:cNvPr id="84" name="그림 83"/>
+            <p:cNvPicPr>
+              <a:picLocks noChangeAspect="1"/>
+            </p:cNvPicPr>
+            <p:nvPr/>
+          </p:nvPicPr>
+          <p:blipFill>
+            <a:blip r:embed="rId14" cstate="print">
+              <a:extLst>
+                <a:ext uri="{28A0092B-C50C-407E-A947-70E740481C1C}">
+                  <a14:useLocalDpi xmlns:a14="http://schemas.microsoft.com/office/drawing/2010/main" val="0"/>
+                </a:ext>
+              </a:extLst>
+            </a:blip>
+            <a:stretch>
+              <a:fillRect/>
+            </a:stretch>
+          </p:blipFill>
+          <p:spPr>
+            <a:xfrm>
+              <a:off x="72453" y="2861372"/>
+              <a:ext cx="2821749" cy="1706145"/>
+            </a:xfrm>
+            <a:prstGeom prst="rect">
+              <a:avLst/>
+            </a:prstGeom>
+          </p:spPr>
+        </p:pic>
+      </p:grpSp>
+      <p:grpSp>
+        <p:nvGrpSpPr>
+          <p:cNvPr id="85" name="그룹 84"/>
+          <p:cNvGrpSpPr/>
+          <p:nvPr/>
+        </p:nvGrpSpPr>
+        <p:grpSpPr>
+          <a:xfrm>
+            <a:off x="1783782" y="3891735"/>
+            <a:ext cx="1364714" cy="1110925"/>
+            <a:chOff x="0" y="2798273"/>
+            <a:chExt cx="2939318" cy="2993123"/>
+          </a:xfrm>
+        </p:grpSpPr>
+        <p:sp>
+          <p:nvSpPr>
+            <p:cNvPr id="86" name="직사각형 85"/>
+            <p:cNvSpPr/>
+            <p:nvPr/>
+          </p:nvSpPr>
+          <p:spPr>
+            <a:xfrm>
+              <a:off x="0" y="2798273"/>
+              <a:ext cx="2939318" cy="2993123"/>
+            </a:xfrm>
+            <a:prstGeom prst="rect">
+              <a:avLst/>
+            </a:prstGeom>
+            <a:solidFill>
+              <a:schemeClr val="bg1"/>
+            </a:solidFill>
+            <a:ln>
+              <a:solidFill>
+                <a:schemeClr val="bg1">
+                  <a:lumMod val="75000"/>
+                </a:schemeClr>
+              </a:solidFill>
+            </a:ln>
+          </p:spPr>
+          <p:style>
+            <a:lnRef idx="2">
+              <a:schemeClr val="accent1">
+                <a:shade val="50000"/>
+              </a:schemeClr>
+            </a:lnRef>
+            <a:fillRef idx="1">
+              <a:schemeClr val="accent1"/>
+            </a:fillRef>
+            <a:effectRef idx="0">
+              <a:schemeClr val="accent1"/>
+            </a:effectRef>
+            <a:fontRef idx="minor">
+              <a:schemeClr val="lt1"/>
+            </a:fontRef>
+          </p:style>
+          <p:txBody>
+            <a:bodyPr rtlCol="0" anchor="ctr"/>
+            <a:lstStyle/>
+            <a:p>
+              <a:pPr algn="ctr"/>
+              <a:endParaRPr lang="ko-KR" altLang="en-US" dirty="0"/>
+            </a:p>
+          </p:txBody>
+        </p:sp>
+        <p:pic>
+          <p:nvPicPr>
+            <p:cNvPr id="87" name="그림 86"/>
+            <p:cNvPicPr>
+              <a:picLocks noChangeAspect="1"/>
+            </p:cNvPicPr>
+            <p:nvPr/>
+          </p:nvPicPr>
+          <p:blipFill>
+            <a:blip r:embed="rId9" cstate="print">
+              <a:extLst>
+                <a:ext uri="{28A0092B-C50C-407E-A947-70E740481C1C}">
+                  <a14:useLocalDpi xmlns:a14="http://schemas.microsoft.com/office/drawing/2010/main" val="0"/>
+                </a:ext>
+              </a:extLst>
+            </a:blip>
+            <a:stretch>
+              <a:fillRect/>
+            </a:stretch>
+          </p:blipFill>
+          <p:spPr>
+            <a:xfrm>
+              <a:off x="1872766" y="5479959"/>
+              <a:ext cx="1021436" cy="260117"/>
+            </a:xfrm>
+            <a:prstGeom prst="rect">
+              <a:avLst/>
+            </a:prstGeom>
+          </p:spPr>
+        </p:pic>
+        <p:pic>
+          <p:nvPicPr>
+            <p:cNvPr id="88" name="그림 87"/>
+            <p:cNvPicPr>
+              <a:picLocks noChangeAspect="1"/>
+            </p:cNvPicPr>
+            <p:nvPr/>
+          </p:nvPicPr>
+          <p:blipFill>
+            <a:blip r:embed="rId10">
+              <a:extLst>
+                <a:ext uri="{28A0092B-C50C-407E-A947-70E740481C1C}">
+                  <a14:useLocalDpi xmlns:a14="http://schemas.microsoft.com/office/drawing/2010/main" val="0"/>
+                </a:ext>
+              </a:extLst>
+            </a:blip>
+            <a:stretch>
+              <a:fillRect/>
+            </a:stretch>
+          </p:blipFill>
+          <p:spPr>
+            <a:xfrm>
+              <a:off x="981554" y="5493089"/>
+              <a:ext cx="904875" cy="247650"/>
+            </a:xfrm>
+            <a:prstGeom prst="rect">
+              <a:avLst/>
+            </a:prstGeom>
+          </p:spPr>
+        </p:pic>
+        <p:pic>
+          <p:nvPicPr>
+            <p:cNvPr id="89" name="그림 88"/>
+            <p:cNvPicPr>
+              <a:picLocks noChangeAspect="1"/>
+            </p:cNvPicPr>
+            <p:nvPr/>
+          </p:nvPicPr>
+          <p:blipFill>
+            <a:blip r:embed="rId11">
+              <a:extLst>
+                <a:ext uri="{28A0092B-C50C-407E-A947-70E740481C1C}">
+                  <a14:useLocalDpi xmlns:a14="http://schemas.microsoft.com/office/drawing/2010/main" val="0"/>
+                </a:ext>
+              </a:extLst>
+            </a:blip>
+            <a:stretch>
+              <a:fillRect/>
+            </a:stretch>
+          </p:blipFill>
+          <p:spPr>
+            <a:xfrm>
+              <a:off x="72453" y="5497852"/>
+              <a:ext cx="895350" cy="238125"/>
+            </a:xfrm>
+            <a:prstGeom prst="rect">
+              <a:avLst/>
+            </a:prstGeom>
+          </p:spPr>
+        </p:pic>
+        <p:pic>
+          <p:nvPicPr>
+            <p:cNvPr id="90" name="그림 89"/>
+            <p:cNvPicPr>
+              <a:picLocks noChangeAspect="1"/>
+            </p:cNvPicPr>
+            <p:nvPr/>
+          </p:nvPicPr>
+          <p:blipFill>
+            <a:blip r:embed="rId12" cstate="print">
+              <a:extLst>
+                <a:ext uri="{28A0092B-C50C-407E-A947-70E740481C1C}">
+                  <a14:useLocalDpi xmlns:a14="http://schemas.microsoft.com/office/drawing/2010/main" val="0"/>
+                </a:ext>
+              </a:extLst>
+            </a:blip>
+            <a:stretch>
+              <a:fillRect/>
+            </a:stretch>
+          </p:blipFill>
+          <p:spPr>
+            <a:xfrm>
+              <a:off x="36182" y="4548431"/>
+              <a:ext cx="1944231" cy="679768"/>
+            </a:xfrm>
+            <a:prstGeom prst="rect">
+              <a:avLst/>
+            </a:prstGeom>
+          </p:spPr>
+        </p:pic>
+        <p:pic>
+          <p:nvPicPr>
+            <p:cNvPr id="91" name="그림 90"/>
+            <p:cNvPicPr>
+              <a:picLocks noChangeAspect="1"/>
+            </p:cNvPicPr>
+            <p:nvPr/>
+          </p:nvPicPr>
+          <p:blipFill>
+            <a:blip r:embed="rId13" cstate="print">
+              <a:extLst>
+                <a:ext uri="{28A0092B-C50C-407E-A947-70E740481C1C}">
+                  <a14:useLocalDpi xmlns:a14="http://schemas.microsoft.com/office/drawing/2010/main" val="0"/>
+                </a:ext>
+              </a:extLst>
+            </a:blip>
+            <a:stretch>
+              <a:fillRect/>
+            </a:stretch>
+          </p:blipFill>
+          <p:spPr>
+            <a:xfrm>
+              <a:off x="120935" y="5271492"/>
+              <a:ext cx="2052873" cy="165174"/>
+            </a:xfrm>
+            <a:prstGeom prst="rect">
+              <a:avLst/>
+            </a:prstGeom>
+          </p:spPr>
+        </p:pic>
+        <p:pic>
+          <p:nvPicPr>
+            <p:cNvPr id="92" name="그림 91"/>
+            <p:cNvPicPr>
+              <a:picLocks noChangeAspect="1"/>
+            </p:cNvPicPr>
+            <p:nvPr/>
+          </p:nvPicPr>
+          <p:blipFill>
+            <a:blip r:embed="rId14" cstate="print">
+              <a:extLst>
+                <a:ext uri="{28A0092B-C50C-407E-A947-70E740481C1C}">
+                  <a14:useLocalDpi xmlns:a14="http://schemas.microsoft.com/office/drawing/2010/main" val="0"/>
+                </a:ext>
+              </a:extLst>
+            </a:blip>
+            <a:stretch>
+              <a:fillRect/>
+            </a:stretch>
+          </p:blipFill>
+          <p:spPr>
+            <a:xfrm>
+              <a:off x="72453" y="2861372"/>
+              <a:ext cx="2821749" cy="1706145"/>
+            </a:xfrm>
+            <a:prstGeom prst="rect">
+              <a:avLst/>
+            </a:prstGeom>
+          </p:spPr>
+        </p:pic>
+      </p:grpSp>
+      <p:grpSp>
+        <p:nvGrpSpPr>
+          <p:cNvPr id="93" name="그룹 92"/>
+          <p:cNvGrpSpPr/>
+          <p:nvPr/>
+        </p:nvGrpSpPr>
+        <p:grpSpPr>
+          <a:xfrm>
+            <a:off x="3243424" y="3908116"/>
+            <a:ext cx="1364714" cy="1110925"/>
+            <a:chOff x="0" y="2798273"/>
+            <a:chExt cx="2939318" cy="2993123"/>
+          </a:xfrm>
+        </p:grpSpPr>
+        <p:sp>
+          <p:nvSpPr>
+            <p:cNvPr id="94" name="직사각형 93"/>
+            <p:cNvSpPr/>
+            <p:nvPr/>
+          </p:nvSpPr>
+          <p:spPr>
+            <a:xfrm>
+              <a:off x="0" y="2798273"/>
+              <a:ext cx="2939318" cy="2993123"/>
+            </a:xfrm>
+            <a:prstGeom prst="rect">
+              <a:avLst/>
+            </a:prstGeom>
+            <a:solidFill>
+              <a:schemeClr val="bg1"/>
+            </a:solidFill>
+            <a:ln>
+              <a:solidFill>
+                <a:schemeClr val="bg1">
+                  <a:lumMod val="75000"/>
+                </a:schemeClr>
+              </a:solidFill>
+            </a:ln>
+          </p:spPr>
+          <p:style>
+            <a:lnRef idx="2">
+              <a:schemeClr val="accent1">
+                <a:shade val="50000"/>
+              </a:schemeClr>
+            </a:lnRef>
+            <a:fillRef idx="1">
+              <a:schemeClr val="accent1"/>
+            </a:fillRef>
+            <a:effectRef idx="0">
+              <a:schemeClr val="accent1"/>
+            </a:effectRef>
+            <a:fontRef idx="minor">
+              <a:schemeClr val="lt1"/>
+            </a:fontRef>
+          </p:style>
+          <p:txBody>
+            <a:bodyPr rtlCol="0" anchor="ctr"/>
+            <a:lstStyle/>
+            <a:p>
+              <a:pPr algn="ctr"/>
+              <a:endParaRPr lang="ko-KR" altLang="en-US" dirty="0"/>
+            </a:p>
+          </p:txBody>
+        </p:sp>
+        <p:pic>
+          <p:nvPicPr>
+            <p:cNvPr id="95" name="그림 94"/>
+            <p:cNvPicPr>
+              <a:picLocks noChangeAspect="1"/>
+            </p:cNvPicPr>
+            <p:nvPr/>
+          </p:nvPicPr>
+          <p:blipFill>
+            <a:blip r:embed="rId9" cstate="print">
+              <a:extLst>
+                <a:ext uri="{28A0092B-C50C-407E-A947-70E740481C1C}">
+                  <a14:useLocalDpi xmlns:a14="http://schemas.microsoft.com/office/drawing/2010/main" val="0"/>
+                </a:ext>
+              </a:extLst>
+            </a:blip>
+            <a:stretch>
+              <a:fillRect/>
+            </a:stretch>
+          </p:blipFill>
+          <p:spPr>
+            <a:xfrm>
+              <a:off x="1872766" y="5479959"/>
+              <a:ext cx="1021436" cy="260117"/>
+            </a:xfrm>
+            <a:prstGeom prst="rect">
+              <a:avLst/>
+            </a:prstGeom>
+          </p:spPr>
+        </p:pic>
+        <p:pic>
+          <p:nvPicPr>
+            <p:cNvPr id="96" name="그림 95"/>
+            <p:cNvPicPr>
+              <a:picLocks noChangeAspect="1"/>
+            </p:cNvPicPr>
+            <p:nvPr/>
+          </p:nvPicPr>
+          <p:blipFill>
+            <a:blip r:embed="rId10">
+              <a:extLst>
+                <a:ext uri="{28A0092B-C50C-407E-A947-70E740481C1C}">
+                  <a14:useLocalDpi xmlns:a14="http://schemas.microsoft.com/office/drawing/2010/main" val="0"/>
+                </a:ext>
+              </a:extLst>
+            </a:blip>
+            <a:stretch>
+              <a:fillRect/>
+            </a:stretch>
+          </p:blipFill>
+          <p:spPr>
+            <a:xfrm>
+              <a:off x="981554" y="5493089"/>
+              <a:ext cx="904875" cy="247650"/>
+            </a:xfrm>
+            <a:prstGeom prst="rect">
+              <a:avLst/>
+            </a:prstGeom>
+          </p:spPr>
+        </p:pic>
+        <p:pic>
+          <p:nvPicPr>
+            <p:cNvPr id="97" name="그림 96"/>
+            <p:cNvPicPr>
+              <a:picLocks noChangeAspect="1"/>
+            </p:cNvPicPr>
+            <p:nvPr/>
+          </p:nvPicPr>
+          <p:blipFill>
+            <a:blip r:embed="rId11">
+              <a:extLst>
+                <a:ext uri="{28A0092B-C50C-407E-A947-70E740481C1C}">
+                  <a14:useLocalDpi xmlns:a14="http://schemas.microsoft.com/office/drawing/2010/main" val="0"/>
+                </a:ext>
+              </a:extLst>
+            </a:blip>
+            <a:stretch>
+              <a:fillRect/>
+            </a:stretch>
+          </p:blipFill>
+          <p:spPr>
+            <a:xfrm>
+              <a:off x="72453" y="5497852"/>
+              <a:ext cx="895350" cy="238125"/>
+            </a:xfrm>
+            <a:prstGeom prst="rect">
+              <a:avLst/>
+            </a:prstGeom>
+          </p:spPr>
+        </p:pic>
+        <p:pic>
+          <p:nvPicPr>
+            <p:cNvPr id="98" name="그림 97"/>
+            <p:cNvPicPr>
+              <a:picLocks noChangeAspect="1"/>
+            </p:cNvPicPr>
+            <p:nvPr/>
+          </p:nvPicPr>
+          <p:blipFill>
+            <a:blip r:embed="rId12" cstate="print">
+              <a:extLst>
+                <a:ext uri="{28A0092B-C50C-407E-A947-70E740481C1C}">
+                  <a14:useLocalDpi xmlns:a14="http://schemas.microsoft.com/office/drawing/2010/main" val="0"/>
+                </a:ext>
+              </a:extLst>
+            </a:blip>
+            <a:stretch>
+              <a:fillRect/>
+            </a:stretch>
+          </p:blipFill>
+          <p:spPr>
+            <a:xfrm>
+              <a:off x="36182" y="4548431"/>
+              <a:ext cx="1944231" cy="679768"/>
+            </a:xfrm>
+            <a:prstGeom prst="rect">
+              <a:avLst/>
+            </a:prstGeom>
+          </p:spPr>
+        </p:pic>
+        <p:pic>
+          <p:nvPicPr>
+            <p:cNvPr id="99" name="그림 98"/>
+            <p:cNvPicPr>
+              <a:picLocks noChangeAspect="1"/>
+            </p:cNvPicPr>
+            <p:nvPr/>
+          </p:nvPicPr>
+          <p:blipFill>
+            <a:blip r:embed="rId13" cstate="print">
+              <a:extLst>
+                <a:ext uri="{28A0092B-C50C-407E-A947-70E740481C1C}">
+                  <a14:useLocalDpi xmlns:a14="http://schemas.microsoft.com/office/drawing/2010/main" val="0"/>
+                </a:ext>
+              </a:extLst>
+            </a:blip>
+            <a:stretch>
+              <a:fillRect/>
+            </a:stretch>
+          </p:blipFill>
+          <p:spPr>
+            <a:xfrm>
+              <a:off x="120935" y="5271492"/>
+              <a:ext cx="2052873" cy="165174"/>
+            </a:xfrm>
+            <a:prstGeom prst="rect">
+              <a:avLst/>
+            </a:prstGeom>
+          </p:spPr>
+        </p:pic>
+        <p:pic>
+          <p:nvPicPr>
+            <p:cNvPr id="100" name="그림 99"/>
+            <p:cNvPicPr>
+              <a:picLocks noChangeAspect="1"/>
+            </p:cNvPicPr>
+            <p:nvPr/>
+          </p:nvPicPr>
+          <p:blipFill>
+            <a:blip r:embed="rId14" cstate="print">
+              <a:extLst>
+                <a:ext uri="{28A0092B-C50C-407E-A947-70E740481C1C}">
+                  <a14:useLocalDpi xmlns:a14="http://schemas.microsoft.com/office/drawing/2010/main" val="0"/>
+                </a:ext>
+              </a:extLst>
+            </a:blip>
+            <a:stretch>
+              <a:fillRect/>
+            </a:stretch>
+          </p:blipFill>
+          <p:spPr>
+            <a:xfrm>
+              <a:off x="72453" y="2861372"/>
+              <a:ext cx="2821749" cy="1706145"/>
+            </a:xfrm>
+            <a:prstGeom prst="rect">
+              <a:avLst/>
+            </a:prstGeom>
+          </p:spPr>
+        </p:pic>
+      </p:grpSp>
+      <p:sp>
+        <p:nvSpPr>
+          <p:cNvPr id="2" name="TextBox 1"/>
+          <p:cNvSpPr txBox="1"/>
+          <p:nvPr/>
+        </p:nvSpPr>
+        <p:spPr>
+          <a:xfrm>
+            <a:off x="9610809" y="2442278"/>
+            <a:ext cx="2177350" cy="369332"/>
+          </a:xfrm>
+          <a:prstGeom prst="rect">
+            <a:avLst/>
+          </a:prstGeom>
+          <a:solidFill>
+            <a:srgbClr val="FFFFFF"/>
+          </a:solidFill>
+        </p:spPr>
+        <p:txBody>
+          <a:bodyPr wrap="square" rtlCol="0">
+            <a:spAutoFit/>
+          </a:bodyPr>
+          <a:lstStyle/>
+          <a:p>
+            <a:r>
+              <a:rPr lang="ko-KR" altLang="en-US" dirty="0" smtClean="0"/>
+              <a:t>닉네임</a:t>
+            </a:r>
+            <a:r>
+              <a:rPr lang="en-US" altLang="ko-KR" dirty="0" smtClean="0"/>
+              <a:t>(</a:t>
+            </a:r>
+            <a:r>
+              <a:rPr lang="ko-KR" altLang="en-US" dirty="0" smtClean="0"/>
+              <a:t>없으면 </a:t>
+            </a:r>
+            <a:r>
+              <a:rPr lang="en-US" altLang="ko-KR" dirty="0" smtClean="0"/>
+              <a:t>ID)</a:t>
+            </a:r>
+            <a:endParaRPr lang="ko-KR" altLang="en-US" dirty="0"/>
+          </a:p>
+        </p:txBody>
+      </p:sp>
+      <p:sp>
+        <p:nvSpPr>
+          <p:cNvPr id="102" name="TextBox 101"/>
+          <p:cNvSpPr txBox="1"/>
+          <p:nvPr/>
+        </p:nvSpPr>
+        <p:spPr>
+          <a:xfrm>
+            <a:off x="9034495" y="2795339"/>
+            <a:ext cx="2753663" cy="276999"/>
+          </a:xfrm>
+          <a:prstGeom prst="rect">
+            <a:avLst/>
+          </a:prstGeom>
+          <a:solidFill>
+            <a:srgbClr val="FFFFFF"/>
+          </a:solidFill>
+        </p:spPr>
+        <p:txBody>
+          <a:bodyPr wrap="square" rtlCol="0">
+            <a:spAutoFit/>
+          </a:bodyPr>
+          <a:lstStyle/>
+          <a:p>
+            <a:r>
+              <a:rPr lang="en-US" altLang="ko-KR" sz="1200" dirty="0" smtClean="0"/>
+              <a:t>comment</a:t>
+            </a:r>
+            <a:endParaRPr lang="ko-KR" altLang="en-US" sz="1200" dirty="0"/>
+          </a:p>
+        </p:txBody>
+      </p:sp>
+      <p:sp>
+        <p:nvSpPr>
+          <p:cNvPr id="103" name="TextBox 102"/>
+          <p:cNvSpPr txBox="1"/>
+          <p:nvPr/>
+        </p:nvSpPr>
+        <p:spPr>
+          <a:xfrm>
+            <a:off x="11051414" y="3054131"/>
+            <a:ext cx="899415" cy="246221"/>
+          </a:xfrm>
+          <a:prstGeom prst="rect">
+            <a:avLst/>
+          </a:prstGeom>
+          <a:solidFill>
+            <a:srgbClr val="FFFFFF"/>
+          </a:solidFill>
+        </p:spPr>
+        <p:txBody>
+          <a:bodyPr wrap="square" rtlCol="0">
+            <a:spAutoFit/>
+          </a:bodyPr>
+          <a:lstStyle/>
+          <a:p>
+            <a:r>
+              <a:rPr lang="ko-KR" altLang="en-US" sz="1000" dirty="0" err="1" smtClean="0"/>
+              <a:t>글좋아요수</a:t>
+            </a:r>
+            <a:endParaRPr lang="ko-KR" altLang="en-US" sz="1000" dirty="0"/>
+          </a:p>
+        </p:txBody>
+      </p:sp>
+      <p:sp>
+        <p:nvSpPr>
+          <p:cNvPr id="105" name="TextBox 104"/>
+          <p:cNvSpPr txBox="1"/>
+          <p:nvPr/>
+        </p:nvSpPr>
+        <p:spPr>
+          <a:xfrm>
+            <a:off x="10088370" y="3051408"/>
+            <a:ext cx="652868" cy="246221"/>
+          </a:xfrm>
+          <a:prstGeom prst="rect">
+            <a:avLst/>
+          </a:prstGeom>
+          <a:solidFill>
+            <a:srgbClr val="FFFFFF"/>
+          </a:solidFill>
+        </p:spPr>
+        <p:txBody>
+          <a:bodyPr wrap="square" rtlCol="0">
+            <a:spAutoFit/>
+          </a:bodyPr>
+          <a:lstStyle/>
+          <a:p>
+            <a:r>
+              <a:rPr lang="ko-KR" altLang="en-US" sz="1000" dirty="0" err="1" smtClean="0"/>
+              <a:t>댓글수</a:t>
+            </a:r>
+            <a:endParaRPr lang="ko-KR" altLang="en-US" sz="1000" dirty="0"/>
+          </a:p>
+        </p:txBody>
+      </p:sp>
+      <p:sp>
+        <p:nvSpPr>
+          <p:cNvPr id="106" name="TextBox 105"/>
+          <p:cNvSpPr txBox="1"/>
+          <p:nvPr/>
+        </p:nvSpPr>
+        <p:spPr>
+          <a:xfrm>
+            <a:off x="9284441" y="3051408"/>
+            <a:ext cx="593979" cy="246221"/>
+          </a:xfrm>
+          <a:prstGeom prst="rect">
+            <a:avLst/>
+          </a:prstGeom>
+          <a:solidFill>
+            <a:srgbClr val="FFFFFF"/>
+          </a:solidFill>
+        </p:spPr>
+        <p:txBody>
+          <a:bodyPr wrap="square" rtlCol="0">
+            <a:spAutoFit/>
+          </a:bodyPr>
+          <a:lstStyle/>
+          <a:p>
+            <a:r>
+              <a:rPr lang="ko-KR" altLang="en-US" sz="1000" smtClean="0"/>
+              <a:t>날짜</a:t>
+            </a:r>
+            <a:endParaRPr lang="ko-KR" altLang="en-US" sz="1000" dirty="0"/>
+          </a:p>
+        </p:txBody>
+      </p:sp>
+      <p:sp>
+        <p:nvSpPr>
+          <p:cNvPr id="108" name="TextBox 107"/>
+          <p:cNvSpPr txBox="1"/>
+          <p:nvPr/>
+        </p:nvSpPr>
+        <p:spPr>
+          <a:xfrm>
+            <a:off x="11051414" y="3311054"/>
+            <a:ext cx="899415" cy="246221"/>
+          </a:xfrm>
+          <a:prstGeom prst="rect">
+            <a:avLst/>
+          </a:prstGeom>
+          <a:solidFill>
+            <a:srgbClr val="FFFFFF"/>
+          </a:solidFill>
+        </p:spPr>
+        <p:txBody>
+          <a:bodyPr wrap="square" rtlCol="0">
+            <a:spAutoFit/>
+          </a:bodyPr>
+          <a:lstStyle/>
+          <a:p>
+            <a:r>
+              <a:rPr lang="en-US" altLang="ko-KR" sz="1000" dirty="0" smtClean="0"/>
+              <a:t>5</a:t>
+            </a:r>
+            <a:endParaRPr lang="ko-KR" altLang="en-US" sz="1000" dirty="0"/>
+          </a:p>
+        </p:txBody>
+      </p:sp>
+      <p:sp>
+        <p:nvSpPr>
+          <p:cNvPr id="113" name="TextBox 112"/>
+          <p:cNvSpPr txBox="1"/>
+          <p:nvPr/>
+        </p:nvSpPr>
+        <p:spPr>
+          <a:xfrm>
+            <a:off x="10088370" y="3308331"/>
+            <a:ext cx="652868" cy="246221"/>
+          </a:xfrm>
+          <a:prstGeom prst="rect">
+            <a:avLst/>
+          </a:prstGeom>
+          <a:solidFill>
+            <a:srgbClr val="FFFFFF"/>
+          </a:solidFill>
+        </p:spPr>
+        <p:txBody>
+          <a:bodyPr wrap="square" rtlCol="0">
+            <a:spAutoFit/>
+          </a:bodyPr>
+          <a:lstStyle/>
+          <a:p>
+            <a:r>
+              <a:rPr lang="en-US" altLang="ko-KR" sz="1000" dirty="0" smtClean="0"/>
+              <a:t>3</a:t>
+            </a:r>
+            <a:endParaRPr lang="ko-KR" altLang="en-US" sz="1000" dirty="0"/>
+          </a:p>
+        </p:txBody>
+      </p:sp>
+      <p:sp>
+        <p:nvSpPr>
+          <p:cNvPr id="114" name="TextBox 113"/>
+          <p:cNvSpPr txBox="1"/>
+          <p:nvPr/>
+        </p:nvSpPr>
+        <p:spPr>
+          <a:xfrm>
+            <a:off x="9284440" y="3308331"/>
+            <a:ext cx="740299" cy="246221"/>
+          </a:xfrm>
+          <a:prstGeom prst="rect">
+            <a:avLst/>
+          </a:prstGeom>
+          <a:solidFill>
+            <a:srgbClr val="FFFFFF"/>
+          </a:solidFill>
+        </p:spPr>
+        <p:txBody>
+          <a:bodyPr wrap="square" rtlCol="0">
+            <a:spAutoFit/>
+          </a:bodyPr>
+          <a:lstStyle/>
+          <a:p>
+            <a:r>
+              <a:rPr lang="en-US" altLang="ko-KR" sz="1000" dirty="0" smtClean="0"/>
+              <a:t>12</a:t>
+            </a:r>
+            <a:r>
+              <a:rPr lang="ko-KR" altLang="en-US" sz="1000" dirty="0" err="1" smtClean="0"/>
+              <a:t>시간전</a:t>
+            </a:r>
+            <a:endParaRPr lang="en-US" altLang="ko-KR" sz="1000" dirty="0" smtClean="0"/>
+          </a:p>
+        </p:txBody>
+      </p:sp>
+      <p:sp>
+        <p:nvSpPr>
+          <p:cNvPr id="123" name="TextBox 122"/>
+          <p:cNvSpPr txBox="1"/>
+          <p:nvPr/>
+        </p:nvSpPr>
+        <p:spPr>
+          <a:xfrm>
+            <a:off x="9284440" y="3598679"/>
+            <a:ext cx="2503718" cy="246221"/>
+          </a:xfrm>
+          <a:prstGeom prst="rect">
+            <a:avLst/>
+          </a:prstGeom>
+          <a:solidFill>
+            <a:srgbClr val="FFFFFF"/>
+          </a:solidFill>
+        </p:spPr>
+        <p:txBody>
+          <a:bodyPr wrap="square" rtlCol="0">
+            <a:spAutoFit/>
+          </a:bodyPr>
+          <a:lstStyle/>
+          <a:p>
+            <a:r>
+              <a:rPr lang="en-US" altLang="ko-KR" sz="1000" b="1" dirty="0" err="1" smtClean="0"/>
+              <a:t>Monent</a:t>
+            </a:r>
+            <a:r>
+              <a:rPr lang="en-US" altLang="ko-KR" sz="1000" b="1" dirty="0"/>
+              <a:t> </a:t>
+            </a:r>
+            <a:r>
+              <a:rPr lang="en-US" altLang="ko-KR" sz="1000" b="1" dirty="0" smtClean="0"/>
+              <a:t>– relative time </a:t>
+            </a:r>
+            <a:r>
+              <a:rPr lang="ko-KR" altLang="en-US" sz="1000" b="1" dirty="0" smtClean="0"/>
+              <a:t>참고</a:t>
+            </a:r>
+            <a:endParaRPr lang="en-US" altLang="ko-KR" sz="1000" b="1" dirty="0" smtClean="0"/>
+          </a:p>
+        </p:txBody>
+      </p:sp>
     </p:spTree>
     <p:extLst>
       <p:ext uri="{BB962C8B-B14F-4D97-AF65-F5344CB8AC3E}">

--- a/cozyhouzz_ver2.1_영현_170705.pptx
+++ b/cozyhouzz_ver2.1_영현_170705.pptx
@@ -200,7 +200,7 @@
       </p14:sectionLst>
     </p:ext>
     <p:ext uri="{EFAFB233-063F-42B5-8137-9DF3F51BA10A}">
-      <p15:sldGuideLst xmlns:p15="http://schemas.microsoft.com/office/powerpoint/2012/main"/>
+      <p15:sldGuideLst xmlns:p15="http://schemas.microsoft.com/office/powerpoint/2012/main" xmlns=""/>
     </p:ext>
   </p:extLst>
 </p:presentation>
@@ -211,7 +211,7 @@
   <p:cmAuthor id="1" name="younghyeon Jo" initials="yJ" lastIdx="1" clrIdx="0">
     <p:extLst>
       <p:ext uri="{19B8F6BF-5375-455C-9EA6-DF929625EA0E}">
-        <p15:presenceInfo xmlns:p15="http://schemas.microsoft.com/office/powerpoint/2012/main" userId="73aff5c60f005b30" providerId="Windows Live"/>
+        <p15:presenceInfo xmlns:p15="http://schemas.microsoft.com/office/powerpoint/2012/main" xmlns="" userId="73aff5c60f005b30" providerId="Windows Live"/>
       </p:ext>
     </p:extLst>
   </p:cmAuthor>
@@ -304,7 +304,7 @@
           <a:p>
             <a:fld id="{CA7F18A9-4C68-44BA-89AA-2CD17216A3FA}" type="datetimeFigureOut">
               <a:rPr lang="ko-KR" altLang="en-US" smtClean="0"/>
-              <a:t>2017-07-05</a:t>
+              <a:t>2017-07-06</a:t>
             </a:fld>
             <a:endParaRPr lang="ko-KR" altLang="en-US"/>
           </a:p>
@@ -700,7 +700,7 @@
           <a:p>
             <a:fld id="{E6971EBF-B6B7-4568-AA95-B65874C39AF8}" type="datetimeFigureOut">
               <a:rPr lang="ko-KR" altLang="en-US" smtClean="0"/>
-              <a:t>2017-07-05</a:t>
+              <a:t>2017-07-06</a:t>
             </a:fld>
             <a:endParaRPr lang="ko-KR" altLang="en-US"/>
           </a:p>
@@ -868,7 +868,7 @@
           <a:p>
             <a:fld id="{E6971EBF-B6B7-4568-AA95-B65874C39AF8}" type="datetimeFigureOut">
               <a:rPr lang="ko-KR" altLang="en-US" smtClean="0"/>
-              <a:t>2017-07-05</a:t>
+              <a:t>2017-07-06</a:t>
             </a:fld>
             <a:endParaRPr lang="ko-KR" altLang="en-US"/>
           </a:p>
@@ -1046,7 +1046,7 @@
           <a:p>
             <a:fld id="{E6971EBF-B6B7-4568-AA95-B65874C39AF8}" type="datetimeFigureOut">
               <a:rPr lang="ko-KR" altLang="en-US" smtClean="0"/>
-              <a:t>2017-07-05</a:t>
+              <a:t>2017-07-06</a:t>
             </a:fld>
             <a:endParaRPr lang="ko-KR" altLang="en-US"/>
           </a:p>
@@ -2725,7 +2725,7 @@
           <a:p>
             <a:fld id="{E6971EBF-B6B7-4568-AA95-B65874C39AF8}" type="datetimeFigureOut">
               <a:rPr lang="ko-KR" altLang="en-US" smtClean="0"/>
-              <a:t>2017-07-05</a:t>
+              <a:t>2017-07-06</a:t>
             </a:fld>
             <a:endParaRPr lang="ko-KR" altLang="en-US"/>
           </a:p>
@@ -2909,7 +2909,7 @@
           <a:p>
             <a:fld id="{E6971EBF-B6B7-4568-AA95-B65874C39AF8}" type="datetimeFigureOut">
               <a:rPr lang="ko-KR" altLang="en-US" smtClean="0"/>
-              <a:t>2017-07-05</a:t>
+              <a:t>2017-07-06</a:t>
             </a:fld>
             <a:endParaRPr lang="ko-KR" altLang="en-US"/>
           </a:p>
@@ -3154,7 +3154,7 @@
           <a:p>
             <a:fld id="{E6971EBF-B6B7-4568-AA95-B65874C39AF8}" type="datetimeFigureOut">
               <a:rPr lang="ko-KR" altLang="en-US" smtClean="0"/>
-              <a:t>2017-07-05</a:t>
+              <a:t>2017-07-06</a:t>
             </a:fld>
             <a:endParaRPr lang="ko-KR" altLang="en-US"/>
           </a:p>
@@ -3383,7 +3383,7 @@
           <a:p>
             <a:fld id="{E6971EBF-B6B7-4568-AA95-B65874C39AF8}" type="datetimeFigureOut">
               <a:rPr lang="ko-KR" altLang="en-US" smtClean="0"/>
-              <a:t>2017-07-05</a:t>
+              <a:t>2017-07-06</a:t>
             </a:fld>
             <a:endParaRPr lang="ko-KR" altLang="en-US"/>
           </a:p>
@@ -3747,7 +3747,7 @@
           <a:p>
             <a:fld id="{E6971EBF-B6B7-4568-AA95-B65874C39AF8}" type="datetimeFigureOut">
               <a:rPr lang="ko-KR" altLang="en-US" smtClean="0"/>
-              <a:t>2017-07-05</a:t>
+              <a:t>2017-07-06</a:t>
             </a:fld>
             <a:endParaRPr lang="ko-KR" altLang="en-US"/>
           </a:p>
@@ -3864,7 +3864,7 @@
           <a:p>
             <a:fld id="{E6971EBF-B6B7-4568-AA95-B65874C39AF8}" type="datetimeFigureOut">
               <a:rPr lang="ko-KR" altLang="en-US" smtClean="0"/>
-              <a:t>2017-07-05</a:t>
+              <a:t>2017-07-06</a:t>
             </a:fld>
             <a:endParaRPr lang="ko-KR" altLang="en-US"/>
           </a:p>
@@ -3959,7 +3959,7 @@
           <a:p>
             <a:fld id="{E6971EBF-B6B7-4568-AA95-B65874C39AF8}" type="datetimeFigureOut">
               <a:rPr lang="ko-KR" altLang="en-US" smtClean="0"/>
-              <a:t>2017-07-05</a:t>
+              <a:t>2017-07-06</a:t>
             </a:fld>
             <a:endParaRPr lang="ko-KR" altLang="en-US"/>
           </a:p>
@@ -4234,7 +4234,7 @@
           <a:p>
             <a:fld id="{E6971EBF-B6B7-4568-AA95-B65874C39AF8}" type="datetimeFigureOut">
               <a:rPr lang="ko-KR" altLang="en-US" smtClean="0"/>
-              <a:t>2017-07-05</a:t>
+              <a:t>2017-07-06</a:t>
             </a:fld>
             <a:endParaRPr lang="ko-KR" altLang="en-US"/>
           </a:p>
@@ -4486,7 +4486,7 @@
           <a:p>
             <a:fld id="{E6971EBF-B6B7-4568-AA95-B65874C39AF8}" type="datetimeFigureOut">
               <a:rPr lang="ko-KR" altLang="en-US" smtClean="0"/>
-              <a:t>2017-07-05</a:t>
+              <a:t>2017-07-06</a:t>
             </a:fld>
             <a:endParaRPr lang="ko-KR" altLang="en-US"/>
           </a:p>
@@ -4697,7 +4697,7 @@
           <a:p>
             <a:fld id="{E6971EBF-B6B7-4568-AA95-B65874C39AF8}" type="datetimeFigureOut">
               <a:rPr lang="ko-KR" altLang="en-US" smtClean="0"/>
-              <a:t>2017-07-05</a:t>
+              <a:t>2017-07-06</a:t>
             </a:fld>
             <a:endParaRPr lang="ko-KR" altLang="en-US"/>
           </a:p>
@@ -30425,14 +30425,14 @@
                 <a:gridCol w="2199717">
                   <a:extLst>
                     <a:ext uri="{9D8B030D-6E8A-4147-A177-3AD203B41FA5}">
-                      <a16:colId xmlns="" xmlns:a16="http://schemas.microsoft.com/office/drawing/2014/main" val="20000"/>
+                      <a16:colId xmlns:a16="http://schemas.microsoft.com/office/drawing/2014/main" xmlns="" val="20000"/>
                     </a:ext>
                   </a:extLst>
                 </a:gridCol>
                 <a:gridCol w="8719085">
                   <a:extLst>
                     <a:ext uri="{9D8B030D-6E8A-4147-A177-3AD203B41FA5}">
-                      <a16:colId xmlns="" xmlns:a16="http://schemas.microsoft.com/office/drawing/2014/main" val="20001"/>
+                      <a16:colId xmlns:a16="http://schemas.microsoft.com/office/drawing/2014/main" xmlns="" val="20001"/>
                     </a:ext>
                   </a:extLst>
                 </a:gridCol>
@@ -30480,7 +30480,7 @@
                 </a:tc>
                 <a:extLst>
                   <a:ext uri="{0D108BD9-81ED-4DB2-BD59-A6C34878D82A}">
-                    <a16:rowId xmlns="" xmlns:a16="http://schemas.microsoft.com/office/drawing/2014/main" val="10000"/>
+                    <a16:rowId xmlns:a16="http://schemas.microsoft.com/office/drawing/2014/main" xmlns="" val="10000"/>
                   </a:ext>
                 </a:extLst>
               </a:tr>
@@ -30701,7 +30701,7 @@
                 </a:tc>
                 <a:extLst>
                   <a:ext uri="{0D108BD9-81ED-4DB2-BD59-A6C34878D82A}">
-                    <a16:rowId xmlns="" xmlns:a16="http://schemas.microsoft.com/office/drawing/2014/main" val="10001"/>
+                    <a16:rowId xmlns:a16="http://schemas.microsoft.com/office/drawing/2014/main" xmlns="" val="10001"/>
                   </a:ext>
                 </a:extLst>
               </a:tr>
@@ -30781,7 +30781,7 @@
                 </a:tc>
                 <a:extLst>
                   <a:ext uri="{0D108BD9-81ED-4DB2-BD59-A6C34878D82A}">
-                    <a16:rowId xmlns="" xmlns:a16="http://schemas.microsoft.com/office/drawing/2014/main" val="10002"/>
+                    <a16:rowId xmlns:a16="http://schemas.microsoft.com/office/drawing/2014/main" xmlns="" val="10002"/>
                   </a:ext>
                 </a:extLst>
               </a:tr>
@@ -30926,7 +30926,7 @@
                 </a:tc>
                 <a:extLst>
                   <a:ext uri="{0D108BD9-81ED-4DB2-BD59-A6C34878D82A}">
-                    <a16:rowId xmlns="" xmlns:a16="http://schemas.microsoft.com/office/drawing/2014/main" val="10003"/>
+                    <a16:rowId xmlns:a16="http://schemas.microsoft.com/office/drawing/2014/main" xmlns="" val="10003"/>
                   </a:ext>
                 </a:extLst>
               </a:tr>
@@ -31101,7 +31101,7 @@
                 </a:tc>
                 <a:extLst>
                   <a:ext uri="{0D108BD9-81ED-4DB2-BD59-A6C34878D82A}">
-                    <a16:rowId xmlns="" xmlns:a16="http://schemas.microsoft.com/office/drawing/2014/main" val="10004"/>
+                    <a16:rowId xmlns:a16="http://schemas.microsoft.com/office/drawing/2014/main" xmlns="" val="10004"/>
                   </a:ext>
                 </a:extLst>
               </a:tr>
@@ -31261,7 +31261,7 @@
                 </a:tc>
                 <a:extLst>
                   <a:ext uri="{0D108BD9-81ED-4DB2-BD59-A6C34878D82A}">
-                    <a16:rowId xmlns="" xmlns:a16="http://schemas.microsoft.com/office/drawing/2014/main" val="10005"/>
+                    <a16:rowId xmlns:a16="http://schemas.microsoft.com/office/drawing/2014/main" xmlns="" val="10005"/>
                   </a:ext>
                 </a:extLst>
               </a:tr>
@@ -31402,7 +31402,7 @@
                 </a:tc>
                 <a:extLst>
                   <a:ext uri="{0D108BD9-81ED-4DB2-BD59-A6C34878D82A}">
-                    <a16:rowId xmlns="" xmlns:a16="http://schemas.microsoft.com/office/drawing/2014/main" val="10006"/>
+                    <a16:rowId xmlns:a16="http://schemas.microsoft.com/office/drawing/2014/main" xmlns="" val="10006"/>
                   </a:ext>
                 </a:extLst>
               </a:tr>
@@ -31494,7 +31494,7 @@
                 </a:tc>
                 <a:extLst>
                   <a:ext uri="{0D108BD9-81ED-4DB2-BD59-A6C34878D82A}">
-                    <a16:rowId xmlns="" xmlns:a16="http://schemas.microsoft.com/office/drawing/2014/main" val="10007"/>
+                    <a16:rowId xmlns:a16="http://schemas.microsoft.com/office/drawing/2014/main" xmlns="" val="10007"/>
                   </a:ext>
                 </a:extLst>
               </a:tr>
@@ -31583,7 +31583,7 @@
                 </a:tc>
                 <a:extLst>
                   <a:ext uri="{0D108BD9-81ED-4DB2-BD59-A6C34878D82A}">
-                    <a16:rowId xmlns="" xmlns:a16="http://schemas.microsoft.com/office/drawing/2014/main" val="10008"/>
+                    <a16:rowId xmlns:a16="http://schemas.microsoft.com/office/drawing/2014/main" xmlns="" val="10008"/>
                   </a:ext>
                 </a:extLst>
               </a:tr>
@@ -35262,7 +35262,7 @@
     </a:clrScheme>
     <a:fontScheme name="Office">
       <a:majorFont>
-        <a:latin typeface="맑은 고딕" panose="020F0302020204030204"/>
+        <a:latin typeface="맑은 고딕"/>
         <a:ea typeface=""/>
         <a:cs typeface=""/>
         <a:font script="Jpan" typeface="ＭＳ Ｐゴシック"/>
@@ -35297,7 +35297,7 @@
         <a:font script="Geor" typeface="Sylfaen"/>
       </a:majorFont>
       <a:minorFont>
-        <a:latin typeface="맑은 고딕" panose="020F0502020204030204"/>
+        <a:latin typeface="맑은 고딕"/>
         <a:ea typeface=""/>
         <a:cs typeface=""/>
         <a:font script="Jpan" typeface="ＭＳ Ｐゴシック"/>
@@ -35500,7 +35500,7 @@
   <a:extraClrSchemeLst/>
   <a:extLst>
     <a:ext uri="{05A4C25C-085E-4340-85A3-A5531E510DB2}">
-      <thm15:themeFamily xmlns:thm15="http://schemas.microsoft.com/office/thememl/2012/main" name="Office Theme" id="{62F939B6-93AF-4DB8-9C6B-D6C7DFDC589F}" vid="{4A3C46E8-61CC-4603-A589-7422A47A8E4A}"/>
+      <thm15:themeFamily xmlns:thm15="http://schemas.microsoft.com/office/thememl/2012/main" xmlns="" name="Office Theme" id="{62F939B6-93AF-4DB8-9C6B-D6C7DFDC589F}" vid="{4A3C46E8-61CC-4603-A589-7422A47A8E4A}"/>
     </a:ext>
   </a:extLst>
 </a:theme>
@@ -35549,7 +35549,7 @@
     </a:clrScheme>
     <a:fontScheme name="Office">
       <a:majorFont>
-        <a:latin typeface="맑은 고딕" panose="020F0302020204030204"/>
+        <a:latin typeface="맑은 고딕"/>
         <a:ea typeface=""/>
         <a:cs typeface=""/>
         <a:font script="Jpan" typeface="ＭＳ Ｐゴシック"/>
@@ -35584,7 +35584,7 @@
         <a:font script="Geor" typeface="Sylfaen"/>
       </a:majorFont>
       <a:minorFont>
-        <a:latin typeface="맑은 고딕" panose="020F0502020204030204"/>
+        <a:latin typeface="맑은 고딕"/>
         <a:ea typeface=""/>
         <a:cs typeface=""/>
         <a:font script="Jpan" typeface="ＭＳ Ｐゴシック"/>
@@ -35761,7 +35761,7 @@
   <a:extraClrSchemeLst/>
   <a:extLst>
     <a:ext uri="{05A4C25C-085E-4340-85A3-A5531E510DB2}">
-      <thm15:themeFamily xmlns:thm15="http://schemas.microsoft.com/office/thememl/2012/main" name="Office Theme" id="{62F939B6-93AF-4DB8-9C6B-D6C7DFDC589F}" vid="{4A3C46E8-61CC-4603-A589-7422A47A8E4A}"/>
+      <thm15:themeFamily xmlns:thm15="http://schemas.microsoft.com/office/thememl/2012/main" xmlns="" name="Office Theme" id="{62F939B6-93AF-4DB8-9C6B-D6C7DFDC589F}" vid="{4A3C46E8-61CC-4603-A589-7422A47A8E4A}"/>
     </a:ext>
   </a:extLst>
 </a:theme>
@@ -35810,7 +35810,7 @@
     </a:clrScheme>
     <a:fontScheme name="Office">
       <a:majorFont>
-        <a:latin typeface="맑은 고딕" panose="020F0302020204030204"/>
+        <a:latin typeface="맑은 고딕"/>
         <a:ea typeface=""/>
         <a:cs typeface=""/>
         <a:font script="Jpan" typeface="ＭＳ Ｐゴシック"/>
@@ -35845,7 +35845,7 @@
         <a:font script="Geor" typeface="Sylfaen"/>
       </a:majorFont>
       <a:minorFont>
-        <a:latin typeface="맑은 고딕" panose="020F0502020204030204"/>
+        <a:latin typeface="맑은 고딕"/>
         <a:ea typeface=""/>
         <a:cs typeface=""/>
         <a:font script="Jpan" typeface="ＭＳ Ｐゴシック"/>
@@ -36022,7 +36022,7 @@
   <a:extraClrSchemeLst/>
   <a:extLst>
     <a:ext uri="{05A4C25C-085E-4340-85A3-A5531E510DB2}">
-      <thm15:themeFamily xmlns:thm15="http://schemas.microsoft.com/office/thememl/2012/main" name="Office Theme" id="{62F939B6-93AF-4DB8-9C6B-D6C7DFDC589F}" vid="{4A3C46E8-61CC-4603-A589-7422A47A8E4A}"/>
+      <thm15:themeFamily xmlns:thm15="http://schemas.microsoft.com/office/thememl/2012/main" xmlns="" name="Office Theme" id="{62F939B6-93AF-4DB8-9C6B-D6C7DFDC589F}" vid="{4A3C46E8-61CC-4603-A589-7422A47A8E4A}"/>
     </a:ext>
   </a:extLst>
 </a:theme>
